--- a/Lectures/A1.b_Bash-redirections-pipes.pptx
+++ b/Lectures/A1.b_Bash-redirections-pipes.pptx
@@ -39,6 +39,8 @@
     <p:sldId id="284" r:id="rId34"/>
     <p:sldId id="285" r:id="rId35"/>
     <p:sldId id="286" r:id="rId36"/>
+    <p:sldId id="287" r:id="rId37"/>
+    <p:sldId id="288" r:id="rId38"/>
   </p:sldIdLst>
   <p:sldSz cy="5143500" cx="9144000"/>
   <p:notesSz cx="6858000" cy="9144000"/>
@@ -1555,7 +1557,205 @@
       </p:grpSpPr>
       <p:sp>
         <p:nvSpPr>
-          <p:cNvPr id="164" name="Google Shape;164;g974e6f8c3a_0_311:notes"/>
+          <p:cNvPr id="164" name="Google Shape;164;g974e6f8f77_9_0:notes"/>
+          <p:cNvSpPr/>
+          <p:nvPr>
+            <p:ph idx="2" type="sldImg"/>
+          </p:nvPr>
+        </p:nvSpPr>
+        <p:spPr>
+          <a:xfrm>
+            <a:off x="381300" y="685800"/>
+            <a:ext cx="6096000" cy="3429000"/>
+          </a:xfrm>
+          <a:custGeom>
+            <a:rect b="b" l="l" r="r" t="t"/>
+            <a:pathLst>
+              <a:path extrusionOk="0" h="120000" w="120000">
+                <a:moveTo>
+                  <a:pt x="0" y="0"/>
+                </a:moveTo>
+                <a:lnTo>
+                  <a:pt x="120000" y="0"/>
+                </a:lnTo>
+                <a:lnTo>
+                  <a:pt x="120000" y="120000"/>
+                </a:lnTo>
+                <a:lnTo>
+                  <a:pt x="0" y="120000"/>
+                </a:lnTo>
+                <a:close/>
+              </a:path>
+            </a:pathLst>
+          </a:custGeom>
+        </p:spPr>
+      </p:sp>
+      <p:sp>
+        <p:nvSpPr>
+          <p:cNvPr id="165" name="Google Shape;165;g974e6f8f77_9_0:notes"/>
+          <p:cNvSpPr txBox="1"/>
+          <p:nvPr>
+            <p:ph idx="1" type="body"/>
+          </p:nvPr>
+        </p:nvSpPr>
+        <p:spPr>
+          <a:xfrm>
+            <a:off x="685800" y="4343400"/>
+            <a:ext cx="5486400" cy="4114800"/>
+          </a:xfrm>
+          <a:prstGeom prst="rect">
+            <a:avLst/>
+          </a:prstGeom>
+        </p:spPr>
+        <p:txBody>
+          <a:bodyPr anchorCtr="0" anchor="t" bIns="91425" lIns="91425" spcFirstLastPara="1" rIns="91425" wrap="square" tIns="91425">
+            <a:noAutofit/>
+          </a:bodyPr>
+          <a:lstStyle/>
+          <a:p>
+            <a:pPr indent="0" lvl="0" marL="0" rtl="0" algn="l">
+              <a:spcBef>
+                <a:spcPts val="0"/>
+              </a:spcBef>
+              <a:spcAft>
+                <a:spcPts val="0"/>
+              </a:spcAft>
+              <a:buNone/>
+            </a:pPr>
+            <a:r>
+              <a:t/>
+            </a:r>
+            <a:endParaRPr/>
+          </a:p>
+        </p:txBody>
+      </p:sp>
+    </p:spTree>
+  </p:cSld>
+  <p:clrMapOvr>
+    <a:masterClrMapping/>
+  </p:clrMapOvr>
+</p:notes>
+</file>
+
+<file path=ppt/notesSlides/notesSlide17.xml><?xml version="1.0" encoding="utf-8"?>
+<p:notes xmlns:a="http://schemas.openxmlformats.org/drawingml/2006/main" xmlns:r="http://schemas.openxmlformats.org/officeDocument/2006/relationships" xmlns:mc="http://schemas.openxmlformats.org/markup-compatibility/2006" xmlns:mv="urn:schemas-microsoft-com:mac:vml" xmlns:p="http://schemas.openxmlformats.org/presentationml/2006/main" xmlns:c="http://schemas.openxmlformats.org/drawingml/2006/chart" xmlns:dgm="http://schemas.openxmlformats.org/drawingml/2006/diagram" xmlns:o="urn:schemas-microsoft-com:office:office" xmlns:v="urn:schemas-microsoft-com:vml" xmlns:pvml="urn:schemas-microsoft-com:office:powerpoint" xmlns:com="http://schemas.openxmlformats.org/drawingml/2006/compatibility" xmlns:p14="http://schemas.microsoft.com/office/powerpoint/2010/main" xmlns:p15="http://schemas.microsoft.com/office/powerpoint/2012/main" xmlns:ahyp="http://schemas.microsoft.com/office/drawing/2018/hyperlinkcolor" showMasterPhAnim="0" showMasterSp="0">
+  <p:cSld>
+    <p:spTree>
+      <p:nvGrpSpPr>
+        <p:cNvPr id="174" name="Shape 174"/>
+        <p:cNvGrpSpPr/>
+        <p:nvPr/>
+      </p:nvGrpSpPr>
+      <p:grpSpPr>
+        <a:xfrm>
+          <a:off x="0" y="0"/>
+          <a:ext cx="0" cy="0"/>
+          <a:chOff x="0" y="0"/>
+          <a:chExt cx="0" cy="0"/>
+        </a:xfrm>
+      </p:grpSpPr>
+      <p:sp>
+        <p:nvSpPr>
+          <p:cNvPr id="175" name="Google Shape;175;g974e6f8f77_9_10:notes"/>
+          <p:cNvSpPr/>
+          <p:nvPr>
+            <p:ph idx="2" type="sldImg"/>
+          </p:nvPr>
+        </p:nvSpPr>
+        <p:spPr>
+          <a:xfrm>
+            <a:off x="381300" y="685800"/>
+            <a:ext cx="6096000" cy="3429000"/>
+          </a:xfrm>
+          <a:custGeom>
+            <a:rect b="b" l="l" r="r" t="t"/>
+            <a:pathLst>
+              <a:path extrusionOk="0" h="120000" w="120000">
+                <a:moveTo>
+                  <a:pt x="0" y="0"/>
+                </a:moveTo>
+                <a:lnTo>
+                  <a:pt x="120000" y="0"/>
+                </a:lnTo>
+                <a:lnTo>
+                  <a:pt x="120000" y="120000"/>
+                </a:lnTo>
+                <a:lnTo>
+                  <a:pt x="0" y="120000"/>
+                </a:lnTo>
+                <a:close/>
+              </a:path>
+            </a:pathLst>
+          </a:custGeom>
+        </p:spPr>
+      </p:sp>
+      <p:sp>
+        <p:nvSpPr>
+          <p:cNvPr id="176" name="Google Shape;176;g974e6f8f77_9_10:notes"/>
+          <p:cNvSpPr txBox="1"/>
+          <p:nvPr>
+            <p:ph idx="1" type="body"/>
+          </p:nvPr>
+        </p:nvSpPr>
+        <p:spPr>
+          <a:xfrm>
+            <a:off x="685800" y="4343400"/>
+            <a:ext cx="5486400" cy="4114800"/>
+          </a:xfrm>
+          <a:prstGeom prst="rect">
+            <a:avLst/>
+          </a:prstGeom>
+        </p:spPr>
+        <p:txBody>
+          <a:bodyPr anchorCtr="0" anchor="t" bIns="91425" lIns="91425" spcFirstLastPara="1" rIns="91425" wrap="square" tIns="91425">
+            <a:noAutofit/>
+          </a:bodyPr>
+          <a:lstStyle/>
+          <a:p>
+            <a:pPr indent="0" lvl="0" marL="0" rtl="0" algn="l">
+              <a:spcBef>
+                <a:spcPts val="0"/>
+              </a:spcBef>
+              <a:spcAft>
+                <a:spcPts val="0"/>
+              </a:spcAft>
+              <a:buNone/>
+            </a:pPr>
+            <a:r>
+              <a:t/>
+            </a:r>
+            <a:endParaRPr/>
+          </a:p>
+        </p:txBody>
+      </p:sp>
+    </p:spTree>
+  </p:cSld>
+  <p:clrMapOvr>
+    <a:masterClrMapping/>
+  </p:clrMapOvr>
+</p:notes>
+</file>
+
+<file path=ppt/notesSlides/notesSlide18.xml><?xml version="1.0" encoding="utf-8"?>
+<p:notes xmlns:a="http://schemas.openxmlformats.org/drawingml/2006/main" xmlns:r="http://schemas.openxmlformats.org/officeDocument/2006/relationships" xmlns:mc="http://schemas.openxmlformats.org/markup-compatibility/2006" xmlns:mv="urn:schemas-microsoft-com:mac:vml" xmlns:p="http://schemas.openxmlformats.org/presentationml/2006/main" xmlns:c="http://schemas.openxmlformats.org/drawingml/2006/chart" xmlns:dgm="http://schemas.openxmlformats.org/drawingml/2006/diagram" xmlns:o="urn:schemas-microsoft-com:office:office" xmlns:v="urn:schemas-microsoft-com:vml" xmlns:pvml="urn:schemas-microsoft-com:office:powerpoint" xmlns:com="http://schemas.openxmlformats.org/drawingml/2006/compatibility" xmlns:p14="http://schemas.microsoft.com/office/powerpoint/2010/main" xmlns:p15="http://schemas.microsoft.com/office/powerpoint/2012/main" xmlns:ahyp="http://schemas.microsoft.com/office/drawing/2018/hyperlinkcolor" showMasterPhAnim="0" showMasterSp="0">
+  <p:cSld>
+    <p:spTree>
+      <p:nvGrpSpPr>
+        <p:cNvPr id="181" name="Shape 181"/>
+        <p:cNvGrpSpPr/>
+        <p:nvPr/>
+      </p:nvGrpSpPr>
+      <p:grpSpPr>
+        <a:xfrm>
+          <a:off x="0" y="0"/>
+          <a:ext cx="0" cy="0"/>
+          <a:chOff x="0" y="0"/>
+          <a:chExt cx="0" cy="0"/>
+        </a:xfrm>
+      </p:grpSpPr>
+      <p:sp>
+        <p:nvSpPr>
+          <p:cNvPr id="182" name="Google Shape;182;g974e6f8c3a_0_311:notes"/>
           <p:cNvSpPr/>
           <p:nvPr>
             <p:ph idx="2" type="sldImg"/>
@@ -1600,7 +1800,7 @@
       </p:sp>
       <p:sp>
         <p:nvSpPr>
-          <p:cNvPr id="165" name="Google Shape;165;g974e6f8c3a_0_311:notes"/>
+          <p:cNvPr id="183" name="Google Shape;183;g974e6f8c3a_0_311:notes"/>
           <p:cNvSpPr txBox="1"/>
           <p:nvPr>
             <p:ph idx="1" type="body"/>
@@ -1653,12 +1853,12 @@
 </p:notes>
 </file>
 
-<file path=ppt/notesSlides/notesSlide17.xml><?xml version="1.0" encoding="utf-8"?>
+<file path=ppt/notesSlides/notesSlide19.xml><?xml version="1.0" encoding="utf-8"?>
 <p:notes xmlns:a="http://schemas.openxmlformats.org/drawingml/2006/main" xmlns:r="http://schemas.openxmlformats.org/officeDocument/2006/relationships" xmlns:mc="http://schemas.openxmlformats.org/markup-compatibility/2006" xmlns:mv="urn:schemas-microsoft-com:mac:vml" xmlns:p="http://schemas.openxmlformats.org/presentationml/2006/main" xmlns:c="http://schemas.openxmlformats.org/drawingml/2006/chart" xmlns:dgm="http://schemas.openxmlformats.org/drawingml/2006/diagram" xmlns:o="urn:schemas-microsoft-com:office:office" xmlns:v="urn:schemas-microsoft-com:vml" xmlns:pvml="urn:schemas-microsoft-com:office:powerpoint" xmlns:com="http://schemas.openxmlformats.org/drawingml/2006/compatibility" xmlns:p14="http://schemas.microsoft.com/office/powerpoint/2010/main" xmlns:p15="http://schemas.microsoft.com/office/powerpoint/2012/main" xmlns:ahyp="http://schemas.microsoft.com/office/drawing/2018/hyperlinkcolor" showMasterPhAnim="0" showMasterSp="0">
   <p:cSld>
     <p:spTree>
       <p:nvGrpSpPr>
-        <p:cNvPr id="170" name="Shape 170"/>
+        <p:cNvPr id="188" name="Shape 188"/>
         <p:cNvGrpSpPr/>
         <p:nvPr/>
       </p:nvGrpSpPr>
@@ -1672,7 +1872,7 @@
       </p:grpSpPr>
       <p:sp>
         <p:nvSpPr>
-          <p:cNvPr id="171" name="Google Shape;171;g974e6f8c3a_0_218:notes"/>
+          <p:cNvPr id="189" name="Google Shape;189;g974e6f8c3a_0_218:notes"/>
           <p:cNvSpPr/>
           <p:nvPr>
             <p:ph idx="2" type="sldImg"/>
@@ -1717,7 +1917,7 @@
       </p:sp>
       <p:sp>
         <p:nvSpPr>
-          <p:cNvPr id="172" name="Google Shape;172;g974e6f8c3a_0_218:notes"/>
+          <p:cNvPr id="190" name="Google Shape;190;g974e6f8c3a_0_218:notes"/>
           <p:cNvSpPr txBox="1"/>
           <p:nvPr>
             <p:ph idx="1" type="body"/>
@@ -1753,222 +1953,6 @@
                 <a:spcPts val="0"/>
               </a:spcAft>
               <a:buSzPts val="1100"/>
-              <a:buNone/>
-            </a:pPr>
-            <a:r>
-              <a:t/>
-            </a:r>
-            <a:endParaRPr/>
-          </a:p>
-        </p:txBody>
-      </p:sp>
-    </p:spTree>
-  </p:cSld>
-  <p:clrMapOvr>
-    <a:masterClrMapping/>
-  </p:clrMapOvr>
-</p:notes>
-</file>
-
-<file path=ppt/notesSlides/notesSlide18.xml><?xml version="1.0" encoding="utf-8"?>
-<p:notes xmlns:a="http://schemas.openxmlformats.org/drawingml/2006/main" xmlns:r="http://schemas.openxmlformats.org/officeDocument/2006/relationships" xmlns:mc="http://schemas.openxmlformats.org/markup-compatibility/2006" xmlns:mv="urn:schemas-microsoft-com:mac:vml" xmlns:p="http://schemas.openxmlformats.org/presentationml/2006/main" xmlns:c="http://schemas.openxmlformats.org/drawingml/2006/chart" xmlns:dgm="http://schemas.openxmlformats.org/drawingml/2006/diagram" xmlns:o="urn:schemas-microsoft-com:office:office" xmlns:v="urn:schemas-microsoft-com:vml" xmlns:pvml="urn:schemas-microsoft-com:office:powerpoint" xmlns:com="http://schemas.openxmlformats.org/drawingml/2006/compatibility" xmlns:p14="http://schemas.microsoft.com/office/powerpoint/2010/main" xmlns:p15="http://schemas.microsoft.com/office/powerpoint/2012/main" xmlns:ahyp="http://schemas.microsoft.com/office/drawing/2018/hyperlinkcolor" showMasterPhAnim="0" showMasterSp="0">
-  <p:cSld>
-    <p:spTree>
-      <p:nvGrpSpPr>
-        <p:cNvPr id="178" name="Shape 178"/>
-        <p:cNvGrpSpPr/>
-        <p:nvPr/>
-      </p:nvGrpSpPr>
-      <p:grpSpPr>
-        <a:xfrm>
-          <a:off x="0" y="0"/>
-          <a:ext cx="0" cy="0"/>
-          <a:chOff x="0" y="0"/>
-          <a:chExt cx="0" cy="0"/>
-        </a:xfrm>
-      </p:grpSpPr>
-      <p:sp>
-        <p:nvSpPr>
-          <p:cNvPr id="179" name="Google Shape;179;g974e6f8c3a_0_331:notes"/>
-          <p:cNvSpPr/>
-          <p:nvPr>
-            <p:ph idx="2" type="sldImg"/>
-          </p:nvPr>
-        </p:nvSpPr>
-        <p:spPr>
-          <a:xfrm>
-            <a:off x="381300" y="685800"/>
-            <a:ext cx="6096000" cy="3429000"/>
-          </a:xfrm>
-          <a:custGeom>
-            <a:rect b="b" l="l" r="r" t="t"/>
-            <a:pathLst>
-              <a:path extrusionOk="0" h="120000" w="120000">
-                <a:moveTo>
-                  <a:pt x="0" y="0"/>
-                </a:moveTo>
-                <a:lnTo>
-                  <a:pt x="120000" y="0"/>
-                </a:lnTo>
-                <a:lnTo>
-                  <a:pt x="120000" y="120000"/>
-                </a:lnTo>
-                <a:lnTo>
-                  <a:pt x="0" y="120000"/>
-                </a:lnTo>
-                <a:close/>
-              </a:path>
-            </a:pathLst>
-          </a:custGeom>
-          <a:noFill/>
-          <a:ln cap="flat" cmpd="sng" w="9525">
-            <a:solidFill>
-              <a:srgbClr val="000000"/>
-            </a:solidFill>
-            <a:prstDash val="solid"/>
-            <a:round/>
-            <a:headEnd len="sm" w="sm" type="none"/>
-            <a:tailEnd len="sm" w="sm" type="none"/>
-          </a:ln>
-        </p:spPr>
-      </p:sp>
-      <p:sp>
-        <p:nvSpPr>
-          <p:cNvPr id="180" name="Google Shape;180;g974e6f8c3a_0_331:notes"/>
-          <p:cNvSpPr txBox="1"/>
-          <p:nvPr>
-            <p:ph idx="1" type="body"/>
-          </p:nvPr>
-        </p:nvSpPr>
-        <p:spPr>
-          <a:xfrm>
-            <a:off x="685800" y="4343400"/>
-            <a:ext cx="5486400" cy="4114800"/>
-          </a:xfrm>
-          <a:prstGeom prst="rect">
-            <a:avLst/>
-          </a:prstGeom>
-          <a:noFill/>
-          <a:ln>
-            <a:noFill/>
-          </a:ln>
-        </p:spPr>
-        <p:txBody>
-          <a:bodyPr anchorCtr="0" anchor="t" bIns="91425" lIns="91425" spcFirstLastPara="1" rIns="91425" wrap="square" tIns="91425">
-            <a:noAutofit/>
-          </a:bodyPr>
-          <a:lstStyle/>
-          <a:p>
-            <a:pPr indent="0" lvl="0" marL="0" rtl="0" algn="l">
-              <a:lnSpc>
-                <a:spcPct val="100000"/>
-              </a:lnSpc>
-              <a:spcBef>
-                <a:spcPts val="0"/>
-              </a:spcBef>
-              <a:spcAft>
-                <a:spcPts val="0"/>
-              </a:spcAft>
-              <a:buSzPts val="1100"/>
-              <a:buNone/>
-            </a:pPr>
-            <a:r>
-              <a:t/>
-            </a:r>
-            <a:endParaRPr/>
-          </a:p>
-        </p:txBody>
-      </p:sp>
-    </p:spTree>
-  </p:cSld>
-  <p:clrMapOvr>
-    <a:masterClrMapping/>
-  </p:clrMapOvr>
-</p:notes>
-</file>
-
-<file path=ppt/notesSlides/notesSlide19.xml><?xml version="1.0" encoding="utf-8"?>
-<p:notes xmlns:a="http://schemas.openxmlformats.org/drawingml/2006/main" xmlns:r="http://schemas.openxmlformats.org/officeDocument/2006/relationships" xmlns:mc="http://schemas.openxmlformats.org/markup-compatibility/2006" xmlns:mv="urn:schemas-microsoft-com:mac:vml" xmlns:p="http://schemas.openxmlformats.org/presentationml/2006/main" xmlns:c="http://schemas.openxmlformats.org/drawingml/2006/chart" xmlns:dgm="http://schemas.openxmlformats.org/drawingml/2006/diagram" xmlns:o="urn:schemas-microsoft-com:office:office" xmlns:v="urn:schemas-microsoft-com:vml" xmlns:pvml="urn:schemas-microsoft-com:office:powerpoint" xmlns:com="http://schemas.openxmlformats.org/drawingml/2006/compatibility" xmlns:p14="http://schemas.microsoft.com/office/powerpoint/2010/main" xmlns:p15="http://schemas.microsoft.com/office/powerpoint/2012/main" xmlns:ahyp="http://schemas.microsoft.com/office/drawing/2018/hyperlinkcolor" showMasterPhAnim="0" showMasterSp="0">
-  <p:cSld>
-    <p:spTree>
-      <p:nvGrpSpPr>
-        <p:cNvPr id="185" name="Shape 185"/>
-        <p:cNvGrpSpPr/>
-        <p:nvPr/>
-      </p:nvGrpSpPr>
-      <p:grpSpPr>
-        <a:xfrm>
-          <a:off x="0" y="0"/>
-          <a:ext cx="0" cy="0"/>
-          <a:chOff x="0" y="0"/>
-          <a:chExt cx="0" cy="0"/>
-        </a:xfrm>
-      </p:grpSpPr>
-      <p:sp>
-        <p:nvSpPr>
-          <p:cNvPr id="186" name="Google Shape;186;g9278e0770d_0_241:notes"/>
-          <p:cNvSpPr/>
-          <p:nvPr>
-            <p:ph idx="2" type="sldImg"/>
-          </p:nvPr>
-        </p:nvSpPr>
-        <p:spPr>
-          <a:xfrm>
-            <a:off x="381300" y="685800"/>
-            <a:ext cx="6096000" cy="3429000"/>
-          </a:xfrm>
-          <a:custGeom>
-            <a:rect b="b" l="l" r="r" t="t"/>
-            <a:pathLst>
-              <a:path extrusionOk="0" h="120000" w="120000">
-                <a:moveTo>
-                  <a:pt x="0" y="0"/>
-                </a:moveTo>
-                <a:lnTo>
-                  <a:pt x="120000" y="0"/>
-                </a:lnTo>
-                <a:lnTo>
-                  <a:pt x="120000" y="120000"/>
-                </a:lnTo>
-                <a:lnTo>
-                  <a:pt x="0" y="120000"/>
-                </a:lnTo>
-                <a:close/>
-              </a:path>
-            </a:pathLst>
-          </a:custGeom>
-        </p:spPr>
-      </p:sp>
-      <p:sp>
-        <p:nvSpPr>
-          <p:cNvPr id="187" name="Google Shape;187;g9278e0770d_0_241:notes"/>
-          <p:cNvSpPr txBox="1"/>
-          <p:nvPr>
-            <p:ph idx="1" type="body"/>
-          </p:nvPr>
-        </p:nvSpPr>
-        <p:spPr>
-          <a:xfrm>
-            <a:off x="685800" y="4343400"/>
-            <a:ext cx="5486400" cy="4114800"/>
-          </a:xfrm>
-          <a:prstGeom prst="rect">
-            <a:avLst/>
-          </a:prstGeom>
-        </p:spPr>
-        <p:txBody>
-          <a:bodyPr anchorCtr="0" anchor="t" bIns="91425" lIns="91425" spcFirstLastPara="1" rIns="91425" wrap="square" tIns="91425">
-            <a:noAutofit/>
-          </a:bodyPr>
-          <a:lstStyle/>
-          <a:p>
-            <a:pPr indent="0" lvl="0" marL="0" rtl="0" algn="l">
-              <a:spcBef>
-                <a:spcPts val="0"/>
-              </a:spcBef>
-              <a:spcAft>
-                <a:spcPts val="0"/>
-              </a:spcAft>
               <a:buNone/>
             </a:pPr>
             <a:r>
@@ -2108,7 +2092,7 @@
   <p:cSld>
     <p:spTree>
       <p:nvGrpSpPr>
-        <p:cNvPr id="199" name="Shape 199"/>
+        <p:cNvPr id="196" name="Shape 196"/>
         <p:cNvGrpSpPr/>
         <p:nvPr/>
       </p:nvGrpSpPr>
@@ -2122,1185 +2106,7 @@
       </p:grpSpPr>
       <p:sp>
         <p:nvSpPr>
-          <p:cNvPr id="200" name="Google Shape;200;g9278e0770d_0_314:notes"/>
-          <p:cNvSpPr/>
-          <p:nvPr>
-            <p:ph idx="2" type="sldImg"/>
-          </p:nvPr>
-        </p:nvSpPr>
-        <p:spPr>
-          <a:xfrm>
-            <a:off x="381300" y="685800"/>
-            <a:ext cx="6096000" cy="3429000"/>
-          </a:xfrm>
-          <a:custGeom>
-            <a:rect b="b" l="l" r="r" t="t"/>
-            <a:pathLst>
-              <a:path extrusionOk="0" h="120000" w="120000">
-                <a:moveTo>
-                  <a:pt x="0" y="0"/>
-                </a:moveTo>
-                <a:lnTo>
-                  <a:pt x="120000" y="0"/>
-                </a:lnTo>
-                <a:lnTo>
-                  <a:pt x="120000" y="120000"/>
-                </a:lnTo>
-                <a:lnTo>
-                  <a:pt x="0" y="120000"/>
-                </a:lnTo>
-                <a:close/>
-              </a:path>
-            </a:pathLst>
-          </a:custGeom>
-        </p:spPr>
-      </p:sp>
-      <p:sp>
-        <p:nvSpPr>
-          <p:cNvPr id="201" name="Google Shape;201;g9278e0770d_0_314:notes"/>
-          <p:cNvSpPr txBox="1"/>
-          <p:nvPr>
-            <p:ph idx="1" type="body"/>
-          </p:nvPr>
-        </p:nvSpPr>
-        <p:spPr>
-          <a:xfrm>
-            <a:off x="685800" y="4343400"/>
-            <a:ext cx="5486400" cy="4114800"/>
-          </a:xfrm>
-          <a:prstGeom prst="rect">
-            <a:avLst/>
-          </a:prstGeom>
-        </p:spPr>
-        <p:txBody>
-          <a:bodyPr anchorCtr="0" anchor="t" bIns="91425" lIns="91425" spcFirstLastPara="1" rIns="91425" wrap="square" tIns="91425">
-            <a:noAutofit/>
-          </a:bodyPr>
-          <a:lstStyle/>
-          <a:p>
-            <a:pPr indent="0" lvl="0" marL="0" rtl="0" algn="l">
-              <a:lnSpc>
-                <a:spcPct val="115000"/>
-              </a:lnSpc>
-              <a:spcBef>
-                <a:spcPts val="0"/>
-              </a:spcBef>
-              <a:spcAft>
-                <a:spcPts val="0"/>
-              </a:spcAft>
-              <a:buClr>
-                <a:schemeClr val="dk1"/>
-              </a:buClr>
-              <a:buSzPts val="1100"/>
-              <a:buFont typeface="Arial"/>
-              <a:buNone/>
-            </a:pPr>
-            <a:r>
-              <a:rPr lang="en" sz="1800">
-                <a:solidFill>
-                  <a:schemeClr val="dk2"/>
-                </a:solidFill>
-              </a:rPr>
-              <a:t>Many commands you’ve learned – </a:t>
-            </a:r>
-            <a:r>
-              <a:rPr lang="en" sz="1800">
-                <a:solidFill>
-                  <a:schemeClr val="dk2"/>
-                </a:solidFill>
-                <a:latin typeface="Courier New"/>
-                <a:ea typeface="Courier New"/>
-                <a:cs typeface="Courier New"/>
-                <a:sym typeface="Courier New"/>
-              </a:rPr>
-              <a:t>ls</a:t>
-            </a:r>
-            <a:r>
-              <a:rPr lang="en" sz="1800">
-                <a:solidFill>
-                  <a:schemeClr val="dk2"/>
-                </a:solidFill>
-              </a:rPr>
-              <a:t>, </a:t>
-            </a:r>
-            <a:r>
-              <a:rPr lang="en" sz="1800">
-                <a:solidFill>
-                  <a:schemeClr val="dk2"/>
-                </a:solidFill>
-                <a:latin typeface="Courier New"/>
-                <a:ea typeface="Courier New"/>
-                <a:cs typeface="Courier New"/>
-                <a:sym typeface="Courier New"/>
-              </a:rPr>
-              <a:t>grep</a:t>
-            </a:r>
-            <a:r>
-              <a:rPr lang="en" sz="1800">
-                <a:solidFill>
-                  <a:schemeClr val="dk2"/>
-                </a:solidFill>
-              </a:rPr>
-              <a:t>, </a:t>
-            </a:r>
-            <a:r>
-              <a:rPr lang="en" sz="1800">
-                <a:solidFill>
-                  <a:schemeClr val="dk2"/>
-                </a:solidFill>
-                <a:latin typeface="Courier New"/>
-                <a:ea typeface="Courier New"/>
-                <a:cs typeface="Courier New"/>
-                <a:sym typeface="Courier New"/>
-              </a:rPr>
-              <a:t>sort</a:t>
-            </a:r>
-            <a:r>
-              <a:rPr lang="en" sz="1800">
-                <a:solidFill>
-                  <a:schemeClr val="dk2"/>
-                </a:solidFill>
-              </a:rPr>
-              <a:t>, </a:t>
-            </a:r>
-            <a:r>
-              <a:rPr lang="en" sz="1800">
-                <a:solidFill>
-                  <a:schemeClr val="dk2"/>
-                </a:solidFill>
-                <a:latin typeface="Courier New"/>
-                <a:ea typeface="Courier New"/>
-                <a:cs typeface="Courier New"/>
-                <a:sym typeface="Courier New"/>
-              </a:rPr>
-              <a:t>head</a:t>
-            </a:r>
-            <a:r>
-              <a:rPr lang="en" sz="1800">
-                <a:solidFill>
-                  <a:schemeClr val="dk2"/>
-                </a:solidFill>
-              </a:rPr>
-              <a:t>, </a:t>
-            </a:r>
-            <a:r>
-              <a:rPr lang="en" sz="1800">
-                <a:solidFill>
-                  <a:schemeClr val="dk2"/>
-                </a:solidFill>
-                <a:latin typeface="Courier New"/>
-                <a:ea typeface="Courier New"/>
-                <a:cs typeface="Courier New"/>
-                <a:sym typeface="Courier New"/>
-              </a:rPr>
-              <a:t>tail </a:t>
-            </a:r>
-            <a:r>
-              <a:rPr lang="en" sz="1800">
-                <a:solidFill>
-                  <a:schemeClr val="dk2"/>
-                </a:solidFill>
-              </a:rPr>
-              <a:t>– primarily send information to STDOUT.  By default, STDOUT is simply printed to your terminal display.</a:t>
-            </a:r>
-            <a:endParaRPr sz="1800">
-              <a:solidFill>
-                <a:schemeClr val="dk2"/>
-              </a:solidFill>
-            </a:endParaRPr>
-          </a:p>
-          <a:p>
-            <a:pPr indent="0" lvl="0" marL="0" rtl="0" algn="l">
-              <a:spcBef>
-                <a:spcPts val="1600"/>
-              </a:spcBef>
-              <a:spcAft>
-                <a:spcPts val="0"/>
-              </a:spcAft>
-              <a:buNone/>
-            </a:pPr>
-            <a:r>
-              <a:t/>
-            </a:r>
-            <a:endParaRPr/>
-          </a:p>
-        </p:txBody>
-      </p:sp>
-    </p:spTree>
-  </p:cSld>
-  <p:clrMapOvr>
-    <a:masterClrMapping/>
-  </p:clrMapOvr>
-</p:notes>
-</file>
-
-<file path=ppt/notesSlides/notesSlide21.xml><?xml version="1.0" encoding="utf-8"?>
-<p:notes xmlns:a="http://schemas.openxmlformats.org/drawingml/2006/main" xmlns:r="http://schemas.openxmlformats.org/officeDocument/2006/relationships" xmlns:mc="http://schemas.openxmlformats.org/markup-compatibility/2006" xmlns:mv="urn:schemas-microsoft-com:mac:vml" xmlns:p="http://schemas.openxmlformats.org/presentationml/2006/main" xmlns:c="http://schemas.openxmlformats.org/drawingml/2006/chart" xmlns:dgm="http://schemas.openxmlformats.org/drawingml/2006/diagram" xmlns:o="urn:schemas-microsoft-com:office:office" xmlns:v="urn:schemas-microsoft-com:vml" xmlns:pvml="urn:schemas-microsoft-com:office:powerpoint" xmlns:com="http://schemas.openxmlformats.org/drawingml/2006/compatibility" xmlns:p14="http://schemas.microsoft.com/office/powerpoint/2010/main" xmlns:p15="http://schemas.microsoft.com/office/powerpoint/2012/main" xmlns:ahyp="http://schemas.microsoft.com/office/drawing/2018/hyperlinkcolor" showMasterPhAnim="0" showMasterSp="0">
-  <p:cSld>
-    <p:spTree>
-      <p:nvGrpSpPr>
-        <p:cNvPr id="213" name="Shape 213"/>
-        <p:cNvGrpSpPr/>
-        <p:nvPr/>
-      </p:nvGrpSpPr>
-      <p:grpSpPr>
-        <a:xfrm>
-          <a:off x="0" y="0"/>
-          <a:ext cx="0" cy="0"/>
-          <a:chOff x="0" y="0"/>
-          <a:chExt cx="0" cy="0"/>
-        </a:xfrm>
-      </p:grpSpPr>
-      <p:sp>
-        <p:nvSpPr>
-          <p:cNvPr id="214" name="Google Shape;214;g9278e0770d_0_327:notes"/>
-          <p:cNvSpPr/>
-          <p:nvPr>
-            <p:ph idx="2" type="sldImg"/>
-          </p:nvPr>
-        </p:nvSpPr>
-        <p:spPr>
-          <a:xfrm>
-            <a:off x="381300" y="685800"/>
-            <a:ext cx="6096000" cy="3429000"/>
-          </a:xfrm>
-          <a:custGeom>
-            <a:rect b="b" l="l" r="r" t="t"/>
-            <a:pathLst>
-              <a:path extrusionOk="0" h="120000" w="120000">
-                <a:moveTo>
-                  <a:pt x="0" y="0"/>
-                </a:moveTo>
-                <a:lnTo>
-                  <a:pt x="120000" y="0"/>
-                </a:lnTo>
-                <a:lnTo>
-                  <a:pt x="120000" y="120000"/>
-                </a:lnTo>
-                <a:lnTo>
-                  <a:pt x="0" y="120000"/>
-                </a:lnTo>
-                <a:close/>
-              </a:path>
-            </a:pathLst>
-          </a:custGeom>
-        </p:spPr>
-      </p:sp>
-      <p:sp>
-        <p:nvSpPr>
-          <p:cNvPr id="215" name="Google Shape;215;g9278e0770d_0_327:notes"/>
-          <p:cNvSpPr txBox="1"/>
-          <p:nvPr>
-            <p:ph idx="1" type="body"/>
-          </p:nvPr>
-        </p:nvSpPr>
-        <p:spPr>
-          <a:xfrm>
-            <a:off x="685800" y="4343400"/>
-            <a:ext cx="5486400" cy="4114800"/>
-          </a:xfrm>
-          <a:prstGeom prst="rect">
-            <a:avLst/>
-          </a:prstGeom>
-        </p:spPr>
-        <p:txBody>
-          <a:bodyPr anchorCtr="0" anchor="t" bIns="91425" lIns="91425" spcFirstLastPara="1" rIns="91425" wrap="square" tIns="91425">
-            <a:noAutofit/>
-          </a:bodyPr>
-          <a:lstStyle/>
-          <a:p>
-            <a:pPr indent="0" lvl="0" marL="0" rtl="0" algn="l">
-              <a:lnSpc>
-                <a:spcPct val="115000"/>
-              </a:lnSpc>
-              <a:spcBef>
-                <a:spcPts val="0"/>
-              </a:spcBef>
-              <a:spcAft>
-                <a:spcPts val="0"/>
-              </a:spcAft>
-              <a:buNone/>
-            </a:pPr>
-            <a:r>
-              <a:rPr lang="en" sz="1800">
-                <a:solidFill>
-                  <a:schemeClr val="dk2"/>
-                </a:solidFill>
-              </a:rPr>
-              <a:t>Many commands you’ve learned – </a:t>
-            </a:r>
-            <a:r>
-              <a:rPr lang="en" sz="1800">
-                <a:solidFill>
-                  <a:schemeClr val="dk2"/>
-                </a:solidFill>
-                <a:latin typeface="Courier New"/>
-                <a:ea typeface="Courier New"/>
-                <a:cs typeface="Courier New"/>
-                <a:sym typeface="Courier New"/>
-              </a:rPr>
-              <a:t>ls</a:t>
-            </a:r>
-            <a:r>
-              <a:rPr lang="en" sz="1800">
-                <a:solidFill>
-                  <a:schemeClr val="dk2"/>
-                </a:solidFill>
-              </a:rPr>
-              <a:t>, </a:t>
-            </a:r>
-            <a:r>
-              <a:rPr lang="en" sz="1800">
-                <a:solidFill>
-                  <a:schemeClr val="dk2"/>
-                </a:solidFill>
-                <a:latin typeface="Courier New"/>
-                <a:ea typeface="Courier New"/>
-                <a:cs typeface="Courier New"/>
-                <a:sym typeface="Courier New"/>
-              </a:rPr>
-              <a:t>grep</a:t>
-            </a:r>
-            <a:r>
-              <a:rPr lang="en" sz="1800">
-                <a:solidFill>
-                  <a:schemeClr val="dk2"/>
-                </a:solidFill>
-              </a:rPr>
-              <a:t>, </a:t>
-            </a:r>
-            <a:r>
-              <a:rPr lang="en" sz="1800">
-                <a:solidFill>
-                  <a:schemeClr val="dk2"/>
-                </a:solidFill>
-                <a:latin typeface="Courier New"/>
-                <a:ea typeface="Courier New"/>
-                <a:cs typeface="Courier New"/>
-                <a:sym typeface="Courier New"/>
-              </a:rPr>
-              <a:t>sort</a:t>
-            </a:r>
-            <a:r>
-              <a:rPr lang="en" sz="1800">
-                <a:solidFill>
-                  <a:schemeClr val="dk2"/>
-                </a:solidFill>
-              </a:rPr>
-              <a:t>, </a:t>
-            </a:r>
-            <a:r>
-              <a:rPr lang="en" sz="1800">
-                <a:solidFill>
-                  <a:schemeClr val="dk2"/>
-                </a:solidFill>
-                <a:latin typeface="Courier New"/>
-                <a:ea typeface="Courier New"/>
-                <a:cs typeface="Courier New"/>
-                <a:sym typeface="Courier New"/>
-              </a:rPr>
-              <a:t>head</a:t>
-            </a:r>
-            <a:r>
-              <a:rPr lang="en" sz="1800">
-                <a:solidFill>
-                  <a:schemeClr val="dk2"/>
-                </a:solidFill>
-              </a:rPr>
-              <a:t>, </a:t>
-            </a:r>
-            <a:r>
-              <a:rPr lang="en" sz="1800">
-                <a:solidFill>
-                  <a:schemeClr val="dk2"/>
-                </a:solidFill>
-                <a:latin typeface="Courier New"/>
-                <a:ea typeface="Courier New"/>
-                <a:cs typeface="Courier New"/>
-                <a:sym typeface="Courier New"/>
-              </a:rPr>
-              <a:t>tail </a:t>
-            </a:r>
-            <a:r>
-              <a:rPr lang="en" sz="1800">
-                <a:solidFill>
-                  <a:schemeClr val="dk2"/>
-                </a:solidFill>
-              </a:rPr>
-              <a:t>– primarily send information to STDOUT.  By default, STDOUT is simply printed to your terminal display.</a:t>
-            </a:r>
-            <a:endParaRPr sz="1800">
-              <a:solidFill>
-                <a:schemeClr val="dk2"/>
-              </a:solidFill>
-            </a:endParaRPr>
-          </a:p>
-          <a:p>
-            <a:pPr indent="0" lvl="0" marL="0" rtl="0" algn="l">
-              <a:spcBef>
-                <a:spcPts val="1600"/>
-              </a:spcBef>
-              <a:spcAft>
-                <a:spcPts val="0"/>
-              </a:spcAft>
-              <a:buNone/>
-            </a:pPr>
-            <a:r>
-              <a:t/>
-            </a:r>
-            <a:endParaRPr/>
-          </a:p>
-        </p:txBody>
-      </p:sp>
-    </p:spTree>
-  </p:cSld>
-  <p:clrMapOvr>
-    <a:masterClrMapping/>
-  </p:clrMapOvr>
-</p:notes>
-</file>
-
-<file path=ppt/notesSlides/notesSlide22.xml><?xml version="1.0" encoding="utf-8"?>
-<p:notes xmlns:a="http://schemas.openxmlformats.org/drawingml/2006/main" xmlns:r="http://schemas.openxmlformats.org/officeDocument/2006/relationships" xmlns:mc="http://schemas.openxmlformats.org/markup-compatibility/2006" xmlns:mv="urn:schemas-microsoft-com:mac:vml" xmlns:p="http://schemas.openxmlformats.org/presentationml/2006/main" xmlns:c="http://schemas.openxmlformats.org/drawingml/2006/chart" xmlns:dgm="http://schemas.openxmlformats.org/drawingml/2006/diagram" xmlns:o="urn:schemas-microsoft-com:office:office" xmlns:v="urn:schemas-microsoft-com:vml" xmlns:pvml="urn:schemas-microsoft-com:office:powerpoint" xmlns:com="http://schemas.openxmlformats.org/drawingml/2006/compatibility" xmlns:p14="http://schemas.microsoft.com/office/powerpoint/2010/main" xmlns:p15="http://schemas.microsoft.com/office/powerpoint/2012/main" xmlns:ahyp="http://schemas.microsoft.com/office/drawing/2018/hyperlinkcolor" showMasterPhAnim="0" showMasterSp="0">
-  <p:cSld>
-    <p:spTree>
-      <p:nvGrpSpPr>
-        <p:cNvPr id="232" name="Shape 232"/>
-        <p:cNvGrpSpPr/>
-        <p:nvPr/>
-      </p:nvGrpSpPr>
-      <p:grpSpPr>
-        <a:xfrm>
-          <a:off x="0" y="0"/>
-          <a:ext cx="0" cy="0"/>
-          <a:chOff x="0" y="0"/>
-          <a:chExt cx="0" cy="0"/>
-        </a:xfrm>
-      </p:grpSpPr>
-      <p:sp>
-        <p:nvSpPr>
-          <p:cNvPr id="233" name="Google Shape;233;g9278e0770d_0_345:notes"/>
-          <p:cNvSpPr/>
-          <p:nvPr>
-            <p:ph idx="2" type="sldImg"/>
-          </p:nvPr>
-        </p:nvSpPr>
-        <p:spPr>
-          <a:xfrm>
-            <a:off x="381300" y="685800"/>
-            <a:ext cx="6096000" cy="3429000"/>
-          </a:xfrm>
-          <a:custGeom>
-            <a:rect b="b" l="l" r="r" t="t"/>
-            <a:pathLst>
-              <a:path extrusionOk="0" h="120000" w="120000">
-                <a:moveTo>
-                  <a:pt x="0" y="0"/>
-                </a:moveTo>
-                <a:lnTo>
-                  <a:pt x="120000" y="0"/>
-                </a:lnTo>
-                <a:lnTo>
-                  <a:pt x="120000" y="120000"/>
-                </a:lnTo>
-                <a:lnTo>
-                  <a:pt x="0" y="120000"/>
-                </a:lnTo>
-                <a:close/>
-              </a:path>
-            </a:pathLst>
-          </a:custGeom>
-        </p:spPr>
-      </p:sp>
-      <p:sp>
-        <p:nvSpPr>
-          <p:cNvPr id="234" name="Google Shape;234;g9278e0770d_0_345:notes"/>
-          <p:cNvSpPr txBox="1"/>
-          <p:nvPr>
-            <p:ph idx="1" type="body"/>
-          </p:nvPr>
-        </p:nvSpPr>
-        <p:spPr>
-          <a:xfrm>
-            <a:off x="685800" y="4343400"/>
-            <a:ext cx="5486400" cy="4114800"/>
-          </a:xfrm>
-          <a:prstGeom prst="rect">
-            <a:avLst/>
-          </a:prstGeom>
-        </p:spPr>
-        <p:txBody>
-          <a:bodyPr anchorCtr="0" anchor="t" bIns="91425" lIns="91425" spcFirstLastPara="1" rIns="91425" wrap="square" tIns="91425">
-            <a:noAutofit/>
-          </a:bodyPr>
-          <a:lstStyle/>
-          <a:p>
-            <a:pPr indent="0" lvl="0" marL="0" rtl="0" algn="l">
-              <a:spcBef>
-                <a:spcPts val="0"/>
-              </a:spcBef>
-              <a:spcAft>
-                <a:spcPts val="0"/>
-              </a:spcAft>
-              <a:buNone/>
-            </a:pPr>
-            <a:r>
-              <a:t/>
-            </a:r>
-            <a:endParaRPr/>
-          </a:p>
-        </p:txBody>
-      </p:sp>
-    </p:spTree>
-  </p:cSld>
-  <p:clrMapOvr>
-    <a:masterClrMapping/>
-  </p:clrMapOvr>
-</p:notes>
-</file>
-
-<file path=ppt/notesSlides/notesSlide23.xml><?xml version="1.0" encoding="utf-8"?>
-<p:notes xmlns:a="http://schemas.openxmlformats.org/drawingml/2006/main" xmlns:r="http://schemas.openxmlformats.org/officeDocument/2006/relationships" xmlns:mc="http://schemas.openxmlformats.org/markup-compatibility/2006" xmlns:mv="urn:schemas-microsoft-com:mac:vml" xmlns:p="http://schemas.openxmlformats.org/presentationml/2006/main" xmlns:c="http://schemas.openxmlformats.org/drawingml/2006/chart" xmlns:dgm="http://schemas.openxmlformats.org/drawingml/2006/diagram" xmlns:o="urn:schemas-microsoft-com:office:office" xmlns:v="urn:schemas-microsoft-com:vml" xmlns:pvml="urn:schemas-microsoft-com:office:powerpoint" xmlns:com="http://schemas.openxmlformats.org/drawingml/2006/compatibility" xmlns:p14="http://schemas.microsoft.com/office/powerpoint/2010/main" xmlns:p15="http://schemas.microsoft.com/office/powerpoint/2012/main" xmlns:ahyp="http://schemas.microsoft.com/office/drawing/2018/hyperlinkcolor" showMasterPhAnim="0" showMasterSp="0">
-  <p:cSld>
-    <p:spTree>
-      <p:nvGrpSpPr>
-        <p:cNvPr id="240" name="Shape 240"/>
-        <p:cNvGrpSpPr/>
-        <p:nvPr/>
-      </p:nvGrpSpPr>
-      <p:grpSpPr>
-        <a:xfrm>
-          <a:off x="0" y="0"/>
-          <a:ext cx="0" cy="0"/>
-          <a:chOff x="0" y="0"/>
-          <a:chExt cx="0" cy="0"/>
-        </a:xfrm>
-      </p:grpSpPr>
-      <p:sp>
-        <p:nvSpPr>
-          <p:cNvPr id="241" name="Google Shape;241;g9278e0770d_0_352:notes"/>
-          <p:cNvSpPr/>
-          <p:nvPr>
-            <p:ph idx="2" type="sldImg"/>
-          </p:nvPr>
-        </p:nvSpPr>
-        <p:spPr>
-          <a:xfrm>
-            <a:off x="381300" y="685800"/>
-            <a:ext cx="6096000" cy="3429000"/>
-          </a:xfrm>
-          <a:custGeom>
-            <a:rect b="b" l="l" r="r" t="t"/>
-            <a:pathLst>
-              <a:path extrusionOk="0" h="120000" w="120000">
-                <a:moveTo>
-                  <a:pt x="0" y="0"/>
-                </a:moveTo>
-                <a:lnTo>
-                  <a:pt x="120000" y="0"/>
-                </a:lnTo>
-                <a:lnTo>
-                  <a:pt x="120000" y="120000"/>
-                </a:lnTo>
-                <a:lnTo>
-                  <a:pt x="0" y="120000"/>
-                </a:lnTo>
-                <a:close/>
-              </a:path>
-            </a:pathLst>
-          </a:custGeom>
-        </p:spPr>
-      </p:sp>
-      <p:sp>
-        <p:nvSpPr>
-          <p:cNvPr id="242" name="Google Shape;242;g9278e0770d_0_352:notes"/>
-          <p:cNvSpPr txBox="1"/>
-          <p:nvPr>
-            <p:ph idx="1" type="body"/>
-          </p:nvPr>
-        </p:nvSpPr>
-        <p:spPr>
-          <a:xfrm>
-            <a:off x="685800" y="4343400"/>
-            <a:ext cx="5486400" cy="4114800"/>
-          </a:xfrm>
-          <a:prstGeom prst="rect">
-            <a:avLst/>
-          </a:prstGeom>
-        </p:spPr>
-        <p:txBody>
-          <a:bodyPr anchorCtr="0" anchor="t" bIns="91425" lIns="91425" spcFirstLastPara="1" rIns="91425" wrap="square" tIns="91425">
-            <a:noAutofit/>
-          </a:bodyPr>
-          <a:lstStyle/>
-          <a:p>
-            <a:pPr indent="0" lvl="0" marL="0" rtl="0" algn="l">
-              <a:spcBef>
-                <a:spcPts val="0"/>
-              </a:spcBef>
-              <a:spcAft>
-                <a:spcPts val="0"/>
-              </a:spcAft>
-              <a:buNone/>
-            </a:pPr>
-            <a:r>
-              <a:t/>
-            </a:r>
-            <a:endParaRPr/>
-          </a:p>
-        </p:txBody>
-      </p:sp>
-    </p:spTree>
-  </p:cSld>
-  <p:clrMapOvr>
-    <a:masterClrMapping/>
-  </p:clrMapOvr>
-</p:notes>
-</file>
-
-<file path=ppt/notesSlides/notesSlide24.xml><?xml version="1.0" encoding="utf-8"?>
-<p:notes xmlns:a="http://schemas.openxmlformats.org/drawingml/2006/main" xmlns:r="http://schemas.openxmlformats.org/officeDocument/2006/relationships" xmlns:mc="http://schemas.openxmlformats.org/markup-compatibility/2006" xmlns:mv="urn:schemas-microsoft-com:mac:vml" xmlns:p="http://schemas.openxmlformats.org/presentationml/2006/main" xmlns:c="http://schemas.openxmlformats.org/drawingml/2006/chart" xmlns:dgm="http://schemas.openxmlformats.org/drawingml/2006/diagram" xmlns:o="urn:schemas-microsoft-com:office:office" xmlns:v="urn:schemas-microsoft-com:vml" xmlns:pvml="urn:schemas-microsoft-com:office:powerpoint" xmlns:com="http://schemas.openxmlformats.org/drawingml/2006/compatibility" xmlns:p14="http://schemas.microsoft.com/office/powerpoint/2010/main" xmlns:p15="http://schemas.microsoft.com/office/powerpoint/2012/main" xmlns:ahyp="http://schemas.microsoft.com/office/drawing/2018/hyperlinkcolor" showMasterPhAnim="0" showMasterSp="0">
-  <p:cSld>
-    <p:spTree>
-      <p:nvGrpSpPr>
-        <p:cNvPr id="247" name="Shape 247"/>
-        <p:cNvGrpSpPr/>
-        <p:nvPr/>
-      </p:nvGrpSpPr>
-      <p:grpSpPr>
-        <a:xfrm>
-          <a:off x="0" y="0"/>
-          <a:ext cx="0" cy="0"/>
-          <a:chOff x="0" y="0"/>
-          <a:chExt cx="0" cy="0"/>
-        </a:xfrm>
-      </p:grpSpPr>
-      <p:sp>
-        <p:nvSpPr>
-          <p:cNvPr id="248" name="Google Shape;248;g9278e0770d_0_358:notes"/>
-          <p:cNvSpPr/>
-          <p:nvPr>
-            <p:ph idx="2" type="sldImg"/>
-          </p:nvPr>
-        </p:nvSpPr>
-        <p:spPr>
-          <a:xfrm>
-            <a:off x="381300" y="685800"/>
-            <a:ext cx="6096000" cy="3429000"/>
-          </a:xfrm>
-          <a:custGeom>
-            <a:rect b="b" l="l" r="r" t="t"/>
-            <a:pathLst>
-              <a:path extrusionOk="0" h="120000" w="120000">
-                <a:moveTo>
-                  <a:pt x="0" y="0"/>
-                </a:moveTo>
-                <a:lnTo>
-                  <a:pt x="120000" y="0"/>
-                </a:lnTo>
-                <a:lnTo>
-                  <a:pt x="120000" y="120000"/>
-                </a:lnTo>
-                <a:lnTo>
-                  <a:pt x="0" y="120000"/>
-                </a:lnTo>
-                <a:close/>
-              </a:path>
-            </a:pathLst>
-          </a:custGeom>
-        </p:spPr>
-      </p:sp>
-      <p:sp>
-        <p:nvSpPr>
-          <p:cNvPr id="249" name="Google Shape;249;g9278e0770d_0_358:notes"/>
-          <p:cNvSpPr txBox="1"/>
-          <p:nvPr>
-            <p:ph idx="1" type="body"/>
-          </p:nvPr>
-        </p:nvSpPr>
-        <p:spPr>
-          <a:xfrm>
-            <a:off x="685800" y="4343400"/>
-            <a:ext cx="5486400" cy="4114800"/>
-          </a:xfrm>
-          <a:prstGeom prst="rect">
-            <a:avLst/>
-          </a:prstGeom>
-        </p:spPr>
-        <p:txBody>
-          <a:bodyPr anchorCtr="0" anchor="t" bIns="91425" lIns="91425" spcFirstLastPara="1" rIns="91425" wrap="square" tIns="91425">
-            <a:noAutofit/>
-          </a:bodyPr>
-          <a:lstStyle/>
-          <a:p>
-            <a:pPr indent="0" lvl="0" marL="0" rtl="0" algn="l">
-              <a:lnSpc>
-                <a:spcPct val="115000"/>
-              </a:lnSpc>
-              <a:spcBef>
-                <a:spcPts val="0"/>
-              </a:spcBef>
-              <a:spcAft>
-                <a:spcPts val="0"/>
-              </a:spcAft>
-              <a:buNone/>
-            </a:pPr>
-            <a:r>
-              <a:rPr lang="en" sz="1800">
-                <a:solidFill>
-                  <a:schemeClr val="dk2"/>
-                </a:solidFill>
-              </a:rPr>
-              <a:t>Many commands you’ve learned – </a:t>
-            </a:r>
-            <a:r>
-              <a:rPr lang="en" sz="1800">
-                <a:solidFill>
-                  <a:schemeClr val="dk2"/>
-                </a:solidFill>
-                <a:latin typeface="Courier New"/>
-                <a:ea typeface="Courier New"/>
-                <a:cs typeface="Courier New"/>
-                <a:sym typeface="Courier New"/>
-              </a:rPr>
-              <a:t>ls</a:t>
-            </a:r>
-            <a:r>
-              <a:rPr lang="en" sz="1800">
-                <a:solidFill>
-                  <a:schemeClr val="dk2"/>
-                </a:solidFill>
-              </a:rPr>
-              <a:t>, </a:t>
-            </a:r>
-            <a:r>
-              <a:rPr lang="en" sz="1800">
-                <a:solidFill>
-                  <a:schemeClr val="dk2"/>
-                </a:solidFill>
-                <a:latin typeface="Courier New"/>
-                <a:ea typeface="Courier New"/>
-                <a:cs typeface="Courier New"/>
-                <a:sym typeface="Courier New"/>
-              </a:rPr>
-              <a:t>grep</a:t>
-            </a:r>
-            <a:r>
-              <a:rPr lang="en" sz="1800">
-                <a:solidFill>
-                  <a:schemeClr val="dk2"/>
-                </a:solidFill>
-              </a:rPr>
-              <a:t>, </a:t>
-            </a:r>
-            <a:r>
-              <a:rPr lang="en" sz="1800">
-                <a:solidFill>
-                  <a:schemeClr val="dk2"/>
-                </a:solidFill>
-                <a:latin typeface="Courier New"/>
-                <a:ea typeface="Courier New"/>
-                <a:cs typeface="Courier New"/>
-                <a:sym typeface="Courier New"/>
-              </a:rPr>
-              <a:t>sort</a:t>
-            </a:r>
-            <a:r>
-              <a:rPr lang="en" sz="1800">
-                <a:solidFill>
-                  <a:schemeClr val="dk2"/>
-                </a:solidFill>
-              </a:rPr>
-              <a:t>, </a:t>
-            </a:r>
-            <a:r>
-              <a:rPr lang="en" sz="1800">
-                <a:solidFill>
-                  <a:schemeClr val="dk2"/>
-                </a:solidFill>
-                <a:latin typeface="Courier New"/>
-                <a:ea typeface="Courier New"/>
-                <a:cs typeface="Courier New"/>
-                <a:sym typeface="Courier New"/>
-              </a:rPr>
-              <a:t>head</a:t>
-            </a:r>
-            <a:r>
-              <a:rPr lang="en" sz="1800">
-                <a:solidFill>
-                  <a:schemeClr val="dk2"/>
-                </a:solidFill>
-              </a:rPr>
-              <a:t>, </a:t>
-            </a:r>
-            <a:r>
-              <a:rPr lang="en" sz="1800">
-                <a:solidFill>
-                  <a:schemeClr val="dk2"/>
-                </a:solidFill>
-                <a:latin typeface="Courier New"/>
-                <a:ea typeface="Courier New"/>
-                <a:cs typeface="Courier New"/>
-                <a:sym typeface="Courier New"/>
-              </a:rPr>
-              <a:t>tail </a:t>
-            </a:r>
-            <a:r>
-              <a:rPr lang="en" sz="1800">
-                <a:solidFill>
-                  <a:schemeClr val="dk2"/>
-                </a:solidFill>
-              </a:rPr>
-              <a:t>– primarily send information to STDOUT.  By default, STDOUT is simply printed to your terminal display.</a:t>
-            </a:r>
-            <a:endParaRPr sz="1800">
-              <a:solidFill>
-                <a:schemeClr val="dk2"/>
-              </a:solidFill>
-            </a:endParaRPr>
-          </a:p>
-          <a:p>
-            <a:pPr indent="0" lvl="0" marL="0" rtl="0" algn="l">
-              <a:spcBef>
-                <a:spcPts val="1600"/>
-              </a:spcBef>
-              <a:spcAft>
-                <a:spcPts val="0"/>
-              </a:spcAft>
-              <a:buNone/>
-            </a:pPr>
-            <a:r>
-              <a:t/>
-            </a:r>
-            <a:endParaRPr/>
-          </a:p>
-        </p:txBody>
-      </p:sp>
-    </p:spTree>
-  </p:cSld>
-  <p:clrMapOvr>
-    <a:masterClrMapping/>
-  </p:clrMapOvr>
-</p:notes>
-</file>
-
-<file path=ppt/notesSlides/notesSlide25.xml><?xml version="1.0" encoding="utf-8"?>
-<p:notes xmlns:a="http://schemas.openxmlformats.org/drawingml/2006/main" xmlns:r="http://schemas.openxmlformats.org/officeDocument/2006/relationships" xmlns:mc="http://schemas.openxmlformats.org/markup-compatibility/2006" xmlns:mv="urn:schemas-microsoft-com:mac:vml" xmlns:p="http://schemas.openxmlformats.org/presentationml/2006/main" xmlns:c="http://schemas.openxmlformats.org/drawingml/2006/chart" xmlns:dgm="http://schemas.openxmlformats.org/drawingml/2006/diagram" xmlns:o="urn:schemas-microsoft-com:office:office" xmlns:v="urn:schemas-microsoft-com:vml" xmlns:pvml="urn:schemas-microsoft-com:office:powerpoint" xmlns:com="http://schemas.openxmlformats.org/drawingml/2006/compatibility" xmlns:p14="http://schemas.microsoft.com/office/powerpoint/2010/main" xmlns:p15="http://schemas.microsoft.com/office/powerpoint/2012/main" xmlns:ahyp="http://schemas.microsoft.com/office/drawing/2018/hyperlinkcolor" showMasterPhAnim="0" showMasterSp="0">
-  <p:cSld>
-    <p:spTree>
-      <p:nvGrpSpPr>
-        <p:cNvPr id="270" name="Shape 270"/>
-        <p:cNvGrpSpPr/>
-        <p:nvPr/>
-      </p:nvGrpSpPr>
-      <p:grpSpPr>
-        <a:xfrm>
-          <a:off x="0" y="0"/>
-          <a:ext cx="0" cy="0"/>
-          <a:chOff x="0" y="0"/>
-          <a:chExt cx="0" cy="0"/>
-        </a:xfrm>
-      </p:grpSpPr>
-      <p:sp>
-        <p:nvSpPr>
-          <p:cNvPr id="271" name="Google Shape;271;g9278e0770d_0_380:notes"/>
-          <p:cNvSpPr/>
-          <p:nvPr>
-            <p:ph idx="2" type="sldImg"/>
-          </p:nvPr>
-        </p:nvSpPr>
-        <p:spPr>
-          <a:xfrm>
-            <a:off x="381300" y="685800"/>
-            <a:ext cx="6096000" cy="3429000"/>
-          </a:xfrm>
-          <a:custGeom>
-            <a:rect b="b" l="l" r="r" t="t"/>
-            <a:pathLst>
-              <a:path extrusionOk="0" h="120000" w="120000">
-                <a:moveTo>
-                  <a:pt x="0" y="0"/>
-                </a:moveTo>
-                <a:lnTo>
-                  <a:pt x="120000" y="0"/>
-                </a:lnTo>
-                <a:lnTo>
-                  <a:pt x="120000" y="120000"/>
-                </a:lnTo>
-                <a:lnTo>
-                  <a:pt x="0" y="120000"/>
-                </a:lnTo>
-                <a:close/>
-              </a:path>
-            </a:pathLst>
-          </a:custGeom>
-        </p:spPr>
-      </p:sp>
-      <p:sp>
-        <p:nvSpPr>
-          <p:cNvPr id="272" name="Google Shape;272;g9278e0770d_0_380:notes"/>
-          <p:cNvSpPr txBox="1"/>
-          <p:nvPr>
-            <p:ph idx="1" type="body"/>
-          </p:nvPr>
-        </p:nvSpPr>
-        <p:spPr>
-          <a:xfrm>
-            <a:off x="685800" y="4343400"/>
-            <a:ext cx="5486400" cy="4114800"/>
-          </a:xfrm>
-          <a:prstGeom prst="rect">
-            <a:avLst/>
-          </a:prstGeom>
-        </p:spPr>
-        <p:txBody>
-          <a:bodyPr anchorCtr="0" anchor="t" bIns="91425" lIns="91425" spcFirstLastPara="1" rIns="91425" wrap="square" tIns="91425">
-            <a:noAutofit/>
-          </a:bodyPr>
-          <a:lstStyle/>
-          <a:p>
-            <a:pPr indent="0" lvl="0" marL="0" rtl="0" algn="l">
-              <a:spcBef>
-                <a:spcPts val="0"/>
-              </a:spcBef>
-              <a:spcAft>
-                <a:spcPts val="0"/>
-              </a:spcAft>
-              <a:buNone/>
-            </a:pPr>
-            <a:r>
-              <a:t/>
-            </a:r>
-            <a:endParaRPr/>
-          </a:p>
-        </p:txBody>
-      </p:sp>
-    </p:spTree>
-  </p:cSld>
-  <p:clrMapOvr>
-    <a:masterClrMapping/>
-  </p:clrMapOvr>
-</p:notes>
-</file>
-
-<file path=ppt/notesSlides/notesSlide26.xml><?xml version="1.0" encoding="utf-8"?>
-<p:notes xmlns:a="http://schemas.openxmlformats.org/drawingml/2006/main" xmlns:r="http://schemas.openxmlformats.org/officeDocument/2006/relationships" xmlns:mc="http://schemas.openxmlformats.org/markup-compatibility/2006" xmlns:mv="urn:schemas-microsoft-com:mac:vml" xmlns:p="http://schemas.openxmlformats.org/presentationml/2006/main" xmlns:c="http://schemas.openxmlformats.org/drawingml/2006/chart" xmlns:dgm="http://schemas.openxmlformats.org/drawingml/2006/diagram" xmlns:o="urn:schemas-microsoft-com:office:office" xmlns:v="urn:schemas-microsoft-com:vml" xmlns:pvml="urn:schemas-microsoft-com:office:powerpoint" xmlns:com="http://schemas.openxmlformats.org/drawingml/2006/compatibility" xmlns:p14="http://schemas.microsoft.com/office/powerpoint/2010/main" xmlns:p15="http://schemas.microsoft.com/office/powerpoint/2012/main" xmlns:ahyp="http://schemas.microsoft.com/office/drawing/2018/hyperlinkcolor" showMasterPhAnim="0" showMasterSp="0">
-  <p:cSld>
-    <p:spTree>
-      <p:nvGrpSpPr>
-        <p:cNvPr id="281" name="Shape 281"/>
-        <p:cNvGrpSpPr/>
-        <p:nvPr/>
-      </p:nvGrpSpPr>
-      <p:grpSpPr>
-        <a:xfrm>
-          <a:off x="0" y="0"/>
-          <a:ext cx="0" cy="0"/>
-          <a:chOff x="0" y="0"/>
-          <a:chExt cx="0" cy="0"/>
-        </a:xfrm>
-      </p:grpSpPr>
-      <p:sp>
-        <p:nvSpPr>
-          <p:cNvPr id="282" name="Google Shape;282;g9278e0770d_0_390:notes"/>
-          <p:cNvSpPr/>
-          <p:nvPr>
-            <p:ph idx="2" type="sldImg"/>
-          </p:nvPr>
-        </p:nvSpPr>
-        <p:spPr>
-          <a:xfrm>
-            <a:off x="381300" y="685800"/>
-            <a:ext cx="6096000" cy="3429000"/>
-          </a:xfrm>
-          <a:custGeom>
-            <a:rect b="b" l="l" r="r" t="t"/>
-            <a:pathLst>
-              <a:path extrusionOk="0" h="120000" w="120000">
-                <a:moveTo>
-                  <a:pt x="0" y="0"/>
-                </a:moveTo>
-                <a:lnTo>
-                  <a:pt x="120000" y="0"/>
-                </a:lnTo>
-                <a:lnTo>
-                  <a:pt x="120000" y="120000"/>
-                </a:lnTo>
-                <a:lnTo>
-                  <a:pt x="0" y="120000"/>
-                </a:lnTo>
-                <a:close/>
-              </a:path>
-            </a:pathLst>
-          </a:custGeom>
-        </p:spPr>
-      </p:sp>
-      <p:sp>
-        <p:nvSpPr>
-          <p:cNvPr id="283" name="Google Shape;283;g9278e0770d_0_390:notes"/>
-          <p:cNvSpPr txBox="1"/>
-          <p:nvPr>
-            <p:ph idx="1" type="body"/>
-          </p:nvPr>
-        </p:nvSpPr>
-        <p:spPr>
-          <a:xfrm>
-            <a:off x="685800" y="4343400"/>
-            <a:ext cx="5486400" cy="4114800"/>
-          </a:xfrm>
-          <a:prstGeom prst="rect">
-            <a:avLst/>
-          </a:prstGeom>
-        </p:spPr>
-        <p:txBody>
-          <a:bodyPr anchorCtr="0" anchor="t" bIns="91425" lIns="91425" spcFirstLastPara="1" rIns="91425" wrap="square" tIns="91425">
-            <a:noAutofit/>
-          </a:bodyPr>
-          <a:lstStyle/>
-          <a:p>
-            <a:pPr indent="0" lvl="0" marL="0" rtl="0" algn="l">
-              <a:spcBef>
-                <a:spcPts val="0"/>
-              </a:spcBef>
-              <a:spcAft>
-                <a:spcPts val="0"/>
-              </a:spcAft>
-              <a:buNone/>
-            </a:pPr>
-            <a:r>
-              <a:t/>
-            </a:r>
-            <a:endParaRPr/>
-          </a:p>
-        </p:txBody>
-      </p:sp>
-    </p:spTree>
-  </p:cSld>
-  <p:clrMapOvr>
-    <a:masterClrMapping/>
-  </p:clrMapOvr>
-</p:notes>
-</file>
-
-<file path=ppt/notesSlides/notesSlide27.xml><?xml version="1.0" encoding="utf-8"?>
-<p:notes xmlns:a="http://schemas.openxmlformats.org/drawingml/2006/main" xmlns:r="http://schemas.openxmlformats.org/officeDocument/2006/relationships" xmlns:mc="http://schemas.openxmlformats.org/markup-compatibility/2006" xmlns:mv="urn:schemas-microsoft-com:mac:vml" xmlns:p="http://schemas.openxmlformats.org/presentationml/2006/main" xmlns:c="http://schemas.openxmlformats.org/drawingml/2006/chart" xmlns:dgm="http://schemas.openxmlformats.org/drawingml/2006/diagram" xmlns:o="urn:schemas-microsoft-com:office:office" xmlns:v="urn:schemas-microsoft-com:vml" xmlns:pvml="urn:schemas-microsoft-com:office:powerpoint" xmlns:com="http://schemas.openxmlformats.org/drawingml/2006/compatibility" xmlns:p14="http://schemas.microsoft.com/office/powerpoint/2010/main" xmlns:p15="http://schemas.microsoft.com/office/powerpoint/2012/main" xmlns:ahyp="http://schemas.microsoft.com/office/drawing/2018/hyperlinkcolor" showMasterPhAnim="0" showMasterSp="0">
-  <p:cSld>
-    <p:spTree>
-      <p:nvGrpSpPr>
-        <p:cNvPr id="300" name="Shape 300"/>
-        <p:cNvGrpSpPr/>
-        <p:nvPr/>
-      </p:nvGrpSpPr>
-      <p:grpSpPr>
-        <a:xfrm>
-          <a:off x="0" y="0"/>
-          <a:ext cx="0" cy="0"/>
-          <a:chOff x="0" y="0"/>
-          <a:chExt cx="0" cy="0"/>
-        </a:xfrm>
-      </p:grpSpPr>
-      <p:sp>
-        <p:nvSpPr>
-          <p:cNvPr id="301" name="Google Shape;301;g9278e0770d_0_413:notes"/>
-          <p:cNvSpPr/>
-          <p:nvPr>
-            <p:ph idx="2" type="sldImg"/>
-          </p:nvPr>
-        </p:nvSpPr>
-        <p:spPr>
-          <a:xfrm>
-            <a:off x="381300" y="685800"/>
-            <a:ext cx="6096000" cy="3429000"/>
-          </a:xfrm>
-          <a:custGeom>
-            <a:rect b="b" l="l" r="r" t="t"/>
-            <a:pathLst>
-              <a:path extrusionOk="0" h="120000" w="120000">
-                <a:moveTo>
-                  <a:pt x="0" y="0"/>
-                </a:moveTo>
-                <a:lnTo>
-                  <a:pt x="120000" y="0"/>
-                </a:lnTo>
-                <a:lnTo>
-                  <a:pt x="120000" y="120000"/>
-                </a:lnTo>
-                <a:lnTo>
-                  <a:pt x="0" y="120000"/>
-                </a:lnTo>
-                <a:close/>
-              </a:path>
-            </a:pathLst>
-          </a:custGeom>
-        </p:spPr>
-      </p:sp>
-      <p:sp>
-        <p:nvSpPr>
-          <p:cNvPr id="302" name="Google Shape;302;g9278e0770d_0_413:notes"/>
-          <p:cNvSpPr txBox="1"/>
-          <p:nvPr>
-            <p:ph idx="1" type="body"/>
-          </p:nvPr>
-        </p:nvSpPr>
-        <p:spPr>
-          <a:xfrm>
-            <a:off x="685800" y="4343400"/>
-            <a:ext cx="5486400" cy="4114800"/>
-          </a:xfrm>
-          <a:prstGeom prst="rect">
-            <a:avLst/>
-          </a:prstGeom>
-        </p:spPr>
-        <p:txBody>
-          <a:bodyPr anchorCtr="0" anchor="t" bIns="91425" lIns="91425" spcFirstLastPara="1" rIns="91425" wrap="square" tIns="91425">
-            <a:noAutofit/>
-          </a:bodyPr>
-          <a:lstStyle/>
-          <a:p>
-            <a:pPr indent="0" lvl="0" marL="0" rtl="0" algn="l">
-              <a:spcBef>
-                <a:spcPts val="0"/>
-              </a:spcBef>
-              <a:spcAft>
-                <a:spcPts val="0"/>
-              </a:spcAft>
-              <a:buNone/>
-            </a:pPr>
-            <a:r>
-              <a:t/>
-            </a:r>
-            <a:endParaRPr/>
-          </a:p>
-        </p:txBody>
-      </p:sp>
-    </p:spTree>
-  </p:cSld>
-  <p:clrMapOvr>
-    <a:masterClrMapping/>
-  </p:clrMapOvr>
-</p:notes>
-</file>
-
-<file path=ppt/notesSlides/notesSlide28.xml><?xml version="1.0" encoding="utf-8"?>
-<p:notes xmlns:a="http://schemas.openxmlformats.org/drawingml/2006/main" xmlns:r="http://schemas.openxmlformats.org/officeDocument/2006/relationships" xmlns:mc="http://schemas.openxmlformats.org/markup-compatibility/2006" xmlns:mv="urn:schemas-microsoft-com:mac:vml" xmlns:p="http://schemas.openxmlformats.org/presentationml/2006/main" xmlns:c="http://schemas.openxmlformats.org/drawingml/2006/chart" xmlns:dgm="http://schemas.openxmlformats.org/drawingml/2006/diagram" xmlns:o="urn:schemas-microsoft-com:office:office" xmlns:v="urn:schemas-microsoft-com:vml" xmlns:pvml="urn:schemas-microsoft-com:office:powerpoint" xmlns:com="http://schemas.openxmlformats.org/drawingml/2006/compatibility" xmlns:p14="http://schemas.microsoft.com/office/powerpoint/2010/main" xmlns:p15="http://schemas.microsoft.com/office/powerpoint/2012/main" xmlns:ahyp="http://schemas.microsoft.com/office/drawing/2018/hyperlinkcolor" showMasterPhAnim="0" showMasterSp="0">
-  <p:cSld>
-    <p:spTree>
-      <p:nvGrpSpPr>
-        <p:cNvPr id="324" name="Shape 324"/>
-        <p:cNvGrpSpPr/>
-        <p:nvPr/>
-      </p:nvGrpSpPr>
-      <p:grpSpPr>
-        <a:xfrm>
-          <a:off x="0" y="0"/>
-          <a:ext cx="0" cy="0"/>
-          <a:chOff x="0" y="0"/>
-          <a:chExt cx="0" cy="0"/>
-        </a:xfrm>
-      </p:grpSpPr>
-      <p:sp>
-        <p:nvSpPr>
-          <p:cNvPr id="325" name="Google Shape;325;g9278e0770d_0_498:notes"/>
+          <p:cNvPr id="197" name="Google Shape;197;g974e6f8c3a_0_331:notes"/>
           <p:cNvSpPr/>
           <p:nvPr>
             <p:ph idx="2" type="sldImg"/>
@@ -3345,7 +2151,7 @@
       </p:sp>
       <p:sp>
         <p:nvSpPr>
-          <p:cNvPr id="326" name="Google Shape;326;g9278e0770d_0_498:notes"/>
+          <p:cNvPr id="198" name="Google Shape;198;g974e6f8c3a_0_331:notes"/>
           <p:cNvSpPr txBox="1"/>
           <p:nvPr>
             <p:ph idx="1" type="body"/>
@@ -3398,12 +2204,12 @@
 </p:notes>
 </file>
 
-<file path=ppt/notesSlides/notesSlide29.xml><?xml version="1.0" encoding="utf-8"?>
+<file path=ppt/notesSlides/notesSlide21.xml><?xml version="1.0" encoding="utf-8"?>
 <p:notes xmlns:a="http://schemas.openxmlformats.org/drawingml/2006/main" xmlns:r="http://schemas.openxmlformats.org/officeDocument/2006/relationships" xmlns:mc="http://schemas.openxmlformats.org/markup-compatibility/2006" xmlns:mv="urn:schemas-microsoft-com:mac:vml" xmlns:p="http://schemas.openxmlformats.org/presentationml/2006/main" xmlns:c="http://schemas.openxmlformats.org/drawingml/2006/chart" xmlns:dgm="http://schemas.openxmlformats.org/drawingml/2006/diagram" xmlns:o="urn:schemas-microsoft-com:office:office" xmlns:v="urn:schemas-microsoft-com:vml" xmlns:pvml="urn:schemas-microsoft-com:office:powerpoint" xmlns:com="http://schemas.openxmlformats.org/drawingml/2006/compatibility" xmlns:p14="http://schemas.microsoft.com/office/powerpoint/2010/main" xmlns:p15="http://schemas.microsoft.com/office/powerpoint/2012/main" xmlns:ahyp="http://schemas.microsoft.com/office/drawing/2018/hyperlinkcolor" showMasterPhAnim="0" showMasterSp="0">
   <p:cSld>
     <p:spTree>
       <p:nvGrpSpPr>
-        <p:cNvPr id="331" name="Shape 331"/>
+        <p:cNvPr id="203" name="Shape 203"/>
         <p:cNvGrpSpPr/>
         <p:nvPr/>
       </p:nvGrpSpPr>
@@ -3417,7 +2223,7 @@
       </p:grpSpPr>
       <p:sp>
         <p:nvSpPr>
-          <p:cNvPr id="332" name="Google Shape;332;g95a1c22ee4_0_0:notes"/>
+          <p:cNvPr id="204" name="Google Shape;204;g9278e0770d_0_241:notes"/>
           <p:cNvSpPr/>
           <p:nvPr>
             <p:ph idx="2" type="sldImg"/>
@@ -3448,21 +2254,11 @@
               </a:path>
             </a:pathLst>
           </a:custGeom>
-          <a:noFill/>
-          <a:ln cap="flat" cmpd="sng" w="9525">
-            <a:solidFill>
-              <a:srgbClr val="000000"/>
-            </a:solidFill>
-            <a:prstDash val="solid"/>
-            <a:round/>
-            <a:headEnd len="sm" w="sm" type="none"/>
-            <a:tailEnd len="sm" w="sm" type="none"/>
-          </a:ln>
         </p:spPr>
       </p:sp>
       <p:sp>
         <p:nvSpPr>
-          <p:cNvPr id="333" name="Google Shape;333;g95a1c22ee4_0_0:notes"/>
+          <p:cNvPr id="205" name="Google Shape;205;g9278e0770d_0_241:notes"/>
           <p:cNvSpPr txBox="1"/>
           <p:nvPr>
             <p:ph idx="1" type="body"/>
@@ -3476,10 +2272,6 @@
           <a:prstGeom prst="rect">
             <a:avLst/>
           </a:prstGeom>
-          <a:noFill/>
-          <a:ln>
-            <a:noFill/>
-          </a:ln>
         </p:spPr>
         <p:txBody>
           <a:bodyPr anchorCtr="0" anchor="t" bIns="91425" lIns="91425" spcFirstLastPara="1" rIns="91425" wrap="square" tIns="91425">
@@ -3488,8 +2280,107 @@
           <a:lstStyle/>
           <a:p>
             <a:pPr indent="0" lvl="0" marL="0" rtl="0" algn="l">
+              <a:spcBef>
+                <a:spcPts val="0"/>
+              </a:spcBef>
+              <a:spcAft>
+                <a:spcPts val="0"/>
+              </a:spcAft>
+              <a:buNone/>
+            </a:pPr>
+            <a:r>
+              <a:t/>
+            </a:r>
+            <a:endParaRPr/>
+          </a:p>
+        </p:txBody>
+      </p:sp>
+    </p:spTree>
+  </p:cSld>
+  <p:clrMapOvr>
+    <a:masterClrMapping/>
+  </p:clrMapOvr>
+</p:notes>
+</file>
+
+<file path=ppt/notesSlides/notesSlide22.xml><?xml version="1.0" encoding="utf-8"?>
+<p:notes xmlns:a="http://schemas.openxmlformats.org/drawingml/2006/main" xmlns:r="http://schemas.openxmlformats.org/officeDocument/2006/relationships" xmlns:mc="http://schemas.openxmlformats.org/markup-compatibility/2006" xmlns:mv="urn:schemas-microsoft-com:mac:vml" xmlns:p="http://schemas.openxmlformats.org/presentationml/2006/main" xmlns:c="http://schemas.openxmlformats.org/drawingml/2006/chart" xmlns:dgm="http://schemas.openxmlformats.org/drawingml/2006/diagram" xmlns:o="urn:schemas-microsoft-com:office:office" xmlns:v="urn:schemas-microsoft-com:vml" xmlns:pvml="urn:schemas-microsoft-com:office:powerpoint" xmlns:com="http://schemas.openxmlformats.org/drawingml/2006/compatibility" xmlns:p14="http://schemas.microsoft.com/office/powerpoint/2010/main" xmlns:p15="http://schemas.microsoft.com/office/powerpoint/2012/main" xmlns:ahyp="http://schemas.microsoft.com/office/drawing/2018/hyperlinkcolor" showMasterPhAnim="0" showMasterSp="0">
+  <p:cSld>
+    <p:spTree>
+      <p:nvGrpSpPr>
+        <p:cNvPr id="217" name="Shape 217"/>
+        <p:cNvGrpSpPr/>
+        <p:nvPr/>
+      </p:nvGrpSpPr>
+      <p:grpSpPr>
+        <a:xfrm>
+          <a:off x="0" y="0"/>
+          <a:ext cx="0" cy="0"/>
+          <a:chOff x="0" y="0"/>
+          <a:chExt cx="0" cy="0"/>
+        </a:xfrm>
+      </p:grpSpPr>
+      <p:sp>
+        <p:nvSpPr>
+          <p:cNvPr id="218" name="Google Shape;218;g9278e0770d_0_314:notes"/>
+          <p:cNvSpPr/>
+          <p:nvPr>
+            <p:ph idx="2" type="sldImg"/>
+          </p:nvPr>
+        </p:nvSpPr>
+        <p:spPr>
+          <a:xfrm>
+            <a:off x="381300" y="685800"/>
+            <a:ext cx="6096000" cy="3429000"/>
+          </a:xfrm>
+          <a:custGeom>
+            <a:rect b="b" l="l" r="r" t="t"/>
+            <a:pathLst>
+              <a:path extrusionOk="0" h="120000" w="120000">
+                <a:moveTo>
+                  <a:pt x="0" y="0"/>
+                </a:moveTo>
+                <a:lnTo>
+                  <a:pt x="120000" y="0"/>
+                </a:lnTo>
+                <a:lnTo>
+                  <a:pt x="120000" y="120000"/>
+                </a:lnTo>
+                <a:lnTo>
+                  <a:pt x="0" y="120000"/>
+                </a:lnTo>
+                <a:close/>
+              </a:path>
+            </a:pathLst>
+          </a:custGeom>
+        </p:spPr>
+      </p:sp>
+      <p:sp>
+        <p:nvSpPr>
+          <p:cNvPr id="219" name="Google Shape;219;g9278e0770d_0_314:notes"/>
+          <p:cNvSpPr txBox="1"/>
+          <p:nvPr>
+            <p:ph idx="1" type="body"/>
+          </p:nvPr>
+        </p:nvSpPr>
+        <p:spPr>
+          <a:xfrm>
+            <a:off x="685800" y="4343400"/>
+            <a:ext cx="5486400" cy="4114800"/>
+          </a:xfrm>
+          <a:prstGeom prst="rect">
+            <a:avLst/>
+          </a:prstGeom>
+        </p:spPr>
+        <p:txBody>
+          <a:bodyPr anchorCtr="0" anchor="t" bIns="91425" lIns="91425" spcFirstLastPara="1" rIns="91425" wrap="square" tIns="91425">
+            <a:noAutofit/>
+          </a:bodyPr>
+          <a:lstStyle/>
+          <a:p>
+            <a:pPr indent="0" lvl="0" marL="0" rtl="0" algn="l">
               <a:lnSpc>
-                <a:spcPct val="100000"/>
+                <a:spcPct val="115000"/>
               </a:lnSpc>
               <a:spcBef>
                 <a:spcPts val="0"/>
@@ -3497,12 +2388,1086 @@
               <a:spcAft>
                 <a:spcPts val="0"/>
               </a:spcAft>
+              <a:buClr>
+                <a:schemeClr val="dk1"/>
+              </a:buClr>
               <a:buSzPts val="1100"/>
-              <a:buNone/>
-            </a:pPr>
-            <a:r>
-              <a:rPr lang="en"/>
-              <a:t>Want to know if you encounter unwelcoming behavior outside or inside classroom</a:t>
+              <a:buFont typeface="Arial"/>
+              <a:buNone/>
+            </a:pPr>
+            <a:r>
+              <a:rPr lang="en" sz="1800">
+                <a:solidFill>
+                  <a:schemeClr val="dk2"/>
+                </a:solidFill>
+              </a:rPr>
+              <a:t>Many commands you’ve learned – </a:t>
+            </a:r>
+            <a:r>
+              <a:rPr lang="en" sz="1800">
+                <a:solidFill>
+                  <a:schemeClr val="dk2"/>
+                </a:solidFill>
+                <a:latin typeface="Courier New"/>
+                <a:ea typeface="Courier New"/>
+                <a:cs typeface="Courier New"/>
+                <a:sym typeface="Courier New"/>
+              </a:rPr>
+              <a:t>ls</a:t>
+            </a:r>
+            <a:r>
+              <a:rPr lang="en" sz="1800">
+                <a:solidFill>
+                  <a:schemeClr val="dk2"/>
+                </a:solidFill>
+              </a:rPr>
+              <a:t>, </a:t>
+            </a:r>
+            <a:r>
+              <a:rPr lang="en" sz="1800">
+                <a:solidFill>
+                  <a:schemeClr val="dk2"/>
+                </a:solidFill>
+                <a:latin typeface="Courier New"/>
+                <a:ea typeface="Courier New"/>
+                <a:cs typeface="Courier New"/>
+                <a:sym typeface="Courier New"/>
+              </a:rPr>
+              <a:t>grep</a:t>
+            </a:r>
+            <a:r>
+              <a:rPr lang="en" sz="1800">
+                <a:solidFill>
+                  <a:schemeClr val="dk2"/>
+                </a:solidFill>
+              </a:rPr>
+              <a:t>, </a:t>
+            </a:r>
+            <a:r>
+              <a:rPr lang="en" sz="1800">
+                <a:solidFill>
+                  <a:schemeClr val="dk2"/>
+                </a:solidFill>
+                <a:latin typeface="Courier New"/>
+                <a:ea typeface="Courier New"/>
+                <a:cs typeface="Courier New"/>
+                <a:sym typeface="Courier New"/>
+              </a:rPr>
+              <a:t>sort</a:t>
+            </a:r>
+            <a:r>
+              <a:rPr lang="en" sz="1800">
+                <a:solidFill>
+                  <a:schemeClr val="dk2"/>
+                </a:solidFill>
+              </a:rPr>
+              <a:t>, </a:t>
+            </a:r>
+            <a:r>
+              <a:rPr lang="en" sz="1800">
+                <a:solidFill>
+                  <a:schemeClr val="dk2"/>
+                </a:solidFill>
+                <a:latin typeface="Courier New"/>
+                <a:ea typeface="Courier New"/>
+                <a:cs typeface="Courier New"/>
+                <a:sym typeface="Courier New"/>
+              </a:rPr>
+              <a:t>head</a:t>
+            </a:r>
+            <a:r>
+              <a:rPr lang="en" sz="1800">
+                <a:solidFill>
+                  <a:schemeClr val="dk2"/>
+                </a:solidFill>
+              </a:rPr>
+              <a:t>, </a:t>
+            </a:r>
+            <a:r>
+              <a:rPr lang="en" sz="1800">
+                <a:solidFill>
+                  <a:schemeClr val="dk2"/>
+                </a:solidFill>
+                <a:latin typeface="Courier New"/>
+                <a:ea typeface="Courier New"/>
+                <a:cs typeface="Courier New"/>
+                <a:sym typeface="Courier New"/>
+              </a:rPr>
+              <a:t>tail </a:t>
+            </a:r>
+            <a:r>
+              <a:rPr lang="en" sz="1800">
+                <a:solidFill>
+                  <a:schemeClr val="dk2"/>
+                </a:solidFill>
+              </a:rPr>
+              <a:t>– primarily send information to STDOUT.  By default, STDOUT is simply printed to your terminal display.</a:t>
+            </a:r>
+            <a:endParaRPr sz="1800">
+              <a:solidFill>
+                <a:schemeClr val="dk2"/>
+              </a:solidFill>
+            </a:endParaRPr>
+          </a:p>
+          <a:p>
+            <a:pPr indent="0" lvl="0" marL="0" rtl="0" algn="l">
+              <a:spcBef>
+                <a:spcPts val="1600"/>
+              </a:spcBef>
+              <a:spcAft>
+                <a:spcPts val="0"/>
+              </a:spcAft>
+              <a:buNone/>
+            </a:pPr>
+            <a:r>
+              <a:t/>
+            </a:r>
+            <a:endParaRPr/>
+          </a:p>
+        </p:txBody>
+      </p:sp>
+    </p:spTree>
+  </p:cSld>
+  <p:clrMapOvr>
+    <a:masterClrMapping/>
+  </p:clrMapOvr>
+</p:notes>
+</file>
+
+<file path=ppt/notesSlides/notesSlide23.xml><?xml version="1.0" encoding="utf-8"?>
+<p:notes xmlns:a="http://schemas.openxmlformats.org/drawingml/2006/main" xmlns:r="http://schemas.openxmlformats.org/officeDocument/2006/relationships" xmlns:mc="http://schemas.openxmlformats.org/markup-compatibility/2006" xmlns:mv="urn:schemas-microsoft-com:mac:vml" xmlns:p="http://schemas.openxmlformats.org/presentationml/2006/main" xmlns:c="http://schemas.openxmlformats.org/drawingml/2006/chart" xmlns:dgm="http://schemas.openxmlformats.org/drawingml/2006/diagram" xmlns:o="urn:schemas-microsoft-com:office:office" xmlns:v="urn:schemas-microsoft-com:vml" xmlns:pvml="urn:schemas-microsoft-com:office:powerpoint" xmlns:com="http://schemas.openxmlformats.org/drawingml/2006/compatibility" xmlns:p14="http://schemas.microsoft.com/office/powerpoint/2010/main" xmlns:p15="http://schemas.microsoft.com/office/powerpoint/2012/main" xmlns:ahyp="http://schemas.microsoft.com/office/drawing/2018/hyperlinkcolor" showMasterPhAnim="0" showMasterSp="0">
+  <p:cSld>
+    <p:spTree>
+      <p:nvGrpSpPr>
+        <p:cNvPr id="231" name="Shape 231"/>
+        <p:cNvGrpSpPr/>
+        <p:nvPr/>
+      </p:nvGrpSpPr>
+      <p:grpSpPr>
+        <a:xfrm>
+          <a:off x="0" y="0"/>
+          <a:ext cx="0" cy="0"/>
+          <a:chOff x="0" y="0"/>
+          <a:chExt cx="0" cy="0"/>
+        </a:xfrm>
+      </p:grpSpPr>
+      <p:sp>
+        <p:nvSpPr>
+          <p:cNvPr id="232" name="Google Shape;232;g9278e0770d_0_327:notes"/>
+          <p:cNvSpPr/>
+          <p:nvPr>
+            <p:ph idx="2" type="sldImg"/>
+          </p:nvPr>
+        </p:nvSpPr>
+        <p:spPr>
+          <a:xfrm>
+            <a:off x="381300" y="685800"/>
+            <a:ext cx="6096000" cy="3429000"/>
+          </a:xfrm>
+          <a:custGeom>
+            <a:rect b="b" l="l" r="r" t="t"/>
+            <a:pathLst>
+              <a:path extrusionOk="0" h="120000" w="120000">
+                <a:moveTo>
+                  <a:pt x="0" y="0"/>
+                </a:moveTo>
+                <a:lnTo>
+                  <a:pt x="120000" y="0"/>
+                </a:lnTo>
+                <a:lnTo>
+                  <a:pt x="120000" y="120000"/>
+                </a:lnTo>
+                <a:lnTo>
+                  <a:pt x="0" y="120000"/>
+                </a:lnTo>
+                <a:close/>
+              </a:path>
+            </a:pathLst>
+          </a:custGeom>
+        </p:spPr>
+      </p:sp>
+      <p:sp>
+        <p:nvSpPr>
+          <p:cNvPr id="233" name="Google Shape;233;g9278e0770d_0_327:notes"/>
+          <p:cNvSpPr txBox="1"/>
+          <p:nvPr>
+            <p:ph idx="1" type="body"/>
+          </p:nvPr>
+        </p:nvSpPr>
+        <p:spPr>
+          <a:xfrm>
+            <a:off x="685800" y="4343400"/>
+            <a:ext cx="5486400" cy="4114800"/>
+          </a:xfrm>
+          <a:prstGeom prst="rect">
+            <a:avLst/>
+          </a:prstGeom>
+        </p:spPr>
+        <p:txBody>
+          <a:bodyPr anchorCtr="0" anchor="t" bIns="91425" lIns="91425" spcFirstLastPara="1" rIns="91425" wrap="square" tIns="91425">
+            <a:noAutofit/>
+          </a:bodyPr>
+          <a:lstStyle/>
+          <a:p>
+            <a:pPr indent="0" lvl="0" marL="0" rtl="0" algn="l">
+              <a:lnSpc>
+                <a:spcPct val="115000"/>
+              </a:lnSpc>
+              <a:spcBef>
+                <a:spcPts val="0"/>
+              </a:spcBef>
+              <a:spcAft>
+                <a:spcPts val="0"/>
+              </a:spcAft>
+              <a:buNone/>
+            </a:pPr>
+            <a:r>
+              <a:rPr lang="en" sz="1800">
+                <a:solidFill>
+                  <a:schemeClr val="dk2"/>
+                </a:solidFill>
+              </a:rPr>
+              <a:t>Many commands you’ve learned – </a:t>
+            </a:r>
+            <a:r>
+              <a:rPr lang="en" sz="1800">
+                <a:solidFill>
+                  <a:schemeClr val="dk2"/>
+                </a:solidFill>
+                <a:latin typeface="Courier New"/>
+                <a:ea typeface="Courier New"/>
+                <a:cs typeface="Courier New"/>
+                <a:sym typeface="Courier New"/>
+              </a:rPr>
+              <a:t>ls</a:t>
+            </a:r>
+            <a:r>
+              <a:rPr lang="en" sz="1800">
+                <a:solidFill>
+                  <a:schemeClr val="dk2"/>
+                </a:solidFill>
+              </a:rPr>
+              <a:t>, </a:t>
+            </a:r>
+            <a:r>
+              <a:rPr lang="en" sz="1800">
+                <a:solidFill>
+                  <a:schemeClr val="dk2"/>
+                </a:solidFill>
+                <a:latin typeface="Courier New"/>
+                <a:ea typeface="Courier New"/>
+                <a:cs typeface="Courier New"/>
+                <a:sym typeface="Courier New"/>
+              </a:rPr>
+              <a:t>grep</a:t>
+            </a:r>
+            <a:r>
+              <a:rPr lang="en" sz="1800">
+                <a:solidFill>
+                  <a:schemeClr val="dk2"/>
+                </a:solidFill>
+              </a:rPr>
+              <a:t>, </a:t>
+            </a:r>
+            <a:r>
+              <a:rPr lang="en" sz="1800">
+                <a:solidFill>
+                  <a:schemeClr val="dk2"/>
+                </a:solidFill>
+                <a:latin typeface="Courier New"/>
+                <a:ea typeface="Courier New"/>
+                <a:cs typeface="Courier New"/>
+                <a:sym typeface="Courier New"/>
+              </a:rPr>
+              <a:t>sort</a:t>
+            </a:r>
+            <a:r>
+              <a:rPr lang="en" sz="1800">
+                <a:solidFill>
+                  <a:schemeClr val="dk2"/>
+                </a:solidFill>
+              </a:rPr>
+              <a:t>, </a:t>
+            </a:r>
+            <a:r>
+              <a:rPr lang="en" sz="1800">
+                <a:solidFill>
+                  <a:schemeClr val="dk2"/>
+                </a:solidFill>
+                <a:latin typeface="Courier New"/>
+                <a:ea typeface="Courier New"/>
+                <a:cs typeface="Courier New"/>
+                <a:sym typeface="Courier New"/>
+              </a:rPr>
+              <a:t>head</a:t>
+            </a:r>
+            <a:r>
+              <a:rPr lang="en" sz="1800">
+                <a:solidFill>
+                  <a:schemeClr val="dk2"/>
+                </a:solidFill>
+              </a:rPr>
+              <a:t>, </a:t>
+            </a:r>
+            <a:r>
+              <a:rPr lang="en" sz="1800">
+                <a:solidFill>
+                  <a:schemeClr val="dk2"/>
+                </a:solidFill>
+                <a:latin typeface="Courier New"/>
+                <a:ea typeface="Courier New"/>
+                <a:cs typeface="Courier New"/>
+                <a:sym typeface="Courier New"/>
+              </a:rPr>
+              <a:t>tail </a:t>
+            </a:r>
+            <a:r>
+              <a:rPr lang="en" sz="1800">
+                <a:solidFill>
+                  <a:schemeClr val="dk2"/>
+                </a:solidFill>
+              </a:rPr>
+              <a:t>– primarily send information to STDOUT.  By default, STDOUT is simply printed to your terminal display.</a:t>
+            </a:r>
+            <a:endParaRPr sz="1800">
+              <a:solidFill>
+                <a:schemeClr val="dk2"/>
+              </a:solidFill>
+            </a:endParaRPr>
+          </a:p>
+          <a:p>
+            <a:pPr indent="0" lvl="0" marL="0" rtl="0" algn="l">
+              <a:spcBef>
+                <a:spcPts val="1600"/>
+              </a:spcBef>
+              <a:spcAft>
+                <a:spcPts val="0"/>
+              </a:spcAft>
+              <a:buNone/>
+            </a:pPr>
+            <a:r>
+              <a:t/>
+            </a:r>
+            <a:endParaRPr/>
+          </a:p>
+        </p:txBody>
+      </p:sp>
+    </p:spTree>
+  </p:cSld>
+  <p:clrMapOvr>
+    <a:masterClrMapping/>
+  </p:clrMapOvr>
+</p:notes>
+</file>
+
+<file path=ppt/notesSlides/notesSlide24.xml><?xml version="1.0" encoding="utf-8"?>
+<p:notes xmlns:a="http://schemas.openxmlformats.org/drawingml/2006/main" xmlns:r="http://schemas.openxmlformats.org/officeDocument/2006/relationships" xmlns:mc="http://schemas.openxmlformats.org/markup-compatibility/2006" xmlns:mv="urn:schemas-microsoft-com:mac:vml" xmlns:p="http://schemas.openxmlformats.org/presentationml/2006/main" xmlns:c="http://schemas.openxmlformats.org/drawingml/2006/chart" xmlns:dgm="http://schemas.openxmlformats.org/drawingml/2006/diagram" xmlns:o="urn:schemas-microsoft-com:office:office" xmlns:v="urn:schemas-microsoft-com:vml" xmlns:pvml="urn:schemas-microsoft-com:office:powerpoint" xmlns:com="http://schemas.openxmlformats.org/drawingml/2006/compatibility" xmlns:p14="http://schemas.microsoft.com/office/powerpoint/2010/main" xmlns:p15="http://schemas.microsoft.com/office/powerpoint/2012/main" xmlns:ahyp="http://schemas.microsoft.com/office/drawing/2018/hyperlinkcolor" showMasterPhAnim="0" showMasterSp="0">
+  <p:cSld>
+    <p:spTree>
+      <p:nvGrpSpPr>
+        <p:cNvPr id="250" name="Shape 250"/>
+        <p:cNvGrpSpPr/>
+        <p:nvPr/>
+      </p:nvGrpSpPr>
+      <p:grpSpPr>
+        <a:xfrm>
+          <a:off x="0" y="0"/>
+          <a:ext cx="0" cy="0"/>
+          <a:chOff x="0" y="0"/>
+          <a:chExt cx="0" cy="0"/>
+        </a:xfrm>
+      </p:grpSpPr>
+      <p:sp>
+        <p:nvSpPr>
+          <p:cNvPr id="251" name="Google Shape;251;g9278e0770d_0_345:notes"/>
+          <p:cNvSpPr/>
+          <p:nvPr>
+            <p:ph idx="2" type="sldImg"/>
+          </p:nvPr>
+        </p:nvSpPr>
+        <p:spPr>
+          <a:xfrm>
+            <a:off x="381300" y="685800"/>
+            <a:ext cx="6096000" cy="3429000"/>
+          </a:xfrm>
+          <a:custGeom>
+            <a:rect b="b" l="l" r="r" t="t"/>
+            <a:pathLst>
+              <a:path extrusionOk="0" h="120000" w="120000">
+                <a:moveTo>
+                  <a:pt x="0" y="0"/>
+                </a:moveTo>
+                <a:lnTo>
+                  <a:pt x="120000" y="0"/>
+                </a:lnTo>
+                <a:lnTo>
+                  <a:pt x="120000" y="120000"/>
+                </a:lnTo>
+                <a:lnTo>
+                  <a:pt x="0" y="120000"/>
+                </a:lnTo>
+                <a:close/>
+              </a:path>
+            </a:pathLst>
+          </a:custGeom>
+        </p:spPr>
+      </p:sp>
+      <p:sp>
+        <p:nvSpPr>
+          <p:cNvPr id="252" name="Google Shape;252;g9278e0770d_0_345:notes"/>
+          <p:cNvSpPr txBox="1"/>
+          <p:nvPr>
+            <p:ph idx="1" type="body"/>
+          </p:nvPr>
+        </p:nvSpPr>
+        <p:spPr>
+          <a:xfrm>
+            <a:off x="685800" y="4343400"/>
+            <a:ext cx="5486400" cy="4114800"/>
+          </a:xfrm>
+          <a:prstGeom prst="rect">
+            <a:avLst/>
+          </a:prstGeom>
+        </p:spPr>
+        <p:txBody>
+          <a:bodyPr anchorCtr="0" anchor="t" bIns="91425" lIns="91425" spcFirstLastPara="1" rIns="91425" wrap="square" tIns="91425">
+            <a:noAutofit/>
+          </a:bodyPr>
+          <a:lstStyle/>
+          <a:p>
+            <a:pPr indent="0" lvl="0" marL="0" rtl="0" algn="l">
+              <a:spcBef>
+                <a:spcPts val="0"/>
+              </a:spcBef>
+              <a:spcAft>
+                <a:spcPts val="0"/>
+              </a:spcAft>
+              <a:buNone/>
+            </a:pPr>
+            <a:r>
+              <a:t/>
+            </a:r>
+            <a:endParaRPr/>
+          </a:p>
+        </p:txBody>
+      </p:sp>
+    </p:spTree>
+  </p:cSld>
+  <p:clrMapOvr>
+    <a:masterClrMapping/>
+  </p:clrMapOvr>
+</p:notes>
+</file>
+
+<file path=ppt/notesSlides/notesSlide25.xml><?xml version="1.0" encoding="utf-8"?>
+<p:notes xmlns:a="http://schemas.openxmlformats.org/drawingml/2006/main" xmlns:r="http://schemas.openxmlformats.org/officeDocument/2006/relationships" xmlns:mc="http://schemas.openxmlformats.org/markup-compatibility/2006" xmlns:mv="urn:schemas-microsoft-com:mac:vml" xmlns:p="http://schemas.openxmlformats.org/presentationml/2006/main" xmlns:c="http://schemas.openxmlformats.org/drawingml/2006/chart" xmlns:dgm="http://schemas.openxmlformats.org/drawingml/2006/diagram" xmlns:o="urn:schemas-microsoft-com:office:office" xmlns:v="urn:schemas-microsoft-com:vml" xmlns:pvml="urn:schemas-microsoft-com:office:powerpoint" xmlns:com="http://schemas.openxmlformats.org/drawingml/2006/compatibility" xmlns:p14="http://schemas.microsoft.com/office/powerpoint/2010/main" xmlns:p15="http://schemas.microsoft.com/office/powerpoint/2012/main" xmlns:ahyp="http://schemas.microsoft.com/office/drawing/2018/hyperlinkcolor" showMasterPhAnim="0" showMasterSp="0">
+  <p:cSld>
+    <p:spTree>
+      <p:nvGrpSpPr>
+        <p:cNvPr id="258" name="Shape 258"/>
+        <p:cNvGrpSpPr/>
+        <p:nvPr/>
+      </p:nvGrpSpPr>
+      <p:grpSpPr>
+        <a:xfrm>
+          <a:off x="0" y="0"/>
+          <a:ext cx="0" cy="0"/>
+          <a:chOff x="0" y="0"/>
+          <a:chExt cx="0" cy="0"/>
+        </a:xfrm>
+      </p:grpSpPr>
+      <p:sp>
+        <p:nvSpPr>
+          <p:cNvPr id="259" name="Google Shape;259;g9278e0770d_0_352:notes"/>
+          <p:cNvSpPr/>
+          <p:nvPr>
+            <p:ph idx="2" type="sldImg"/>
+          </p:nvPr>
+        </p:nvSpPr>
+        <p:spPr>
+          <a:xfrm>
+            <a:off x="381300" y="685800"/>
+            <a:ext cx="6096000" cy="3429000"/>
+          </a:xfrm>
+          <a:custGeom>
+            <a:rect b="b" l="l" r="r" t="t"/>
+            <a:pathLst>
+              <a:path extrusionOk="0" h="120000" w="120000">
+                <a:moveTo>
+                  <a:pt x="0" y="0"/>
+                </a:moveTo>
+                <a:lnTo>
+                  <a:pt x="120000" y="0"/>
+                </a:lnTo>
+                <a:lnTo>
+                  <a:pt x="120000" y="120000"/>
+                </a:lnTo>
+                <a:lnTo>
+                  <a:pt x="0" y="120000"/>
+                </a:lnTo>
+                <a:close/>
+              </a:path>
+            </a:pathLst>
+          </a:custGeom>
+        </p:spPr>
+      </p:sp>
+      <p:sp>
+        <p:nvSpPr>
+          <p:cNvPr id="260" name="Google Shape;260;g9278e0770d_0_352:notes"/>
+          <p:cNvSpPr txBox="1"/>
+          <p:nvPr>
+            <p:ph idx="1" type="body"/>
+          </p:nvPr>
+        </p:nvSpPr>
+        <p:spPr>
+          <a:xfrm>
+            <a:off x="685800" y="4343400"/>
+            <a:ext cx="5486400" cy="4114800"/>
+          </a:xfrm>
+          <a:prstGeom prst="rect">
+            <a:avLst/>
+          </a:prstGeom>
+        </p:spPr>
+        <p:txBody>
+          <a:bodyPr anchorCtr="0" anchor="t" bIns="91425" lIns="91425" spcFirstLastPara="1" rIns="91425" wrap="square" tIns="91425">
+            <a:noAutofit/>
+          </a:bodyPr>
+          <a:lstStyle/>
+          <a:p>
+            <a:pPr indent="0" lvl="0" marL="0" rtl="0" algn="l">
+              <a:spcBef>
+                <a:spcPts val="0"/>
+              </a:spcBef>
+              <a:spcAft>
+                <a:spcPts val="0"/>
+              </a:spcAft>
+              <a:buNone/>
+            </a:pPr>
+            <a:r>
+              <a:t/>
+            </a:r>
+            <a:endParaRPr/>
+          </a:p>
+        </p:txBody>
+      </p:sp>
+    </p:spTree>
+  </p:cSld>
+  <p:clrMapOvr>
+    <a:masterClrMapping/>
+  </p:clrMapOvr>
+</p:notes>
+</file>
+
+<file path=ppt/notesSlides/notesSlide26.xml><?xml version="1.0" encoding="utf-8"?>
+<p:notes xmlns:a="http://schemas.openxmlformats.org/drawingml/2006/main" xmlns:r="http://schemas.openxmlformats.org/officeDocument/2006/relationships" xmlns:mc="http://schemas.openxmlformats.org/markup-compatibility/2006" xmlns:mv="urn:schemas-microsoft-com:mac:vml" xmlns:p="http://schemas.openxmlformats.org/presentationml/2006/main" xmlns:c="http://schemas.openxmlformats.org/drawingml/2006/chart" xmlns:dgm="http://schemas.openxmlformats.org/drawingml/2006/diagram" xmlns:o="urn:schemas-microsoft-com:office:office" xmlns:v="urn:schemas-microsoft-com:vml" xmlns:pvml="urn:schemas-microsoft-com:office:powerpoint" xmlns:com="http://schemas.openxmlformats.org/drawingml/2006/compatibility" xmlns:p14="http://schemas.microsoft.com/office/powerpoint/2010/main" xmlns:p15="http://schemas.microsoft.com/office/powerpoint/2012/main" xmlns:ahyp="http://schemas.microsoft.com/office/drawing/2018/hyperlinkcolor" showMasterPhAnim="0" showMasterSp="0">
+  <p:cSld>
+    <p:spTree>
+      <p:nvGrpSpPr>
+        <p:cNvPr id="265" name="Shape 265"/>
+        <p:cNvGrpSpPr/>
+        <p:nvPr/>
+      </p:nvGrpSpPr>
+      <p:grpSpPr>
+        <a:xfrm>
+          <a:off x="0" y="0"/>
+          <a:ext cx="0" cy="0"/>
+          <a:chOff x="0" y="0"/>
+          <a:chExt cx="0" cy="0"/>
+        </a:xfrm>
+      </p:grpSpPr>
+      <p:sp>
+        <p:nvSpPr>
+          <p:cNvPr id="266" name="Google Shape;266;g9278e0770d_0_358:notes"/>
+          <p:cNvSpPr/>
+          <p:nvPr>
+            <p:ph idx="2" type="sldImg"/>
+          </p:nvPr>
+        </p:nvSpPr>
+        <p:spPr>
+          <a:xfrm>
+            <a:off x="381300" y="685800"/>
+            <a:ext cx="6096000" cy="3429000"/>
+          </a:xfrm>
+          <a:custGeom>
+            <a:rect b="b" l="l" r="r" t="t"/>
+            <a:pathLst>
+              <a:path extrusionOk="0" h="120000" w="120000">
+                <a:moveTo>
+                  <a:pt x="0" y="0"/>
+                </a:moveTo>
+                <a:lnTo>
+                  <a:pt x="120000" y="0"/>
+                </a:lnTo>
+                <a:lnTo>
+                  <a:pt x="120000" y="120000"/>
+                </a:lnTo>
+                <a:lnTo>
+                  <a:pt x="0" y="120000"/>
+                </a:lnTo>
+                <a:close/>
+              </a:path>
+            </a:pathLst>
+          </a:custGeom>
+        </p:spPr>
+      </p:sp>
+      <p:sp>
+        <p:nvSpPr>
+          <p:cNvPr id="267" name="Google Shape;267;g9278e0770d_0_358:notes"/>
+          <p:cNvSpPr txBox="1"/>
+          <p:nvPr>
+            <p:ph idx="1" type="body"/>
+          </p:nvPr>
+        </p:nvSpPr>
+        <p:spPr>
+          <a:xfrm>
+            <a:off x="685800" y="4343400"/>
+            <a:ext cx="5486400" cy="4114800"/>
+          </a:xfrm>
+          <a:prstGeom prst="rect">
+            <a:avLst/>
+          </a:prstGeom>
+        </p:spPr>
+        <p:txBody>
+          <a:bodyPr anchorCtr="0" anchor="t" bIns="91425" lIns="91425" spcFirstLastPara="1" rIns="91425" wrap="square" tIns="91425">
+            <a:noAutofit/>
+          </a:bodyPr>
+          <a:lstStyle/>
+          <a:p>
+            <a:pPr indent="0" lvl="0" marL="0" rtl="0" algn="l">
+              <a:lnSpc>
+                <a:spcPct val="115000"/>
+              </a:lnSpc>
+              <a:spcBef>
+                <a:spcPts val="0"/>
+              </a:spcBef>
+              <a:spcAft>
+                <a:spcPts val="0"/>
+              </a:spcAft>
+              <a:buNone/>
+            </a:pPr>
+            <a:r>
+              <a:rPr lang="en" sz="1800">
+                <a:solidFill>
+                  <a:schemeClr val="dk2"/>
+                </a:solidFill>
+              </a:rPr>
+              <a:t>Many commands you’ve learned – </a:t>
+            </a:r>
+            <a:r>
+              <a:rPr lang="en" sz="1800">
+                <a:solidFill>
+                  <a:schemeClr val="dk2"/>
+                </a:solidFill>
+                <a:latin typeface="Courier New"/>
+                <a:ea typeface="Courier New"/>
+                <a:cs typeface="Courier New"/>
+                <a:sym typeface="Courier New"/>
+              </a:rPr>
+              <a:t>ls</a:t>
+            </a:r>
+            <a:r>
+              <a:rPr lang="en" sz="1800">
+                <a:solidFill>
+                  <a:schemeClr val="dk2"/>
+                </a:solidFill>
+              </a:rPr>
+              <a:t>, </a:t>
+            </a:r>
+            <a:r>
+              <a:rPr lang="en" sz="1800">
+                <a:solidFill>
+                  <a:schemeClr val="dk2"/>
+                </a:solidFill>
+                <a:latin typeface="Courier New"/>
+                <a:ea typeface="Courier New"/>
+                <a:cs typeface="Courier New"/>
+                <a:sym typeface="Courier New"/>
+              </a:rPr>
+              <a:t>grep</a:t>
+            </a:r>
+            <a:r>
+              <a:rPr lang="en" sz="1800">
+                <a:solidFill>
+                  <a:schemeClr val="dk2"/>
+                </a:solidFill>
+              </a:rPr>
+              <a:t>, </a:t>
+            </a:r>
+            <a:r>
+              <a:rPr lang="en" sz="1800">
+                <a:solidFill>
+                  <a:schemeClr val="dk2"/>
+                </a:solidFill>
+                <a:latin typeface="Courier New"/>
+                <a:ea typeface="Courier New"/>
+                <a:cs typeface="Courier New"/>
+                <a:sym typeface="Courier New"/>
+              </a:rPr>
+              <a:t>sort</a:t>
+            </a:r>
+            <a:r>
+              <a:rPr lang="en" sz="1800">
+                <a:solidFill>
+                  <a:schemeClr val="dk2"/>
+                </a:solidFill>
+              </a:rPr>
+              <a:t>, </a:t>
+            </a:r>
+            <a:r>
+              <a:rPr lang="en" sz="1800">
+                <a:solidFill>
+                  <a:schemeClr val="dk2"/>
+                </a:solidFill>
+                <a:latin typeface="Courier New"/>
+                <a:ea typeface="Courier New"/>
+                <a:cs typeface="Courier New"/>
+                <a:sym typeface="Courier New"/>
+              </a:rPr>
+              <a:t>head</a:t>
+            </a:r>
+            <a:r>
+              <a:rPr lang="en" sz="1800">
+                <a:solidFill>
+                  <a:schemeClr val="dk2"/>
+                </a:solidFill>
+              </a:rPr>
+              <a:t>, </a:t>
+            </a:r>
+            <a:r>
+              <a:rPr lang="en" sz="1800">
+                <a:solidFill>
+                  <a:schemeClr val="dk2"/>
+                </a:solidFill>
+                <a:latin typeface="Courier New"/>
+                <a:ea typeface="Courier New"/>
+                <a:cs typeface="Courier New"/>
+                <a:sym typeface="Courier New"/>
+              </a:rPr>
+              <a:t>tail </a:t>
+            </a:r>
+            <a:r>
+              <a:rPr lang="en" sz="1800">
+                <a:solidFill>
+                  <a:schemeClr val="dk2"/>
+                </a:solidFill>
+              </a:rPr>
+              <a:t>– primarily send information to STDOUT.  By default, STDOUT is simply printed to your terminal display.</a:t>
+            </a:r>
+            <a:endParaRPr sz="1800">
+              <a:solidFill>
+                <a:schemeClr val="dk2"/>
+              </a:solidFill>
+            </a:endParaRPr>
+          </a:p>
+          <a:p>
+            <a:pPr indent="0" lvl="0" marL="0" rtl="0" algn="l">
+              <a:spcBef>
+                <a:spcPts val="1600"/>
+              </a:spcBef>
+              <a:spcAft>
+                <a:spcPts val="0"/>
+              </a:spcAft>
+              <a:buNone/>
+            </a:pPr>
+            <a:r>
+              <a:t/>
+            </a:r>
+            <a:endParaRPr/>
+          </a:p>
+        </p:txBody>
+      </p:sp>
+    </p:spTree>
+  </p:cSld>
+  <p:clrMapOvr>
+    <a:masterClrMapping/>
+  </p:clrMapOvr>
+</p:notes>
+</file>
+
+<file path=ppt/notesSlides/notesSlide27.xml><?xml version="1.0" encoding="utf-8"?>
+<p:notes xmlns:a="http://schemas.openxmlformats.org/drawingml/2006/main" xmlns:r="http://schemas.openxmlformats.org/officeDocument/2006/relationships" xmlns:mc="http://schemas.openxmlformats.org/markup-compatibility/2006" xmlns:mv="urn:schemas-microsoft-com:mac:vml" xmlns:p="http://schemas.openxmlformats.org/presentationml/2006/main" xmlns:c="http://schemas.openxmlformats.org/drawingml/2006/chart" xmlns:dgm="http://schemas.openxmlformats.org/drawingml/2006/diagram" xmlns:o="urn:schemas-microsoft-com:office:office" xmlns:v="urn:schemas-microsoft-com:vml" xmlns:pvml="urn:schemas-microsoft-com:office:powerpoint" xmlns:com="http://schemas.openxmlformats.org/drawingml/2006/compatibility" xmlns:p14="http://schemas.microsoft.com/office/powerpoint/2010/main" xmlns:p15="http://schemas.microsoft.com/office/powerpoint/2012/main" xmlns:ahyp="http://schemas.microsoft.com/office/drawing/2018/hyperlinkcolor" showMasterPhAnim="0" showMasterSp="0">
+  <p:cSld>
+    <p:spTree>
+      <p:nvGrpSpPr>
+        <p:cNvPr id="288" name="Shape 288"/>
+        <p:cNvGrpSpPr/>
+        <p:nvPr/>
+      </p:nvGrpSpPr>
+      <p:grpSpPr>
+        <a:xfrm>
+          <a:off x="0" y="0"/>
+          <a:ext cx="0" cy="0"/>
+          <a:chOff x="0" y="0"/>
+          <a:chExt cx="0" cy="0"/>
+        </a:xfrm>
+      </p:grpSpPr>
+      <p:sp>
+        <p:nvSpPr>
+          <p:cNvPr id="289" name="Google Shape;289;g9278e0770d_0_380:notes"/>
+          <p:cNvSpPr/>
+          <p:nvPr>
+            <p:ph idx="2" type="sldImg"/>
+          </p:nvPr>
+        </p:nvSpPr>
+        <p:spPr>
+          <a:xfrm>
+            <a:off x="381300" y="685800"/>
+            <a:ext cx="6096000" cy="3429000"/>
+          </a:xfrm>
+          <a:custGeom>
+            <a:rect b="b" l="l" r="r" t="t"/>
+            <a:pathLst>
+              <a:path extrusionOk="0" h="120000" w="120000">
+                <a:moveTo>
+                  <a:pt x="0" y="0"/>
+                </a:moveTo>
+                <a:lnTo>
+                  <a:pt x="120000" y="0"/>
+                </a:lnTo>
+                <a:lnTo>
+                  <a:pt x="120000" y="120000"/>
+                </a:lnTo>
+                <a:lnTo>
+                  <a:pt x="0" y="120000"/>
+                </a:lnTo>
+                <a:close/>
+              </a:path>
+            </a:pathLst>
+          </a:custGeom>
+        </p:spPr>
+      </p:sp>
+      <p:sp>
+        <p:nvSpPr>
+          <p:cNvPr id="290" name="Google Shape;290;g9278e0770d_0_380:notes"/>
+          <p:cNvSpPr txBox="1"/>
+          <p:nvPr>
+            <p:ph idx="1" type="body"/>
+          </p:nvPr>
+        </p:nvSpPr>
+        <p:spPr>
+          <a:xfrm>
+            <a:off x="685800" y="4343400"/>
+            <a:ext cx="5486400" cy="4114800"/>
+          </a:xfrm>
+          <a:prstGeom prst="rect">
+            <a:avLst/>
+          </a:prstGeom>
+        </p:spPr>
+        <p:txBody>
+          <a:bodyPr anchorCtr="0" anchor="t" bIns="91425" lIns="91425" spcFirstLastPara="1" rIns="91425" wrap="square" tIns="91425">
+            <a:noAutofit/>
+          </a:bodyPr>
+          <a:lstStyle/>
+          <a:p>
+            <a:pPr indent="0" lvl="0" marL="0" rtl="0" algn="l">
+              <a:spcBef>
+                <a:spcPts val="0"/>
+              </a:spcBef>
+              <a:spcAft>
+                <a:spcPts val="0"/>
+              </a:spcAft>
+              <a:buNone/>
+            </a:pPr>
+            <a:r>
+              <a:t/>
+            </a:r>
+            <a:endParaRPr/>
+          </a:p>
+        </p:txBody>
+      </p:sp>
+    </p:spTree>
+  </p:cSld>
+  <p:clrMapOvr>
+    <a:masterClrMapping/>
+  </p:clrMapOvr>
+</p:notes>
+</file>
+
+<file path=ppt/notesSlides/notesSlide28.xml><?xml version="1.0" encoding="utf-8"?>
+<p:notes xmlns:a="http://schemas.openxmlformats.org/drawingml/2006/main" xmlns:r="http://schemas.openxmlformats.org/officeDocument/2006/relationships" xmlns:mc="http://schemas.openxmlformats.org/markup-compatibility/2006" xmlns:mv="urn:schemas-microsoft-com:mac:vml" xmlns:p="http://schemas.openxmlformats.org/presentationml/2006/main" xmlns:c="http://schemas.openxmlformats.org/drawingml/2006/chart" xmlns:dgm="http://schemas.openxmlformats.org/drawingml/2006/diagram" xmlns:o="urn:schemas-microsoft-com:office:office" xmlns:v="urn:schemas-microsoft-com:vml" xmlns:pvml="urn:schemas-microsoft-com:office:powerpoint" xmlns:com="http://schemas.openxmlformats.org/drawingml/2006/compatibility" xmlns:p14="http://schemas.microsoft.com/office/powerpoint/2010/main" xmlns:p15="http://schemas.microsoft.com/office/powerpoint/2012/main" xmlns:ahyp="http://schemas.microsoft.com/office/drawing/2018/hyperlinkcolor" showMasterPhAnim="0" showMasterSp="0">
+  <p:cSld>
+    <p:spTree>
+      <p:nvGrpSpPr>
+        <p:cNvPr id="299" name="Shape 299"/>
+        <p:cNvGrpSpPr/>
+        <p:nvPr/>
+      </p:nvGrpSpPr>
+      <p:grpSpPr>
+        <a:xfrm>
+          <a:off x="0" y="0"/>
+          <a:ext cx="0" cy="0"/>
+          <a:chOff x="0" y="0"/>
+          <a:chExt cx="0" cy="0"/>
+        </a:xfrm>
+      </p:grpSpPr>
+      <p:sp>
+        <p:nvSpPr>
+          <p:cNvPr id="300" name="Google Shape;300;g9278e0770d_0_390:notes"/>
+          <p:cNvSpPr/>
+          <p:nvPr>
+            <p:ph idx="2" type="sldImg"/>
+          </p:nvPr>
+        </p:nvSpPr>
+        <p:spPr>
+          <a:xfrm>
+            <a:off x="381300" y="685800"/>
+            <a:ext cx="6096000" cy="3429000"/>
+          </a:xfrm>
+          <a:custGeom>
+            <a:rect b="b" l="l" r="r" t="t"/>
+            <a:pathLst>
+              <a:path extrusionOk="0" h="120000" w="120000">
+                <a:moveTo>
+                  <a:pt x="0" y="0"/>
+                </a:moveTo>
+                <a:lnTo>
+                  <a:pt x="120000" y="0"/>
+                </a:lnTo>
+                <a:lnTo>
+                  <a:pt x="120000" y="120000"/>
+                </a:lnTo>
+                <a:lnTo>
+                  <a:pt x="0" y="120000"/>
+                </a:lnTo>
+                <a:close/>
+              </a:path>
+            </a:pathLst>
+          </a:custGeom>
+        </p:spPr>
+      </p:sp>
+      <p:sp>
+        <p:nvSpPr>
+          <p:cNvPr id="301" name="Google Shape;301;g9278e0770d_0_390:notes"/>
+          <p:cNvSpPr txBox="1"/>
+          <p:nvPr>
+            <p:ph idx="1" type="body"/>
+          </p:nvPr>
+        </p:nvSpPr>
+        <p:spPr>
+          <a:xfrm>
+            <a:off x="685800" y="4343400"/>
+            <a:ext cx="5486400" cy="4114800"/>
+          </a:xfrm>
+          <a:prstGeom prst="rect">
+            <a:avLst/>
+          </a:prstGeom>
+        </p:spPr>
+        <p:txBody>
+          <a:bodyPr anchorCtr="0" anchor="t" bIns="91425" lIns="91425" spcFirstLastPara="1" rIns="91425" wrap="square" tIns="91425">
+            <a:noAutofit/>
+          </a:bodyPr>
+          <a:lstStyle/>
+          <a:p>
+            <a:pPr indent="0" lvl="0" marL="0" rtl="0" algn="l">
+              <a:spcBef>
+                <a:spcPts val="0"/>
+              </a:spcBef>
+              <a:spcAft>
+                <a:spcPts val="0"/>
+              </a:spcAft>
+              <a:buNone/>
+            </a:pPr>
+            <a:r>
+              <a:t/>
+            </a:r>
+            <a:endParaRPr/>
+          </a:p>
+        </p:txBody>
+      </p:sp>
+    </p:spTree>
+  </p:cSld>
+  <p:clrMapOvr>
+    <a:masterClrMapping/>
+  </p:clrMapOvr>
+</p:notes>
+</file>
+
+<file path=ppt/notesSlides/notesSlide29.xml><?xml version="1.0" encoding="utf-8"?>
+<p:notes xmlns:a="http://schemas.openxmlformats.org/drawingml/2006/main" xmlns:r="http://schemas.openxmlformats.org/officeDocument/2006/relationships" xmlns:mc="http://schemas.openxmlformats.org/markup-compatibility/2006" xmlns:mv="urn:schemas-microsoft-com:mac:vml" xmlns:p="http://schemas.openxmlformats.org/presentationml/2006/main" xmlns:c="http://schemas.openxmlformats.org/drawingml/2006/chart" xmlns:dgm="http://schemas.openxmlformats.org/drawingml/2006/diagram" xmlns:o="urn:schemas-microsoft-com:office:office" xmlns:v="urn:schemas-microsoft-com:vml" xmlns:pvml="urn:schemas-microsoft-com:office:powerpoint" xmlns:com="http://schemas.openxmlformats.org/drawingml/2006/compatibility" xmlns:p14="http://schemas.microsoft.com/office/powerpoint/2010/main" xmlns:p15="http://schemas.microsoft.com/office/powerpoint/2012/main" xmlns:ahyp="http://schemas.microsoft.com/office/drawing/2018/hyperlinkcolor" showMasterPhAnim="0" showMasterSp="0">
+  <p:cSld>
+    <p:spTree>
+      <p:nvGrpSpPr>
+        <p:cNvPr id="318" name="Shape 318"/>
+        <p:cNvGrpSpPr/>
+        <p:nvPr/>
+      </p:nvGrpSpPr>
+      <p:grpSpPr>
+        <a:xfrm>
+          <a:off x="0" y="0"/>
+          <a:ext cx="0" cy="0"/>
+          <a:chOff x="0" y="0"/>
+          <a:chExt cx="0" cy="0"/>
+        </a:xfrm>
+      </p:grpSpPr>
+      <p:sp>
+        <p:nvSpPr>
+          <p:cNvPr id="319" name="Google Shape;319;g9278e0770d_0_413:notes"/>
+          <p:cNvSpPr/>
+          <p:nvPr>
+            <p:ph idx="2" type="sldImg"/>
+          </p:nvPr>
+        </p:nvSpPr>
+        <p:spPr>
+          <a:xfrm>
+            <a:off x="381300" y="685800"/>
+            <a:ext cx="6096000" cy="3429000"/>
+          </a:xfrm>
+          <a:custGeom>
+            <a:rect b="b" l="l" r="r" t="t"/>
+            <a:pathLst>
+              <a:path extrusionOk="0" h="120000" w="120000">
+                <a:moveTo>
+                  <a:pt x="0" y="0"/>
+                </a:moveTo>
+                <a:lnTo>
+                  <a:pt x="120000" y="0"/>
+                </a:lnTo>
+                <a:lnTo>
+                  <a:pt x="120000" y="120000"/>
+                </a:lnTo>
+                <a:lnTo>
+                  <a:pt x="0" y="120000"/>
+                </a:lnTo>
+                <a:close/>
+              </a:path>
+            </a:pathLst>
+          </a:custGeom>
+        </p:spPr>
+      </p:sp>
+      <p:sp>
+        <p:nvSpPr>
+          <p:cNvPr id="320" name="Google Shape;320;g9278e0770d_0_413:notes"/>
+          <p:cNvSpPr txBox="1"/>
+          <p:nvPr>
+            <p:ph idx="1" type="body"/>
+          </p:nvPr>
+        </p:nvSpPr>
+        <p:spPr>
+          <a:xfrm>
+            <a:off x="685800" y="4343400"/>
+            <a:ext cx="5486400" cy="4114800"/>
+          </a:xfrm>
+          <a:prstGeom prst="rect">
+            <a:avLst/>
+          </a:prstGeom>
+        </p:spPr>
+        <p:txBody>
+          <a:bodyPr anchorCtr="0" anchor="t" bIns="91425" lIns="91425" spcFirstLastPara="1" rIns="91425" wrap="square" tIns="91425">
+            <a:noAutofit/>
+          </a:bodyPr>
+          <a:lstStyle/>
+          <a:p>
+            <a:pPr indent="0" lvl="0" marL="0" rtl="0" algn="l">
+              <a:spcBef>
+                <a:spcPts val="0"/>
+              </a:spcBef>
+              <a:spcAft>
+                <a:spcPts val="0"/>
+              </a:spcAft>
+              <a:buNone/>
+            </a:pPr>
+            <a:r>
+              <a:t/>
             </a:r>
             <a:endParaRPr/>
           </a:p>
@@ -3638,7 +3603,7 @@
   <p:cSld>
     <p:spTree>
       <p:nvGrpSpPr>
-        <p:cNvPr id="338" name="Shape 338"/>
+        <p:cNvPr id="342" name="Shape 342"/>
         <p:cNvGrpSpPr/>
         <p:nvPr/>
       </p:nvGrpSpPr>
@@ -3652,7 +3617,7 @@
       </p:grpSpPr>
       <p:sp>
         <p:nvSpPr>
-          <p:cNvPr id="339" name="Google Shape;339;g9278e0770d_0_552:notes"/>
+          <p:cNvPr id="343" name="Google Shape;343;g9278e0770d_0_498:notes"/>
           <p:cNvSpPr/>
           <p:nvPr>
             <p:ph idx="2" type="sldImg"/>
@@ -3697,7 +3662,7 @@
       </p:sp>
       <p:sp>
         <p:nvSpPr>
-          <p:cNvPr id="340" name="Google Shape;340;g9278e0770d_0_552:notes"/>
+          <p:cNvPr id="344" name="Google Shape;344;g9278e0770d_0_498:notes"/>
           <p:cNvSpPr txBox="1"/>
           <p:nvPr>
             <p:ph idx="1" type="body"/>
@@ -3755,7 +3720,7 @@
   <p:cSld>
     <p:spTree>
       <p:nvGrpSpPr>
-        <p:cNvPr id="345" name="Shape 345"/>
+        <p:cNvPr id="349" name="Shape 349"/>
         <p:cNvGrpSpPr/>
         <p:nvPr/>
       </p:nvGrpSpPr>
@@ -3769,7 +3734,7 @@
       </p:grpSpPr>
       <p:sp>
         <p:nvSpPr>
-          <p:cNvPr id="346" name="Google Shape;346;g9278e0770d_0_558:notes"/>
+          <p:cNvPr id="350" name="Google Shape;350;g95a1c22ee4_0_0:notes"/>
           <p:cNvSpPr/>
           <p:nvPr>
             <p:ph idx="2" type="sldImg"/>
@@ -3814,7 +3779,242 @@
       </p:sp>
       <p:sp>
         <p:nvSpPr>
-          <p:cNvPr id="347" name="Google Shape;347;g9278e0770d_0_558:notes"/>
+          <p:cNvPr id="351" name="Google Shape;351;g95a1c22ee4_0_0:notes"/>
+          <p:cNvSpPr txBox="1"/>
+          <p:nvPr>
+            <p:ph idx="1" type="body"/>
+          </p:nvPr>
+        </p:nvSpPr>
+        <p:spPr>
+          <a:xfrm>
+            <a:off x="685800" y="4343400"/>
+            <a:ext cx="5486400" cy="4114800"/>
+          </a:xfrm>
+          <a:prstGeom prst="rect">
+            <a:avLst/>
+          </a:prstGeom>
+          <a:noFill/>
+          <a:ln>
+            <a:noFill/>
+          </a:ln>
+        </p:spPr>
+        <p:txBody>
+          <a:bodyPr anchorCtr="0" anchor="t" bIns="91425" lIns="91425" spcFirstLastPara="1" rIns="91425" wrap="square" tIns="91425">
+            <a:noAutofit/>
+          </a:bodyPr>
+          <a:lstStyle/>
+          <a:p>
+            <a:pPr indent="0" lvl="0" marL="0" rtl="0" algn="l">
+              <a:lnSpc>
+                <a:spcPct val="100000"/>
+              </a:lnSpc>
+              <a:spcBef>
+                <a:spcPts val="0"/>
+              </a:spcBef>
+              <a:spcAft>
+                <a:spcPts val="0"/>
+              </a:spcAft>
+              <a:buSzPts val="1100"/>
+              <a:buNone/>
+            </a:pPr>
+            <a:r>
+              <a:rPr lang="en"/>
+              <a:t>Want to know if you encounter unwelcoming behavior outside or inside classroom</a:t>
+            </a:r>
+            <a:endParaRPr/>
+          </a:p>
+        </p:txBody>
+      </p:sp>
+    </p:spTree>
+  </p:cSld>
+  <p:clrMapOvr>
+    <a:masterClrMapping/>
+  </p:clrMapOvr>
+</p:notes>
+</file>
+
+<file path=ppt/notesSlides/notesSlide32.xml><?xml version="1.0" encoding="utf-8"?>
+<p:notes xmlns:a="http://schemas.openxmlformats.org/drawingml/2006/main" xmlns:r="http://schemas.openxmlformats.org/officeDocument/2006/relationships" xmlns:mc="http://schemas.openxmlformats.org/markup-compatibility/2006" xmlns:mv="urn:schemas-microsoft-com:mac:vml" xmlns:p="http://schemas.openxmlformats.org/presentationml/2006/main" xmlns:c="http://schemas.openxmlformats.org/drawingml/2006/chart" xmlns:dgm="http://schemas.openxmlformats.org/drawingml/2006/diagram" xmlns:o="urn:schemas-microsoft-com:office:office" xmlns:v="urn:schemas-microsoft-com:vml" xmlns:pvml="urn:schemas-microsoft-com:office:powerpoint" xmlns:com="http://schemas.openxmlformats.org/drawingml/2006/compatibility" xmlns:p14="http://schemas.microsoft.com/office/powerpoint/2010/main" xmlns:p15="http://schemas.microsoft.com/office/powerpoint/2012/main" xmlns:ahyp="http://schemas.microsoft.com/office/drawing/2018/hyperlinkcolor" showMasterPhAnim="0" showMasterSp="0">
+  <p:cSld>
+    <p:spTree>
+      <p:nvGrpSpPr>
+        <p:cNvPr id="356" name="Shape 356"/>
+        <p:cNvGrpSpPr/>
+        <p:nvPr/>
+      </p:nvGrpSpPr>
+      <p:grpSpPr>
+        <a:xfrm>
+          <a:off x="0" y="0"/>
+          <a:ext cx="0" cy="0"/>
+          <a:chOff x="0" y="0"/>
+          <a:chExt cx="0" cy="0"/>
+        </a:xfrm>
+      </p:grpSpPr>
+      <p:sp>
+        <p:nvSpPr>
+          <p:cNvPr id="357" name="Google Shape;357;g9278e0770d_0_552:notes"/>
+          <p:cNvSpPr/>
+          <p:nvPr>
+            <p:ph idx="2" type="sldImg"/>
+          </p:nvPr>
+        </p:nvSpPr>
+        <p:spPr>
+          <a:xfrm>
+            <a:off x="381300" y="685800"/>
+            <a:ext cx="6096000" cy="3429000"/>
+          </a:xfrm>
+          <a:custGeom>
+            <a:rect b="b" l="l" r="r" t="t"/>
+            <a:pathLst>
+              <a:path extrusionOk="0" h="120000" w="120000">
+                <a:moveTo>
+                  <a:pt x="0" y="0"/>
+                </a:moveTo>
+                <a:lnTo>
+                  <a:pt x="120000" y="0"/>
+                </a:lnTo>
+                <a:lnTo>
+                  <a:pt x="120000" y="120000"/>
+                </a:lnTo>
+                <a:lnTo>
+                  <a:pt x="0" y="120000"/>
+                </a:lnTo>
+                <a:close/>
+              </a:path>
+            </a:pathLst>
+          </a:custGeom>
+          <a:noFill/>
+          <a:ln cap="flat" cmpd="sng" w="9525">
+            <a:solidFill>
+              <a:srgbClr val="000000"/>
+            </a:solidFill>
+            <a:prstDash val="solid"/>
+            <a:round/>
+            <a:headEnd len="sm" w="sm" type="none"/>
+            <a:tailEnd len="sm" w="sm" type="none"/>
+          </a:ln>
+        </p:spPr>
+      </p:sp>
+      <p:sp>
+        <p:nvSpPr>
+          <p:cNvPr id="358" name="Google Shape;358;g9278e0770d_0_552:notes"/>
+          <p:cNvSpPr txBox="1"/>
+          <p:nvPr>
+            <p:ph idx="1" type="body"/>
+          </p:nvPr>
+        </p:nvSpPr>
+        <p:spPr>
+          <a:xfrm>
+            <a:off x="685800" y="4343400"/>
+            <a:ext cx="5486400" cy="4114800"/>
+          </a:xfrm>
+          <a:prstGeom prst="rect">
+            <a:avLst/>
+          </a:prstGeom>
+          <a:noFill/>
+          <a:ln>
+            <a:noFill/>
+          </a:ln>
+        </p:spPr>
+        <p:txBody>
+          <a:bodyPr anchorCtr="0" anchor="t" bIns="91425" lIns="91425" spcFirstLastPara="1" rIns="91425" wrap="square" tIns="91425">
+            <a:noAutofit/>
+          </a:bodyPr>
+          <a:lstStyle/>
+          <a:p>
+            <a:pPr indent="0" lvl="0" marL="0" rtl="0" algn="l">
+              <a:lnSpc>
+                <a:spcPct val="100000"/>
+              </a:lnSpc>
+              <a:spcBef>
+                <a:spcPts val="0"/>
+              </a:spcBef>
+              <a:spcAft>
+                <a:spcPts val="0"/>
+              </a:spcAft>
+              <a:buSzPts val="1100"/>
+              <a:buNone/>
+            </a:pPr>
+            <a:r>
+              <a:t/>
+            </a:r>
+            <a:endParaRPr/>
+          </a:p>
+        </p:txBody>
+      </p:sp>
+    </p:spTree>
+  </p:cSld>
+  <p:clrMapOvr>
+    <a:masterClrMapping/>
+  </p:clrMapOvr>
+</p:notes>
+</file>
+
+<file path=ppt/notesSlides/notesSlide33.xml><?xml version="1.0" encoding="utf-8"?>
+<p:notes xmlns:a="http://schemas.openxmlformats.org/drawingml/2006/main" xmlns:r="http://schemas.openxmlformats.org/officeDocument/2006/relationships" xmlns:mc="http://schemas.openxmlformats.org/markup-compatibility/2006" xmlns:mv="urn:schemas-microsoft-com:mac:vml" xmlns:p="http://schemas.openxmlformats.org/presentationml/2006/main" xmlns:c="http://schemas.openxmlformats.org/drawingml/2006/chart" xmlns:dgm="http://schemas.openxmlformats.org/drawingml/2006/diagram" xmlns:o="urn:schemas-microsoft-com:office:office" xmlns:v="urn:schemas-microsoft-com:vml" xmlns:pvml="urn:schemas-microsoft-com:office:powerpoint" xmlns:com="http://schemas.openxmlformats.org/drawingml/2006/compatibility" xmlns:p14="http://schemas.microsoft.com/office/powerpoint/2010/main" xmlns:p15="http://schemas.microsoft.com/office/powerpoint/2012/main" xmlns:ahyp="http://schemas.microsoft.com/office/drawing/2018/hyperlinkcolor" showMasterPhAnim="0" showMasterSp="0">
+  <p:cSld>
+    <p:spTree>
+      <p:nvGrpSpPr>
+        <p:cNvPr id="363" name="Shape 363"/>
+        <p:cNvGrpSpPr/>
+        <p:nvPr/>
+      </p:nvGrpSpPr>
+      <p:grpSpPr>
+        <a:xfrm>
+          <a:off x="0" y="0"/>
+          <a:ext cx="0" cy="0"/>
+          <a:chOff x="0" y="0"/>
+          <a:chExt cx="0" cy="0"/>
+        </a:xfrm>
+      </p:grpSpPr>
+      <p:sp>
+        <p:nvSpPr>
+          <p:cNvPr id="364" name="Google Shape;364;g9278e0770d_0_558:notes"/>
+          <p:cNvSpPr/>
+          <p:nvPr>
+            <p:ph idx="2" type="sldImg"/>
+          </p:nvPr>
+        </p:nvSpPr>
+        <p:spPr>
+          <a:xfrm>
+            <a:off x="381300" y="685800"/>
+            <a:ext cx="6096000" cy="3429000"/>
+          </a:xfrm>
+          <a:custGeom>
+            <a:rect b="b" l="l" r="r" t="t"/>
+            <a:pathLst>
+              <a:path extrusionOk="0" h="120000" w="120000">
+                <a:moveTo>
+                  <a:pt x="0" y="0"/>
+                </a:moveTo>
+                <a:lnTo>
+                  <a:pt x="120000" y="0"/>
+                </a:lnTo>
+                <a:lnTo>
+                  <a:pt x="120000" y="120000"/>
+                </a:lnTo>
+                <a:lnTo>
+                  <a:pt x="0" y="120000"/>
+                </a:lnTo>
+                <a:close/>
+              </a:path>
+            </a:pathLst>
+          </a:custGeom>
+          <a:noFill/>
+          <a:ln cap="flat" cmpd="sng" w="9525">
+            <a:solidFill>
+              <a:srgbClr val="000000"/>
+            </a:solidFill>
+            <a:prstDash val="solid"/>
+            <a:round/>
+            <a:headEnd len="sm" w="sm" type="none"/>
+            <a:tailEnd len="sm" w="sm" type="none"/>
+          </a:ln>
+        </p:spPr>
+      </p:sp>
+      <p:sp>
+        <p:nvSpPr>
+          <p:cNvPr id="365" name="Google Shape;365;g9278e0770d_0_558:notes"/>
           <p:cNvSpPr txBox="1"/>
           <p:nvPr>
             <p:ph idx="1" type="body"/>
@@ -10820,59 +11020,40 @@
       <p:sp>
         <p:nvSpPr>
           <p:cNvPr id="167" name="Google Shape;167;p28"/>
-          <p:cNvSpPr/>
-          <p:nvPr/>
+          <p:cNvSpPr txBox="1"/>
+          <p:nvPr>
+            <p:ph type="title"/>
+          </p:nvPr>
         </p:nvSpPr>
         <p:spPr>
           <a:xfrm>
-            <a:off x="311700" y="347100"/>
-            <a:ext cx="8520600" cy="4449300"/>
+            <a:off x="311700" y="445025"/>
+            <a:ext cx="8520600" cy="572700"/>
           </a:xfrm>
           <a:prstGeom prst="rect">
             <a:avLst/>
           </a:prstGeom>
-          <a:solidFill>
-            <a:srgbClr val="A4C2F4"/>
-          </a:solidFill>
-          <a:ln>
-            <a:noFill/>
-          </a:ln>
         </p:spPr>
         <p:txBody>
-          <a:bodyPr anchorCtr="0" anchor="ctr" bIns="91425" lIns="91425" spcFirstLastPara="1" rIns="91425" wrap="square" tIns="91425">
+          <a:bodyPr anchorCtr="0" anchor="t" bIns="91425" lIns="91425" spcFirstLastPara="1" rIns="91425" wrap="square" tIns="91425">
             <a:noAutofit/>
           </a:bodyPr>
           <a:lstStyle/>
           <a:p>
-            <a:pPr indent="0" lvl="0" marL="0" marR="0" rtl="0" algn="l">
-              <a:lnSpc>
-                <a:spcPct val="100000"/>
-              </a:lnSpc>
-              <a:spcBef>
-                <a:spcPts val="0"/>
-              </a:spcBef>
-              <a:spcAft>
-                <a:spcPts val="0"/>
-              </a:spcAft>
-              <a:buClr>
-                <a:srgbClr val="000000"/>
-              </a:buClr>
-              <a:buSzPts val="1400"/>
-              <a:buFont typeface="Arial"/>
-              <a:buNone/>
-            </a:pPr>
-            <a:r>
-              <a:t/>
-            </a:r>
-            <a:endParaRPr b="0" i="0" sz="1400" u="none" cap="none" strike="noStrike">
-              <a:solidFill>
-                <a:srgbClr val="000000"/>
-              </a:solidFill>
-              <a:latin typeface="Arial"/>
-              <a:ea typeface="Arial"/>
-              <a:cs typeface="Arial"/>
-              <a:sym typeface="Arial"/>
-            </a:endParaRPr>
+            <a:pPr indent="0" lvl="0" marL="0" rtl="0" algn="l">
+              <a:spcBef>
+                <a:spcPts val="0"/>
+              </a:spcBef>
+              <a:spcAft>
+                <a:spcPts val="0"/>
+              </a:spcAft>
+              <a:buNone/>
+            </a:pPr>
+            <a:r>
+              <a:rPr lang="en"/>
+              <a:t>Where to get help?</a:t>
+            </a:r>
+            <a:endParaRPr/>
           </a:p>
         </p:txBody>
       </p:sp>
@@ -10881,21 +11062,17 @@
           <p:cNvPr id="168" name="Google Shape;168;p28"/>
           <p:cNvSpPr txBox="1"/>
           <p:nvPr>
-            <p:ph type="title"/>
+            <p:ph idx="1" type="body"/>
           </p:nvPr>
         </p:nvSpPr>
         <p:spPr>
           <a:xfrm>
-            <a:off x="384825" y="471525"/>
-            <a:ext cx="8520600" cy="3493500"/>
+            <a:off x="311700" y="1152475"/>
+            <a:ext cx="8520600" cy="3416400"/>
           </a:xfrm>
           <a:prstGeom prst="rect">
             <a:avLst/>
           </a:prstGeom>
-          <a:noFill/>
-          <a:ln>
-            <a:noFill/>
-          </a:ln>
         </p:spPr>
         <p:txBody>
           <a:bodyPr anchorCtr="0" anchor="t" bIns="91425" lIns="91425" spcFirstLastPara="1" rIns="91425" wrap="square" tIns="91425">
@@ -10903,162 +11080,359 @@
           </a:bodyPr>
           <a:lstStyle/>
           <a:p>
-            <a:pPr indent="0" lvl="0" marL="0" rtl="0" algn="l">
-              <a:lnSpc>
-                <a:spcPct val="100000"/>
-              </a:lnSpc>
-              <a:spcBef>
-                <a:spcPts val="0"/>
-              </a:spcBef>
-              <a:spcAft>
-                <a:spcPts val="0"/>
-              </a:spcAft>
-              <a:buSzPts val="2800"/>
-              <a:buNone/>
-            </a:pPr>
-            <a:r>
-              <a:rPr b="1" lang="en">
+            <a:pPr indent="-342900" lvl="0" marL="457200" rtl="0" algn="l">
+              <a:spcBef>
+                <a:spcPts val="0"/>
+              </a:spcBef>
+              <a:spcAft>
+                <a:spcPts val="0"/>
+              </a:spcAft>
+              <a:buSzPts val="1800"/>
+              <a:buChar char="●"/>
+            </a:pPr>
+            <a:r>
+              <a:rPr lang="en"/>
+              <a:t>Using the </a:t>
+            </a:r>
+            <a:r>
+              <a:rPr lang="en">
+                <a:latin typeface="Courier New"/>
+                <a:ea typeface="Courier New"/>
+                <a:cs typeface="Courier New"/>
+                <a:sym typeface="Courier New"/>
+              </a:rPr>
+              <a:t>--help </a:t>
+            </a:r>
+            <a:r>
+              <a:rPr lang="en"/>
+              <a:t>option in terminal</a:t>
+            </a:r>
+            <a:endParaRPr/>
+          </a:p>
+          <a:p>
+            <a:pPr indent="-317500" lvl="1" marL="914400" rtl="0" algn="l">
+              <a:spcBef>
+                <a:spcPts val="1000"/>
+              </a:spcBef>
+              <a:spcAft>
+                <a:spcPts val="0"/>
+              </a:spcAft>
+              <a:buSzPts val="1400"/>
+              <a:buChar char="○"/>
+            </a:pPr>
+            <a:r>
+              <a:rPr lang="en"/>
+              <a:t>e.g., </a:t>
+            </a:r>
+            <a:r>
+              <a:rPr lang="en">
+                <a:latin typeface="Courier New"/>
+                <a:ea typeface="Courier New"/>
+                <a:cs typeface="Courier New"/>
+                <a:sym typeface="Courier New"/>
+              </a:rPr>
+              <a:t>ls --help</a:t>
+            </a:r>
+            <a:endParaRPr>
+              <a:latin typeface="Courier New"/>
+              <a:ea typeface="Courier New"/>
+              <a:cs typeface="Courier New"/>
+              <a:sym typeface="Courier New"/>
+            </a:endParaRPr>
+          </a:p>
+          <a:p>
+            <a:pPr indent="-342900" lvl="0" marL="457200" rtl="0" algn="l">
+              <a:spcBef>
+                <a:spcPts val="1000"/>
+              </a:spcBef>
+              <a:spcAft>
+                <a:spcPts val="0"/>
+              </a:spcAft>
+              <a:buSzPts val="1800"/>
+              <a:buChar char="●"/>
+            </a:pPr>
+            <a:r>
+              <a:rPr lang="en"/>
+              <a:t>Using the </a:t>
+            </a:r>
+            <a:r>
+              <a:rPr lang="en">
+                <a:latin typeface="Courier New"/>
+                <a:ea typeface="Courier New"/>
+                <a:cs typeface="Courier New"/>
+                <a:sym typeface="Courier New"/>
+              </a:rPr>
+              <a:t>man </a:t>
+            </a:r>
+            <a:r>
+              <a:rPr lang="en"/>
+              <a:t>pages (“manual”) in terminal</a:t>
+            </a:r>
+            <a:endParaRPr/>
+          </a:p>
+          <a:p>
+            <a:pPr indent="-317500" lvl="1" marL="914400" rtl="0" algn="l">
+              <a:spcBef>
+                <a:spcPts val="1000"/>
+              </a:spcBef>
+              <a:spcAft>
+                <a:spcPts val="0"/>
+              </a:spcAft>
+              <a:buSzPts val="1400"/>
+              <a:buChar char="○"/>
+            </a:pPr>
+            <a:r>
+              <a:rPr lang="en"/>
+              <a:t>e.g., </a:t>
+            </a:r>
+            <a:r>
+              <a:rPr lang="en">
+                <a:latin typeface="Courier New"/>
+                <a:ea typeface="Courier New"/>
+                <a:cs typeface="Courier New"/>
+                <a:sym typeface="Courier New"/>
+              </a:rPr>
+              <a:t>man ls</a:t>
+            </a:r>
+            <a:endParaRPr/>
+          </a:p>
+          <a:p>
+            <a:pPr indent="-342900" lvl="0" marL="457200" rtl="0" algn="l">
+              <a:spcBef>
+                <a:spcPts val="1000"/>
+              </a:spcBef>
+              <a:spcAft>
+                <a:spcPts val="0"/>
+              </a:spcAft>
+              <a:buSzPts val="1800"/>
+              <a:buChar char="●"/>
+            </a:pPr>
+            <a:r>
+              <a:rPr lang="en"/>
+              <a:t>Google</a:t>
+            </a:r>
+            <a:endParaRPr/>
+          </a:p>
+          <a:p>
+            <a:pPr indent="-317500" lvl="1" marL="914400" rtl="0" algn="l">
+              <a:spcBef>
+                <a:spcPts val="1000"/>
+              </a:spcBef>
+              <a:spcAft>
+                <a:spcPts val="0"/>
+              </a:spcAft>
+              <a:buSzPts val="1400"/>
+              <a:buChar char="○"/>
+            </a:pPr>
+            <a:r>
+              <a:rPr lang="en"/>
+              <a:t>e.g., </a:t>
+            </a:r>
+            <a:r>
+              <a:rPr b="1" lang="en" u="sng">
                 <a:solidFill>
-                  <a:srgbClr val="434343"/>
+                  <a:srgbClr val="3C78D8"/>
                 </a:solidFill>
+                <a:hlinkClick r:id="rId3">
+                  <a:extLst>
+                    <a:ext uri="{A12FA001-AC4F-418D-AE19-62706E023703}">
+                      <ahyp:hlinkClr val="tx"/>
+                    </a:ext>
+                  </a:extLst>
+                </a:hlinkClick>
               </a:rPr>
-              <a:t>Common Questions (demo)</a:t>
+              <a:t>ls sort by recently modified</a:t>
             </a:r>
             <a:endParaRPr b="1">
               <a:solidFill>
-                <a:srgbClr val="434343"/>
+                <a:srgbClr val="3C78D8"/>
               </a:solidFill>
             </a:endParaRPr>
           </a:p>
           <a:p>
-            <a:pPr indent="0" lvl="0" marL="0" rtl="0" algn="l">
+            <a:pPr indent="-317500" lvl="1" marL="914400" marR="0" rtl="0" algn="l">
               <a:lnSpc>
-                <a:spcPct val="100000"/>
+                <a:spcPct val="115000"/>
               </a:lnSpc>
               <a:spcBef>
-                <a:spcPts val="0"/>
-              </a:spcBef>
-              <a:spcAft>
-                <a:spcPts val="0"/>
-              </a:spcAft>
-              <a:buSzPts val="2800"/>
-              <a:buNone/>
-            </a:pPr>
-            <a:r>
-              <a:t/>
-            </a:r>
-            <a:endParaRPr b="1">
+                <a:spcPts val="1000"/>
+              </a:spcBef>
+              <a:spcAft>
+                <a:spcPts val="0"/>
+              </a:spcAft>
+              <a:buSzPts val="1400"/>
+              <a:buChar char="○"/>
+            </a:pPr>
+            <a:r>
+              <a:rPr lang="en"/>
+              <a:t>Common useful sites: Stack Overflow, Stack Exchange</a:t>
+            </a:r>
+            <a:endParaRPr/>
+          </a:p>
+          <a:p>
+            <a:pPr indent="-342900" lvl="0" marL="457200" marR="0" rtl="0" algn="l">
+              <a:lnSpc>
+                <a:spcPct val="115000"/>
+              </a:lnSpc>
+              <a:spcBef>
+                <a:spcPts val="1000"/>
+              </a:spcBef>
+              <a:spcAft>
+                <a:spcPts val="1000"/>
+              </a:spcAft>
+              <a:buSzPts val="1800"/>
+              <a:buChar char="●"/>
+            </a:pPr>
+            <a:r>
+              <a:rPr lang="en"/>
+              <a:t>Slack and </a:t>
+            </a:r>
+            <a:r>
+              <a:rPr lang="en" u="sng">
+                <a:solidFill>
+                  <a:srgbClr val="F1C232"/>
+                </a:solidFill>
+                <a:hlinkClick r:id="rId4">
+                  <a:extLst>
+                    <a:ext uri="{A12FA001-AC4F-418D-AE19-62706E023703}">
+                      <ahyp:hlinkClr val="tx"/>
+                    </a:ext>
+                  </a:extLst>
+                </a:hlinkClick>
+              </a:rPr>
+              <a:t>Github Issues</a:t>
+            </a:r>
+            <a:endParaRPr>
               <a:solidFill>
-                <a:srgbClr val="434343"/>
+                <a:srgbClr val="F1C232"/>
               </a:solidFill>
             </a:endParaRPr>
           </a:p>
-          <a:p>
-            <a:pPr indent="-368300" lvl="0" marL="457200" rtl="0" algn="l">
-              <a:lnSpc>
-                <a:spcPct val="100000"/>
-              </a:lnSpc>
-              <a:spcBef>
-                <a:spcPts val="0"/>
-              </a:spcBef>
-              <a:spcAft>
-                <a:spcPts val="0"/>
-              </a:spcAft>
-              <a:buClr>
-                <a:srgbClr val="434343"/>
-              </a:buClr>
-              <a:buSzPts val="2200"/>
-              <a:buChar char="●"/>
-            </a:pPr>
-            <a:r>
-              <a:rPr lang="en" sz="2200">
-                <a:solidFill>
-                  <a:srgbClr val="434343"/>
-                </a:solidFill>
-              </a:rPr>
-              <a:t>Question 1</a:t>
-            </a:r>
-            <a:endParaRPr sz="2200">
-              <a:solidFill>
-                <a:srgbClr val="434343"/>
-              </a:solidFill>
-            </a:endParaRPr>
-          </a:p>
-          <a:p>
-            <a:pPr indent="-368300" lvl="0" marL="457200" rtl="0" algn="l">
-              <a:lnSpc>
-                <a:spcPct val="100000"/>
-              </a:lnSpc>
-              <a:spcBef>
-                <a:spcPts val="0"/>
-              </a:spcBef>
-              <a:spcAft>
-                <a:spcPts val="0"/>
-              </a:spcAft>
-              <a:buClr>
-                <a:srgbClr val="434343"/>
-              </a:buClr>
-              <a:buSzPts val="2200"/>
-              <a:buChar char="●"/>
-            </a:pPr>
-            <a:r>
-              <a:rPr lang="en" sz="2200">
-                <a:solidFill>
-                  <a:srgbClr val="434343"/>
-                </a:solidFill>
-              </a:rPr>
-              <a:t>d</a:t>
-            </a:r>
-            <a:r>
-              <a:rPr lang="en" sz="2200">
-                <a:solidFill>
-                  <a:srgbClr val="434343"/>
-                </a:solidFill>
-              </a:rPr>
-              <a:t>ata.zip</a:t>
-            </a:r>
-            <a:endParaRPr sz="2200">
-              <a:solidFill>
-                <a:srgbClr val="434343"/>
-              </a:solidFill>
-            </a:endParaRPr>
-          </a:p>
-          <a:p>
-            <a:pPr indent="-381000" lvl="0" marL="457200" rtl="0" algn="l">
-              <a:lnSpc>
-                <a:spcPct val="100000"/>
-              </a:lnSpc>
-              <a:spcBef>
-                <a:spcPts val="0"/>
-              </a:spcBef>
-              <a:spcAft>
-                <a:spcPts val="0"/>
-              </a:spcAft>
-              <a:buClr>
-                <a:srgbClr val="434343"/>
-              </a:buClr>
-              <a:buSzPts val="2400"/>
-              <a:buChar char="●"/>
-            </a:pPr>
-            <a:r>
-              <a:rPr lang="en" sz="2400">
-                <a:solidFill>
-                  <a:srgbClr val="434343"/>
-                </a:solidFill>
-              </a:rPr>
-              <a:t>%%bash (executing a cell, and formatting)</a:t>
-            </a:r>
-            <a:endParaRPr sz="2400">
-              <a:solidFill>
-                <a:srgbClr val="434343"/>
-              </a:solidFill>
-            </a:endParaRPr>
-          </a:p>
         </p:txBody>
       </p:sp>
+      <p:pic>
+        <p:nvPicPr>
+          <p:cNvPr id="169" name="Google Shape;169;p28"/>
+          <p:cNvPicPr preferRelativeResize="0"/>
+          <p:nvPr/>
+        </p:nvPicPr>
+        <p:blipFill>
+          <a:blip r:embed="rId5">
+            <a:alphaModFix/>
+          </a:blip>
+          <a:stretch>
+            <a:fillRect/>
+          </a:stretch>
+        </p:blipFill>
+        <p:spPr>
+          <a:xfrm>
+            <a:off x="6288832" y="148275"/>
+            <a:ext cx="2762451" cy="1987400"/>
+          </a:xfrm>
+          <a:prstGeom prst="rect">
+            <a:avLst/>
+          </a:prstGeom>
+          <a:noFill/>
+          <a:ln cap="flat" cmpd="sng" w="9525">
+            <a:solidFill>
+              <a:srgbClr val="999999"/>
+            </a:solidFill>
+            <a:prstDash val="solid"/>
+            <a:round/>
+            <a:headEnd len="sm" w="sm" type="none"/>
+            <a:tailEnd len="sm" w="sm" type="none"/>
+          </a:ln>
+        </p:spPr>
+      </p:pic>
+      <p:pic>
+        <p:nvPicPr>
+          <p:cNvPr id="170" name="Google Shape;170;p28"/>
+          <p:cNvPicPr preferRelativeResize="0"/>
+          <p:nvPr/>
+        </p:nvPicPr>
+        <p:blipFill>
+          <a:blip r:embed="rId6">
+            <a:alphaModFix/>
+          </a:blip>
+          <a:stretch>
+            <a:fillRect/>
+          </a:stretch>
+        </p:blipFill>
+        <p:spPr>
+          <a:xfrm>
+            <a:off x="6558062" y="2345550"/>
+            <a:ext cx="2493225" cy="2705076"/>
+          </a:xfrm>
+          <a:prstGeom prst="rect">
+            <a:avLst/>
+          </a:prstGeom>
+          <a:noFill/>
+          <a:ln cap="flat" cmpd="sng" w="9525">
+            <a:solidFill>
+              <a:srgbClr val="999999"/>
+            </a:solidFill>
+            <a:prstDash val="solid"/>
+            <a:round/>
+            <a:headEnd len="sm" w="sm" type="none"/>
+            <a:tailEnd len="sm" w="sm" type="none"/>
+          </a:ln>
+        </p:spPr>
+      </p:pic>
+      <p:cxnSp>
+        <p:nvCxnSpPr>
+          <p:cNvPr id="171" name="Google Shape;171;p28"/>
+          <p:cNvCxnSpPr/>
+          <p:nvPr/>
+        </p:nvCxnSpPr>
+        <p:spPr>
+          <a:xfrm flipH="1" rot="10800000">
+            <a:off x="4508525" y="1921275"/>
+            <a:ext cx="1638600" cy="1656300"/>
+          </a:xfrm>
+          <a:prstGeom prst="straightConnector1">
+            <a:avLst/>
+          </a:prstGeom>
+          <a:noFill/>
+          <a:ln cap="flat" cmpd="sng" w="38100">
+            <a:solidFill>
+              <a:srgbClr val="999999"/>
+            </a:solidFill>
+            <a:prstDash val="solid"/>
+            <a:round/>
+            <a:headEnd len="med" w="med" type="none"/>
+            <a:tailEnd len="med" w="med" type="triangle"/>
+          </a:ln>
+        </p:spPr>
+      </p:cxnSp>
+      <p:cxnSp>
+        <p:nvCxnSpPr>
+          <p:cNvPr id="172" name="Google Shape;172;p28"/>
+          <p:cNvCxnSpPr/>
+          <p:nvPr/>
+        </p:nvCxnSpPr>
+        <p:spPr>
+          <a:xfrm>
+            <a:off x="5692850" y="3993700"/>
+            <a:ext cx="707400" cy="265500"/>
+          </a:xfrm>
+          <a:prstGeom prst="straightConnector1">
+            <a:avLst/>
+          </a:prstGeom>
+          <a:noFill/>
+          <a:ln cap="flat" cmpd="sng" w="38100">
+            <a:solidFill>
+              <a:srgbClr val="999999"/>
+            </a:solidFill>
+            <a:prstDash val="solid"/>
+            <a:round/>
+            <a:headEnd len="med" w="med" type="none"/>
+            <a:tailEnd len="med" w="med" type="triangle"/>
+          </a:ln>
+        </p:spPr>
+      </p:cxnSp>
       <p:sp>
         <p:nvSpPr>
-          <p:cNvPr id="169" name="Google Shape;169;p28"/>
+          <p:cNvPr id="173" name="Google Shape;173;p28"/>
           <p:cNvSpPr txBox="1"/>
           <p:nvPr>
             <p:ph idx="12" type="sldNum"/>
@@ -11109,7 +11483,7 @@
   <p:cSld>
     <p:spTree>
       <p:nvGrpSpPr>
-        <p:cNvPr id="173" name="Shape 173"/>
+        <p:cNvPr id="177" name="Shape 177"/>
         <p:cNvGrpSpPr/>
         <p:nvPr/>
       </p:nvGrpSpPr>
@@ -11123,24 +11497,171 @@
       </p:grpSpPr>
       <p:sp>
         <p:nvSpPr>
-          <p:cNvPr id="174" name="Google Shape;174;p29"/>
-          <p:cNvSpPr/>
-          <p:nvPr/>
+          <p:cNvPr id="178" name="Google Shape;178;p29"/>
+          <p:cNvSpPr txBox="1"/>
+          <p:nvPr>
+            <p:ph type="title"/>
+          </p:nvPr>
         </p:nvSpPr>
         <p:spPr>
           <a:xfrm>
-            <a:off x="311700" y="347100"/>
-            <a:ext cx="8520600" cy="4449300"/>
+            <a:off x="311700" y="445025"/>
+            <a:ext cx="8520600" cy="572700"/>
           </a:xfrm>
           <a:prstGeom prst="rect">
             <a:avLst/>
           </a:prstGeom>
-          <a:solidFill>
-            <a:srgbClr val="A4C2F4"/>
-          </a:solidFill>
-          <a:ln>
-            <a:noFill/>
-          </a:ln>
+        </p:spPr>
+        <p:txBody>
+          <a:bodyPr anchorCtr="0" anchor="t" bIns="91425" lIns="91425" spcFirstLastPara="1" rIns="91425" wrap="square" tIns="91425">
+            <a:noAutofit/>
+          </a:bodyPr>
+          <a:lstStyle/>
+          <a:p>
+            <a:pPr indent="0" lvl="0" marL="0" rtl="0" algn="l">
+              <a:spcBef>
+                <a:spcPts val="0"/>
+              </a:spcBef>
+              <a:spcAft>
+                <a:spcPts val="0"/>
+              </a:spcAft>
+              <a:buNone/>
+            </a:pPr>
+            <a:r>
+              <a:rPr lang="en"/>
+              <a:t>How to ask for help?</a:t>
+            </a:r>
+            <a:endParaRPr/>
+          </a:p>
+        </p:txBody>
+      </p:sp>
+      <p:sp>
+        <p:nvSpPr>
+          <p:cNvPr id="179" name="Google Shape;179;p29"/>
+          <p:cNvSpPr txBox="1"/>
+          <p:nvPr>
+            <p:ph idx="1" type="body"/>
+          </p:nvPr>
+        </p:nvSpPr>
+        <p:spPr>
+          <a:xfrm>
+            <a:off x="311700" y="1152475"/>
+            <a:ext cx="8520600" cy="3416400"/>
+          </a:xfrm>
+          <a:prstGeom prst="rect">
+            <a:avLst/>
+          </a:prstGeom>
+        </p:spPr>
+        <p:txBody>
+          <a:bodyPr anchorCtr="0" anchor="t" bIns="91425" lIns="91425" spcFirstLastPara="1" rIns="91425" wrap="square" tIns="91425">
+            <a:noAutofit/>
+          </a:bodyPr>
+          <a:lstStyle/>
+          <a:p>
+            <a:pPr indent="-330200" lvl="0" marL="457200" marR="0" rtl="0" algn="l">
+              <a:lnSpc>
+                <a:spcPct val="115000"/>
+              </a:lnSpc>
+              <a:spcBef>
+                <a:spcPts val="0"/>
+              </a:spcBef>
+              <a:spcAft>
+                <a:spcPts val="0"/>
+              </a:spcAft>
+              <a:buSzPts val="1600"/>
+              <a:buAutoNum type="arabicPeriod"/>
+            </a:pPr>
+            <a:r>
+              <a:rPr lang="en" sz="1600"/>
+              <a:t>Reduce the complexity of the problem to the minimum required to reproduce the error</a:t>
+            </a:r>
+            <a:endParaRPr sz="1600"/>
+          </a:p>
+          <a:p>
+            <a:pPr indent="-330200" lvl="0" marL="457200" marR="0" rtl="0" algn="l">
+              <a:lnSpc>
+                <a:spcPct val="115000"/>
+              </a:lnSpc>
+              <a:spcBef>
+                <a:spcPts val="1000"/>
+              </a:spcBef>
+              <a:spcAft>
+                <a:spcPts val="0"/>
+              </a:spcAft>
+              <a:buSzPts val="1600"/>
+              <a:buAutoNum type="arabicPeriod"/>
+            </a:pPr>
+            <a:r>
+              <a:rPr lang="en" sz="1600"/>
+              <a:t>Post the code necessary to produce the error and all error messages</a:t>
+            </a:r>
+            <a:endParaRPr sz="1600"/>
+          </a:p>
+          <a:p>
+            <a:pPr indent="-330200" lvl="0" marL="457200" marR="0" rtl="0" algn="l">
+              <a:lnSpc>
+                <a:spcPct val="115000"/>
+              </a:lnSpc>
+              <a:spcBef>
+                <a:spcPts val="1000"/>
+              </a:spcBef>
+              <a:spcAft>
+                <a:spcPts val="0"/>
+              </a:spcAft>
+              <a:buSzPts val="1600"/>
+              <a:buAutoNum type="arabicPeriod"/>
+            </a:pPr>
+            <a:r>
+              <a:rPr lang="en" sz="1600"/>
+              <a:t>Describe the process you’ve carried out to solve the problem yourself</a:t>
+            </a:r>
+            <a:endParaRPr sz="1600"/>
+          </a:p>
+          <a:p>
+            <a:pPr indent="-330200" lvl="0" marL="457200" marR="0" rtl="0" algn="l">
+              <a:lnSpc>
+                <a:spcPct val="115000"/>
+              </a:lnSpc>
+              <a:spcBef>
+                <a:spcPts val="1000"/>
+              </a:spcBef>
+              <a:spcAft>
+                <a:spcPts val="1000"/>
+              </a:spcAft>
+              <a:buSzPts val="1600"/>
+              <a:buAutoNum type="arabicPeriod"/>
+            </a:pPr>
+            <a:r>
+              <a:rPr lang="en" sz="1600"/>
+              <a:t>Describe your computing environment </a:t>
+            </a:r>
+            <a:br>
+              <a:rPr lang="en" sz="1600"/>
+            </a:br>
+            <a:r>
+              <a:rPr lang="en" sz="1600"/>
+              <a:t>(e.g., operating system, software versions)</a:t>
+            </a:r>
+            <a:endParaRPr sz="1600"/>
+          </a:p>
+        </p:txBody>
+      </p:sp>
+      <p:sp>
+        <p:nvSpPr>
+          <p:cNvPr id="180" name="Google Shape;180;p29"/>
+          <p:cNvSpPr txBox="1"/>
+          <p:nvPr>
+            <p:ph idx="12" type="sldNum"/>
+          </p:nvPr>
+        </p:nvSpPr>
+        <p:spPr>
+          <a:xfrm>
+            <a:off x="8472458" y="4663217"/>
+            <a:ext cx="548700" cy="393600"/>
+          </a:xfrm>
+          <a:prstGeom prst="rect">
+            <a:avLst/>
+          </a:prstGeom>
         </p:spPr>
         <p:txBody>
           <a:bodyPr anchorCtr="0" anchor="ctr" bIns="91425" lIns="91425" spcFirstLastPara="1" rIns="91425" wrap="square" tIns="91425">
@@ -11148,388 +11669,6 @@
           </a:bodyPr>
           <a:lstStyle/>
           <a:p>
-            <a:pPr indent="0" lvl="0" marL="0" marR="0" rtl="0" algn="l">
-              <a:lnSpc>
-                <a:spcPct val="100000"/>
-              </a:lnSpc>
-              <a:spcBef>
-                <a:spcPts val="0"/>
-              </a:spcBef>
-              <a:spcAft>
-                <a:spcPts val="0"/>
-              </a:spcAft>
-              <a:buClr>
-                <a:srgbClr val="000000"/>
-              </a:buClr>
-              <a:buSzPts val="1400"/>
-              <a:buFont typeface="Arial"/>
-              <a:buNone/>
-            </a:pPr>
-            <a:r>
-              <a:t/>
-            </a:r>
-            <a:endParaRPr b="0" i="0" sz="1400" u="none" cap="none" strike="noStrike">
-              <a:solidFill>
-                <a:srgbClr val="000000"/>
-              </a:solidFill>
-              <a:latin typeface="Arial"/>
-              <a:ea typeface="Arial"/>
-              <a:cs typeface="Arial"/>
-              <a:sym typeface="Arial"/>
-            </a:endParaRPr>
-          </a:p>
-        </p:txBody>
-      </p:sp>
-      <p:sp>
-        <p:nvSpPr>
-          <p:cNvPr id="175" name="Google Shape;175;p29"/>
-          <p:cNvSpPr txBox="1"/>
-          <p:nvPr>
-            <p:ph type="title"/>
-          </p:nvPr>
-        </p:nvSpPr>
-        <p:spPr>
-          <a:xfrm>
-            <a:off x="384825" y="471525"/>
-            <a:ext cx="8520600" cy="3493500"/>
-          </a:xfrm>
-          <a:prstGeom prst="rect">
-            <a:avLst/>
-          </a:prstGeom>
-          <a:noFill/>
-          <a:ln>
-            <a:noFill/>
-          </a:ln>
-        </p:spPr>
-        <p:txBody>
-          <a:bodyPr anchorCtr="0" anchor="t" bIns="91425" lIns="91425" spcFirstLastPara="1" rIns="91425" wrap="square" tIns="91425">
-            <a:noAutofit/>
-          </a:bodyPr>
-          <a:lstStyle/>
-          <a:p>
-            <a:pPr indent="0" lvl="0" marL="0" rtl="0" algn="l">
-              <a:lnSpc>
-                <a:spcPct val="100000"/>
-              </a:lnSpc>
-              <a:spcBef>
-                <a:spcPts val="0"/>
-              </a:spcBef>
-              <a:spcAft>
-                <a:spcPts val="0"/>
-              </a:spcAft>
-              <a:buSzPts val="2800"/>
-              <a:buNone/>
-            </a:pPr>
-            <a:r>
-              <a:rPr b="1" lang="en">
-                <a:solidFill>
-                  <a:srgbClr val="434343"/>
-                </a:solidFill>
-              </a:rPr>
-              <a:t>Let’s try it! </a:t>
-            </a:r>
-            <a:r>
-              <a:rPr i="1" lang="en" sz="2200">
-                <a:solidFill>
-                  <a:srgbClr val="434343"/>
-                </a:solidFill>
-              </a:rPr>
-              <a:t>in chronological order</a:t>
-            </a:r>
-            <a:endParaRPr i="1" sz="2200">
-              <a:solidFill>
-                <a:srgbClr val="434343"/>
-              </a:solidFill>
-            </a:endParaRPr>
-          </a:p>
-          <a:p>
-            <a:pPr indent="0" lvl="0" marL="0" rtl="0" algn="l">
-              <a:lnSpc>
-                <a:spcPct val="100000"/>
-              </a:lnSpc>
-              <a:spcBef>
-                <a:spcPts val="0"/>
-              </a:spcBef>
-              <a:spcAft>
-                <a:spcPts val="0"/>
-              </a:spcAft>
-              <a:buSzPts val="2800"/>
-              <a:buNone/>
-            </a:pPr>
-            <a:r>
-              <a:t/>
-            </a:r>
-            <a:endParaRPr>
-              <a:solidFill>
-                <a:schemeClr val="dk2"/>
-              </a:solidFill>
-            </a:endParaRPr>
-          </a:p>
-          <a:p>
-            <a:pPr indent="0" lvl="0" marL="0" rtl="0" algn="l">
-              <a:lnSpc>
-                <a:spcPct val="100000"/>
-              </a:lnSpc>
-              <a:spcBef>
-                <a:spcPts val="0"/>
-              </a:spcBef>
-              <a:spcAft>
-                <a:spcPts val="0"/>
-              </a:spcAft>
-              <a:buSzPts val="2800"/>
-              <a:buNone/>
-            </a:pPr>
-            <a:r>
-              <a:rPr lang="en" sz="2000">
-                <a:solidFill>
-                  <a:schemeClr val="dk2"/>
-                </a:solidFill>
-              </a:rPr>
-              <a:t>10 min</a:t>
-            </a:r>
-            <a:br>
-              <a:rPr lang="en" sz="2000">
-                <a:solidFill>
-                  <a:schemeClr val="dk2"/>
-                </a:solidFill>
-              </a:rPr>
-            </a:br>
-            <a:r>
-              <a:rPr lang="en" sz="2000">
-                <a:solidFill>
-                  <a:schemeClr val="dk2"/>
-                </a:solidFill>
-              </a:rPr>
-              <a:t>[   ] Participation for A1.b today: Reaction emoji to JupyterHub post</a:t>
-            </a:r>
-            <a:endParaRPr sz="2000">
-              <a:solidFill>
-                <a:schemeClr val="dk2"/>
-              </a:solidFill>
-            </a:endParaRPr>
-          </a:p>
-          <a:p>
-            <a:pPr indent="0" lvl="0" marL="0" rtl="0" algn="l">
-              <a:lnSpc>
-                <a:spcPct val="100000"/>
-              </a:lnSpc>
-              <a:spcBef>
-                <a:spcPts val="0"/>
-              </a:spcBef>
-              <a:spcAft>
-                <a:spcPts val="0"/>
-              </a:spcAft>
-              <a:buSzPts val="2800"/>
-              <a:buNone/>
-            </a:pPr>
-            <a:r>
-              <a:rPr lang="en" sz="2000">
-                <a:solidFill>
-                  <a:schemeClr val="dk2"/>
-                </a:solidFill>
-              </a:rPr>
-              <a:t>[   ] Contact JC Ducom (slide 11) if you can’t access</a:t>
-            </a:r>
-            <a:br>
-              <a:rPr lang="en" sz="2000">
-                <a:solidFill>
-                  <a:schemeClr val="dk2"/>
-                </a:solidFill>
-              </a:rPr>
-            </a:br>
-            <a:r>
-              <a:rPr lang="en" sz="2000">
-                <a:solidFill>
-                  <a:schemeClr val="dk2"/>
-                </a:solidFill>
-              </a:rPr>
-              <a:t>[   ] Enable Slack, access abcb-2020 </a:t>
-            </a:r>
-            <a:br>
-              <a:rPr lang="en" sz="2000">
-                <a:solidFill>
-                  <a:schemeClr val="dk2"/>
-                </a:solidFill>
-              </a:rPr>
-            </a:br>
-            <a:r>
-              <a:rPr lang="en" sz="2000">
-                <a:solidFill>
-                  <a:schemeClr val="dk2"/>
-                </a:solidFill>
-              </a:rPr>
-              <a:t>      *update name and picture, if needed</a:t>
-            </a:r>
-            <a:br>
-              <a:rPr lang="en" sz="2000">
-                <a:solidFill>
-                  <a:schemeClr val="dk2"/>
-                </a:solidFill>
-              </a:rPr>
-            </a:br>
-            <a:r>
-              <a:rPr lang="en" sz="2000">
-                <a:solidFill>
-                  <a:schemeClr val="dk2"/>
-                </a:solidFill>
-              </a:rPr>
-              <a:t>[   ] Enable Canvas notifications</a:t>
-            </a:r>
-            <a:br>
-              <a:rPr lang="en" sz="2000">
-                <a:solidFill>
-                  <a:schemeClr val="dk2"/>
-                </a:solidFill>
-              </a:rPr>
-            </a:br>
-            <a:br>
-              <a:rPr lang="en" sz="2000">
-                <a:solidFill>
-                  <a:schemeClr val="dk2"/>
-                </a:solidFill>
-              </a:rPr>
-            </a:br>
-            <a:r>
-              <a:rPr lang="en" sz="2000">
-                <a:solidFill>
-                  <a:schemeClr val="dk2"/>
-                </a:solidFill>
-              </a:rPr>
-              <a:t>20 min</a:t>
-            </a:r>
-            <a:endParaRPr sz="2000">
-              <a:solidFill>
-                <a:schemeClr val="dk2"/>
-              </a:solidFill>
-            </a:endParaRPr>
-          </a:p>
-          <a:p>
-            <a:pPr indent="0" lvl="0" marL="0" rtl="0" algn="l">
-              <a:lnSpc>
-                <a:spcPct val="100000"/>
-              </a:lnSpc>
-              <a:spcBef>
-                <a:spcPts val="0"/>
-              </a:spcBef>
-              <a:spcAft>
-                <a:spcPts val="0"/>
-              </a:spcAft>
-              <a:buSzPts val="2800"/>
-              <a:buNone/>
-            </a:pPr>
-            <a:r>
-              <a:rPr lang="en" sz="2000">
-                <a:solidFill>
-                  <a:schemeClr val="dk2"/>
-                </a:solidFill>
-              </a:rPr>
-              <a:t>[   ] In your group of 3, review and discuss HW 1 A1.aa-A1.ab </a:t>
-            </a:r>
-            <a:endParaRPr sz="2000">
-              <a:solidFill>
-                <a:schemeClr val="dk2"/>
-              </a:solidFill>
-            </a:endParaRPr>
-          </a:p>
-          <a:p>
-            <a:pPr indent="0" lvl="0" marL="0" rtl="0" algn="l">
-              <a:lnSpc>
-                <a:spcPct val="100000"/>
-              </a:lnSpc>
-              <a:spcBef>
-                <a:spcPts val="0"/>
-              </a:spcBef>
-              <a:spcAft>
-                <a:spcPts val="0"/>
-              </a:spcAft>
-              <a:buSzPts val="2800"/>
-              <a:buNone/>
-            </a:pPr>
-            <a:r>
-              <a:rPr lang="en" sz="2000">
-                <a:solidFill>
-                  <a:schemeClr val="dk2"/>
-                </a:solidFill>
-              </a:rPr>
-              <a:t>[   ] Confirm you’ve turned on ‘watch releases’ for 2020 Github repo</a:t>
-            </a:r>
-            <a:endParaRPr sz="2000">
-              <a:solidFill>
-                <a:schemeClr val="dk2"/>
-              </a:solidFill>
-            </a:endParaRPr>
-          </a:p>
-          <a:p>
-            <a:pPr indent="0" lvl="0" marL="0" rtl="0" algn="l">
-              <a:lnSpc>
-                <a:spcPct val="100000"/>
-              </a:lnSpc>
-              <a:spcBef>
-                <a:spcPts val="0"/>
-              </a:spcBef>
-              <a:spcAft>
-                <a:spcPts val="0"/>
-              </a:spcAft>
-              <a:buSzPts val="2800"/>
-              <a:buNone/>
-            </a:pPr>
-            <a:r>
-              <a:t/>
-            </a:r>
-            <a:endParaRPr sz="2200">
-              <a:solidFill>
-                <a:schemeClr val="dk2"/>
-              </a:solidFill>
-            </a:endParaRPr>
-          </a:p>
-          <a:p>
-            <a:pPr indent="0" lvl="0" marL="0" rtl="0" algn="l">
-              <a:lnSpc>
-                <a:spcPct val="100000"/>
-              </a:lnSpc>
-              <a:spcBef>
-                <a:spcPts val="0"/>
-              </a:spcBef>
-              <a:spcAft>
-                <a:spcPts val="0"/>
-              </a:spcAft>
-              <a:buSzPts val="2800"/>
-              <a:buNone/>
-            </a:pPr>
-            <a:r>
-              <a:t/>
-            </a:r>
-            <a:endParaRPr sz="2200">
-              <a:solidFill>
-                <a:schemeClr val="dk2"/>
-              </a:solidFill>
-            </a:endParaRPr>
-          </a:p>
-        </p:txBody>
-      </p:sp>
-      <p:sp>
-        <p:nvSpPr>
-          <p:cNvPr id="176" name="Google Shape;176;p29"/>
-          <p:cNvSpPr txBox="1"/>
-          <p:nvPr>
-            <p:ph idx="12" type="sldNum"/>
-          </p:nvPr>
-        </p:nvSpPr>
-        <p:spPr>
-          <a:xfrm>
-            <a:off x="8472458" y="4663217"/>
-            <a:ext cx="548700" cy="393600"/>
-          </a:xfrm>
-          <a:prstGeom prst="rect">
-            <a:avLst/>
-          </a:prstGeom>
-        </p:spPr>
-        <p:txBody>
-          <a:bodyPr anchorCtr="0" anchor="ctr" bIns="91425" lIns="91425" spcFirstLastPara="1" rIns="91425" wrap="square" tIns="91425">
-            <a:noAutofit/>
-          </a:bodyPr>
-          <a:lstStyle/>
-          <a:p>
             <a:pPr indent="0" lvl="0" marL="0" rtl="0" algn="r">
               <a:spcBef>
                 <a:spcPts val="0"/>
@@ -11547,33 +11686,6 @@
           </a:p>
         </p:txBody>
       </p:sp>
-      <p:pic>
-        <p:nvPicPr>
-          <p:cNvPr id="177" name="Google Shape;177;p29"/>
-          <p:cNvPicPr preferRelativeResize="0"/>
-          <p:nvPr/>
-        </p:nvPicPr>
-        <p:blipFill rotWithShape="1">
-          <a:blip r:embed="rId3">
-            <a:alphaModFix/>
-          </a:blip>
-          <a:srcRect b="0" l="0" r="51721" t="52787"/>
-          <a:stretch/>
-        </p:blipFill>
-        <p:spPr>
-          <a:xfrm>
-            <a:off x="6110203" y="625603"/>
-            <a:ext cx="2485325" cy="848400"/>
-          </a:xfrm>
-          <a:prstGeom prst="rect">
-            <a:avLst/>
-          </a:prstGeom>
-          <a:noFill/>
-          <a:ln>
-            <a:noFill/>
-          </a:ln>
-        </p:spPr>
-      </p:pic>
     </p:spTree>
   </p:cSld>
   <p:clrMapOvr>
@@ -11587,7 +11699,7 @@
   <p:cSld>
     <p:spTree>
       <p:nvGrpSpPr>
-        <p:cNvPr id="181" name="Shape 181"/>
+        <p:cNvPr id="184" name="Shape 184"/>
         <p:cNvGrpSpPr/>
         <p:nvPr/>
       </p:nvGrpSpPr>
@@ -11601,16 +11713,75 @@
       </p:grpSpPr>
       <p:sp>
         <p:nvSpPr>
-          <p:cNvPr id="182" name="Google Shape;182;p30"/>
+          <p:cNvPr id="185" name="Google Shape;185;p30"/>
+          <p:cNvSpPr/>
+          <p:nvPr/>
+        </p:nvSpPr>
+        <p:spPr>
+          <a:xfrm>
+            <a:off x="311700" y="347100"/>
+            <a:ext cx="8520600" cy="4449300"/>
+          </a:xfrm>
+          <a:prstGeom prst="rect">
+            <a:avLst/>
+          </a:prstGeom>
+          <a:solidFill>
+            <a:srgbClr val="A4C2F4"/>
+          </a:solidFill>
+          <a:ln>
+            <a:noFill/>
+          </a:ln>
+        </p:spPr>
+        <p:txBody>
+          <a:bodyPr anchorCtr="0" anchor="ctr" bIns="91425" lIns="91425" spcFirstLastPara="1" rIns="91425" wrap="square" tIns="91425">
+            <a:noAutofit/>
+          </a:bodyPr>
+          <a:lstStyle/>
+          <a:p>
+            <a:pPr indent="0" lvl="0" marL="0" marR="0" rtl="0" algn="l">
+              <a:lnSpc>
+                <a:spcPct val="100000"/>
+              </a:lnSpc>
+              <a:spcBef>
+                <a:spcPts val="0"/>
+              </a:spcBef>
+              <a:spcAft>
+                <a:spcPts val="0"/>
+              </a:spcAft>
+              <a:buClr>
+                <a:srgbClr val="000000"/>
+              </a:buClr>
+              <a:buSzPts val="1400"/>
+              <a:buFont typeface="Arial"/>
+              <a:buNone/>
+            </a:pPr>
+            <a:r>
+              <a:t/>
+            </a:r>
+            <a:endParaRPr b="0" i="0" sz="1400" u="none" cap="none" strike="noStrike">
+              <a:solidFill>
+                <a:srgbClr val="000000"/>
+              </a:solidFill>
+              <a:latin typeface="Arial"/>
+              <a:ea typeface="Arial"/>
+              <a:cs typeface="Arial"/>
+              <a:sym typeface="Arial"/>
+            </a:endParaRPr>
+          </a:p>
+        </p:txBody>
+      </p:sp>
+      <p:sp>
+        <p:nvSpPr>
+          <p:cNvPr id="186" name="Google Shape;186;p30"/>
           <p:cNvSpPr txBox="1"/>
           <p:nvPr>
-            <p:ph type="ctrTitle"/>
+            <p:ph type="title"/>
           </p:nvPr>
         </p:nvSpPr>
         <p:spPr>
           <a:xfrm>
-            <a:off x="311708" y="744575"/>
-            <a:ext cx="8520600" cy="2052600"/>
+            <a:off x="384825" y="471525"/>
+            <a:ext cx="8520600" cy="3493500"/>
           </a:xfrm>
           <a:prstGeom prst="rect">
             <a:avLst/>
@@ -11621,12 +11792,12 @@
           </a:ln>
         </p:spPr>
         <p:txBody>
-          <a:bodyPr anchorCtr="0" anchor="b" bIns="91425" lIns="91425" spcFirstLastPara="1" rIns="91425" wrap="square" tIns="91425">
+          <a:bodyPr anchorCtr="0" anchor="t" bIns="91425" lIns="91425" spcFirstLastPara="1" rIns="91425" wrap="square" tIns="91425">
             <a:noAutofit/>
           </a:bodyPr>
           <a:lstStyle/>
           <a:p>
-            <a:pPr indent="0" lvl="0" marL="0" rtl="0" algn="ctr">
+            <a:pPr indent="0" lvl="0" marL="0" rtl="0" algn="l">
               <a:lnSpc>
                 <a:spcPct val="100000"/>
               </a:lnSpc>
@@ -11636,33 +11807,25 @@
               <a:spcAft>
                 <a:spcPts val="0"/>
               </a:spcAft>
-              <a:buSzPts val="5200"/>
-              <a:buNone/>
-            </a:pPr>
-            <a:r>
-              <a:rPr b="1" lang="en" u="sng">
+              <a:buSzPts val="2800"/>
+              <a:buNone/>
+            </a:pPr>
+            <a:r>
+              <a:rPr b="1" lang="en">
                 <a:solidFill>
-                  <a:srgbClr val="93C47D"/>
+                  <a:srgbClr val="434343"/>
                 </a:solidFill>
               </a:rPr>
-              <a:t>A1.ba</a:t>
-            </a:r>
-            <a:r>
-              <a:rPr lang="en" u="sng">
-                <a:solidFill>
-                  <a:srgbClr val="93C47D"/>
-                </a:solidFill>
-              </a:rPr>
-              <a:t> </a:t>
-            </a:r>
-            <a:endParaRPr u="sng">
+              <a:t>Common Questions (demo)</a:t>
+            </a:r>
+            <a:endParaRPr b="1">
               <a:solidFill>
-                <a:srgbClr val="93C47D"/>
+                <a:srgbClr val="434343"/>
               </a:solidFill>
             </a:endParaRPr>
           </a:p>
           <a:p>
-            <a:pPr indent="0" lvl="0" marL="0" rtl="0" algn="ctr">
+            <a:pPr indent="0" lvl="0" marL="0" rtl="0" algn="l">
               <a:lnSpc>
                 <a:spcPct val="100000"/>
               </a:lnSpc>
@@ -11672,117 +11835,173 @@
               <a:spcAft>
                 <a:spcPts val="0"/>
               </a:spcAft>
-              <a:buSzPts val="5200"/>
-              <a:buNone/>
-            </a:pPr>
-            <a:r>
-              <a:rPr lang="en"/>
-              <a:t>Redirections and Pipes</a:t>
-            </a:r>
-            <a:endParaRPr/>
+              <a:buSzPts val="2800"/>
+              <a:buNone/>
+            </a:pPr>
+            <a:r>
+              <a:t/>
+            </a:r>
+            <a:endParaRPr b="1">
+              <a:solidFill>
+                <a:srgbClr val="434343"/>
+              </a:solidFill>
+            </a:endParaRPr>
+          </a:p>
+          <a:p>
+            <a:pPr indent="-368300" lvl="0" marL="457200" rtl="0" algn="l">
+              <a:lnSpc>
+                <a:spcPct val="100000"/>
+              </a:lnSpc>
+              <a:spcBef>
+                <a:spcPts val="0"/>
+              </a:spcBef>
+              <a:spcAft>
+                <a:spcPts val="0"/>
+              </a:spcAft>
+              <a:buClr>
+                <a:srgbClr val="434343"/>
+              </a:buClr>
+              <a:buSzPts val="2200"/>
+              <a:buChar char="●"/>
+            </a:pPr>
+            <a:r>
+              <a:rPr lang="en" sz="2200">
+                <a:solidFill>
+                  <a:srgbClr val="434343"/>
+                </a:solidFill>
+              </a:rPr>
+              <a:t>Question 1</a:t>
+            </a:r>
+            <a:endParaRPr sz="2200">
+              <a:solidFill>
+                <a:srgbClr val="434343"/>
+              </a:solidFill>
+            </a:endParaRPr>
+          </a:p>
+          <a:p>
+            <a:pPr indent="-368300" lvl="0" marL="457200" rtl="0" algn="l">
+              <a:lnSpc>
+                <a:spcPct val="100000"/>
+              </a:lnSpc>
+              <a:spcBef>
+                <a:spcPts val="0"/>
+              </a:spcBef>
+              <a:spcAft>
+                <a:spcPts val="0"/>
+              </a:spcAft>
+              <a:buClr>
+                <a:srgbClr val="434343"/>
+              </a:buClr>
+              <a:buSzPts val="2200"/>
+              <a:buChar char="●"/>
+            </a:pPr>
+            <a:r>
+              <a:rPr lang="en" sz="2200">
+                <a:solidFill>
+                  <a:srgbClr val="434343"/>
+                </a:solidFill>
+              </a:rPr>
+              <a:t>d</a:t>
+            </a:r>
+            <a:r>
+              <a:rPr lang="en" sz="2200">
+                <a:solidFill>
+                  <a:srgbClr val="434343"/>
+                </a:solidFill>
+              </a:rPr>
+              <a:t>ata.zip</a:t>
+            </a:r>
+            <a:endParaRPr sz="2200">
+              <a:solidFill>
+                <a:srgbClr val="434343"/>
+              </a:solidFill>
+            </a:endParaRPr>
+          </a:p>
+          <a:p>
+            <a:pPr indent="-381000" lvl="0" marL="457200" rtl="0" algn="l">
+              <a:lnSpc>
+                <a:spcPct val="100000"/>
+              </a:lnSpc>
+              <a:spcBef>
+                <a:spcPts val="0"/>
+              </a:spcBef>
+              <a:spcAft>
+                <a:spcPts val="0"/>
+              </a:spcAft>
+              <a:buClr>
+                <a:srgbClr val="434343"/>
+              </a:buClr>
+              <a:buSzPts val="2400"/>
+              <a:buChar char="●"/>
+            </a:pPr>
+            <a:r>
+              <a:rPr lang="en" sz="2400">
+                <a:solidFill>
+                  <a:srgbClr val="434343"/>
+                </a:solidFill>
+              </a:rPr>
+              <a:t>%%bash (executing a cell, and formatting)</a:t>
+            </a:r>
+            <a:endParaRPr sz="2400">
+              <a:solidFill>
+                <a:srgbClr val="434343"/>
+              </a:solidFill>
+            </a:endParaRPr>
+          </a:p>
+          <a:p>
+            <a:pPr indent="0" lvl="0" marL="0" rtl="0" algn="l">
+              <a:lnSpc>
+                <a:spcPct val="100000"/>
+              </a:lnSpc>
+              <a:spcBef>
+                <a:spcPts val="0"/>
+              </a:spcBef>
+              <a:spcAft>
+                <a:spcPts val="0"/>
+              </a:spcAft>
+              <a:buNone/>
+            </a:pPr>
+            <a:r>
+              <a:t/>
+            </a:r>
+            <a:endParaRPr sz="2400">
+              <a:solidFill>
+                <a:srgbClr val="434343"/>
+              </a:solidFill>
+            </a:endParaRPr>
+          </a:p>
+          <a:p>
+            <a:pPr indent="0" lvl="0" marL="0" rtl="0" algn="l">
+              <a:lnSpc>
+                <a:spcPct val="100000"/>
+              </a:lnSpc>
+              <a:spcBef>
+                <a:spcPts val="0"/>
+              </a:spcBef>
+              <a:spcAft>
+                <a:spcPts val="0"/>
+              </a:spcAft>
+              <a:buNone/>
+            </a:pPr>
+            <a:r>
+              <a:rPr i="1" lang="en" sz="2400">
+                <a:solidFill>
+                  <a:srgbClr val="434343"/>
+                </a:solidFill>
+              </a:rPr>
+              <a:t>save vs submit</a:t>
+            </a:r>
+            <a:endParaRPr i="1" sz="2400">
+              <a:solidFill>
+                <a:srgbClr val="434343"/>
+              </a:solidFill>
+            </a:endParaRPr>
           </a:p>
         </p:txBody>
       </p:sp>
       <p:sp>
         <p:nvSpPr>
-          <p:cNvPr id="183" name="Google Shape;183;p30"/>
-          <p:cNvSpPr txBox="1"/>
-          <p:nvPr/>
-        </p:nvSpPr>
-        <p:spPr>
-          <a:xfrm>
-            <a:off x="311700" y="3826425"/>
-            <a:ext cx="8520600" cy="792600"/>
-          </a:xfrm>
-          <a:prstGeom prst="rect">
-            <a:avLst/>
-          </a:prstGeom>
-          <a:noFill/>
-          <a:ln>
-            <a:noFill/>
-          </a:ln>
-        </p:spPr>
-        <p:txBody>
-          <a:bodyPr anchorCtr="0" anchor="t" bIns="91425" lIns="91425" spcFirstLastPara="1" rIns="91425" wrap="square" tIns="91425">
-            <a:noAutofit/>
-          </a:bodyPr>
-          <a:lstStyle/>
-          <a:p>
-            <a:pPr indent="0" lvl="0" marL="0" marR="0" rtl="0" algn="ctr">
-              <a:lnSpc>
-                <a:spcPct val="100000"/>
-              </a:lnSpc>
-              <a:spcBef>
-                <a:spcPts val="0"/>
-              </a:spcBef>
-              <a:spcAft>
-                <a:spcPts val="0"/>
-              </a:spcAft>
-              <a:buClr>
-                <a:srgbClr val="000000"/>
-              </a:buClr>
-              <a:buSzPts val="2400"/>
-              <a:buFont typeface="Arial"/>
-              <a:buNone/>
-            </a:pPr>
-            <a:r>
-              <a:rPr b="0" i="0" lang="en" sz="2400" u="none" cap="none" strike="noStrike">
-                <a:solidFill>
-                  <a:srgbClr val="595959"/>
-                </a:solidFill>
-                <a:latin typeface="Arial"/>
-                <a:ea typeface="Arial"/>
-                <a:cs typeface="Arial"/>
-                <a:sym typeface="Arial"/>
-              </a:rPr>
-              <a:t>Sabah Ul-Hasan</a:t>
-            </a:r>
-            <a:br>
-              <a:rPr b="0" i="0" lang="en" sz="2400" u="none" cap="none" strike="noStrike">
-                <a:solidFill>
-                  <a:srgbClr val="595959"/>
-                </a:solidFill>
-                <a:latin typeface="Arial"/>
-                <a:ea typeface="Arial"/>
-                <a:cs typeface="Arial"/>
-                <a:sym typeface="Arial"/>
-              </a:rPr>
-            </a:br>
-            <a:r>
-              <a:rPr b="0" i="0" lang="en" sz="2400" u="none" cap="none" strike="noStrike">
-                <a:solidFill>
-                  <a:srgbClr val="595959"/>
-                </a:solidFill>
-                <a:latin typeface="Arial"/>
-                <a:ea typeface="Arial"/>
-                <a:cs typeface="Arial"/>
-                <a:sym typeface="Arial"/>
-              </a:rPr>
-              <a:t>Credit: </a:t>
-            </a:r>
-            <a:r>
-              <a:rPr lang="en" sz="2400">
-                <a:solidFill>
-                  <a:srgbClr val="595959"/>
-                </a:solidFill>
-              </a:rPr>
-              <a:t>Huitian Dao</a:t>
-            </a:r>
-            <a:endParaRPr b="0" i="0" sz="2400" u="none" cap="none" strike="noStrike">
-              <a:solidFill>
-                <a:srgbClr val="595959"/>
-              </a:solidFill>
-              <a:latin typeface="Arial"/>
-              <a:ea typeface="Arial"/>
-              <a:cs typeface="Arial"/>
-              <a:sym typeface="Arial"/>
-            </a:endParaRPr>
-          </a:p>
-        </p:txBody>
-      </p:sp>
-      <p:sp>
-        <p:nvSpPr>
-          <p:cNvPr id="184" name="Google Shape;184;p30"/>
+          <p:cNvPr id="187" name="Google Shape;187;p30"/>
           <p:cNvSpPr txBox="1"/>
           <p:nvPr>
             <p:ph idx="12" type="sldNum"/>
@@ -11833,7 +12052,7 @@
   <p:cSld>
     <p:spTree>
       <p:nvGrpSpPr>
-        <p:cNvPr id="188" name="Shape 188"/>
+        <p:cNvPr id="191" name="Shape 191"/>
         <p:cNvGrpSpPr/>
         <p:nvPr/>
       </p:nvGrpSpPr>
@@ -11847,7 +12066,66 @@
       </p:grpSpPr>
       <p:sp>
         <p:nvSpPr>
-          <p:cNvPr id="189" name="Google Shape;189;p31"/>
+          <p:cNvPr id="192" name="Google Shape;192;p31"/>
+          <p:cNvSpPr/>
+          <p:nvPr/>
+        </p:nvSpPr>
+        <p:spPr>
+          <a:xfrm>
+            <a:off x="311700" y="347100"/>
+            <a:ext cx="8520600" cy="4449300"/>
+          </a:xfrm>
+          <a:prstGeom prst="rect">
+            <a:avLst/>
+          </a:prstGeom>
+          <a:solidFill>
+            <a:srgbClr val="A4C2F4"/>
+          </a:solidFill>
+          <a:ln>
+            <a:noFill/>
+          </a:ln>
+        </p:spPr>
+        <p:txBody>
+          <a:bodyPr anchorCtr="0" anchor="ctr" bIns="91425" lIns="91425" spcFirstLastPara="1" rIns="91425" wrap="square" tIns="91425">
+            <a:noAutofit/>
+          </a:bodyPr>
+          <a:lstStyle/>
+          <a:p>
+            <a:pPr indent="0" lvl="0" marL="0" marR="0" rtl="0" algn="l">
+              <a:lnSpc>
+                <a:spcPct val="100000"/>
+              </a:lnSpc>
+              <a:spcBef>
+                <a:spcPts val="0"/>
+              </a:spcBef>
+              <a:spcAft>
+                <a:spcPts val="0"/>
+              </a:spcAft>
+              <a:buClr>
+                <a:srgbClr val="000000"/>
+              </a:buClr>
+              <a:buSzPts val="1400"/>
+              <a:buFont typeface="Arial"/>
+              <a:buNone/>
+            </a:pPr>
+            <a:r>
+              <a:t/>
+            </a:r>
+            <a:endParaRPr b="0" i="0" sz="1400" u="none" cap="none" strike="noStrike">
+              <a:solidFill>
+                <a:srgbClr val="000000"/>
+              </a:solidFill>
+              <a:latin typeface="Arial"/>
+              <a:ea typeface="Arial"/>
+              <a:cs typeface="Arial"/>
+              <a:sym typeface="Arial"/>
+            </a:endParaRPr>
+          </a:p>
+        </p:txBody>
+      </p:sp>
+      <p:sp>
+        <p:nvSpPr>
+          <p:cNvPr id="193" name="Google Shape;193;p31"/>
           <p:cNvSpPr txBox="1"/>
           <p:nvPr>
             <p:ph type="title"/>
@@ -11855,12 +12133,16 @@
         </p:nvSpPr>
         <p:spPr>
           <a:xfrm>
-            <a:off x="311700" y="445025"/>
-            <a:ext cx="8520600" cy="572700"/>
+            <a:off x="384825" y="471525"/>
+            <a:ext cx="8520600" cy="3493500"/>
           </a:xfrm>
           <a:prstGeom prst="rect">
             <a:avLst/>
           </a:prstGeom>
+          <a:noFill/>
+          <a:ln>
+            <a:noFill/>
+          </a:ln>
         </p:spPr>
         <p:txBody>
           <a:bodyPr anchorCtr="0" anchor="t" bIns="91425" lIns="91425" spcFirstLastPara="1" rIns="91425" wrap="square" tIns="91425">
@@ -11869,25 +12151,885 @@
           <a:lstStyle/>
           <a:p>
             <a:pPr indent="0" lvl="0" marL="0" rtl="0" algn="l">
-              <a:spcBef>
-                <a:spcPts val="0"/>
-              </a:spcBef>
-              <a:spcAft>
-                <a:spcPts val="0"/>
-              </a:spcAft>
-              <a:buNone/>
-            </a:pPr>
-            <a:r>
-              <a:rPr lang="en"/>
-              <a:t>Inspecting and Editing Files</a:t>
-            </a:r>
-            <a:endParaRPr/>
+              <a:lnSpc>
+                <a:spcPct val="100000"/>
+              </a:lnSpc>
+              <a:spcBef>
+                <a:spcPts val="0"/>
+              </a:spcBef>
+              <a:spcAft>
+                <a:spcPts val="0"/>
+              </a:spcAft>
+              <a:buSzPts val="2800"/>
+              <a:buNone/>
+            </a:pPr>
+            <a:r>
+              <a:rPr b="1" lang="en">
+                <a:solidFill>
+                  <a:srgbClr val="434343"/>
+                </a:solidFill>
+              </a:rPr>
+              <a:t>Let’s try it! </a:t>
+            </a:r>
+            <a:r>
+              <a:rPr i="1" lang="en" sz="2200">
+                <a:solidFill>
+                  <a:srgbClr val="434343"/>
+                </a:solidFill>
+              </a:rPr>
+              <a:t>in chronological order</a:t>
+            </a:r>
+            <a:endParaRPr i="1" sz="2200">
+              <a:solidFill>
+                <a:srgbClr val="434343"/>
+              </a:solidFill>
+            </a:endParaRPr>
+          </a:p>
+          <a:p>
+            <a:pPr indent="0" lvl="0" marL="0" rtl="0" algn="l">
+              <a:lnSpc>
+                <a:spcPct val="100000"/>
+              </a:lnSpc>
+              <a:spcBef>
+                <a:spcPts val="0"/>
+              </a:spcBef>
+              <a:spcAft>
+                <a:spcPts val="0"/>
+              </a:spcAft>
+              <a:buSzPts val="2800"/>
+              <a:buNone/>
+            </a:pPr>
+            <a:r>
+              <a:t/>
+            </a:r>
+            <a:endParaRPr>
+              <a:solidFill>
+                <a:schemeClr val="dk2"/>
+              </a:solidFill>
+            </a:endParaRPr>
+          </a:p>
+          <a:p>
+            <a:pPr indent="0" lvl="0" marL="0" rtl="0" algn="l">
+              <a:lnSpc>
+                <a:spcPct val="100000"/>
+              </a:lnSpc>
+              <a:spcBef>
+                <a:spcPts val="0"/>
+              </a:spcBef>
+              <a:spcAft>
+                <a:spcPts val="0"/>
+              </a:spcAft>
+              <a:buSzPts val="2800"/>
+              <a:buNone/>
+            </a:pPr>
+            <a:r>
+              <a:rPr lang="en" sz="2000">
+                <a:solidFill>
+                  <a:schemeClr val="dk2"/>
+                </a:solidFill>
+              </a:rPr>
+              <a:t>10 min</a:t>
+            </a:r>
+            <a:br>
+              <a:rPr lang="en" sz="2000">
+                <a:solidFill>
+                  <a:schemeClr val="dk2"/>
+                </a:solidFill>
+              </a:rPr>
+            </a:br>
+            <a:r>
+              <a:rPr lang="en" sz="2000">
+                <a:solidFill>
+                  <a:schemeClr val="dk2"/>
+                </a:solidFill>
+              </a:rPr>
+              <a:t>[   ] Slack participation for A1.b today: Reaction emoji to JupyterHub post </a:t>
+            </a:r>
+            <a:endParaRPr sz="2000">
+              <a:solidFill>
+                <a:schemeClr val="dk2"/>
+              </a:solidFill>
+            </a:endParaRPr>
+          </a:p>
+          <a:p>
+            <a:pPr indent="0" lvl="0" marL="0" rtl="0" algn="l">
+              <a:lnSpc>
+                <a:spcPct val="100000"/>
+              </a:lnSpc>
+              <a:spcBef>
+                <a:spcPts val="0"/>
+              </a:spcBef>
+              <a:spcAft>
+                <a:spcPts val="0"/>
+              </a:spcAft>
+              <a:buSzPts val="2800"/>
+              <a:buNone/>
+            </a:pPr>
+            <a:r>
+              <a:rPr lang="en" sz="2000">
+                <a:solidFill>
+                  <a:schemeClr val="dk2"/>
+                </a:solidFill>
+              </a:rPr>
+              <a:t>[   ] Contact JC Ducom (slide 11) if you can’t access</a:t>
+            </a:r>
+            <a:br>
+              <a:rPr lang="en" sz="2000">
+                <a:solidFill>
+                  <a:schemeClr val="dk2"/>
+                </a:solidFill>
+              </a:rPr>
+            </a:br>
+            <a:r>
+              <a:rPr lang="en" sz="2000">
+                <a:solidFill>
+                  <a:schemeClr val="dk2"/>
+                </a:solidFill>
+              </a:rPr>
+              <a:t>[   ] Enable Slack, access abcb-2020 </a:t>
+            </a:r>
+            <a:br>
+              <a:rPr lang="en" sz="2000">
+                <a:solidFill>
+                  <a:schemeClr val="dk2"/>
+                </a:solidFill>
+              </a:rPr>
+            </a:br>
+            <a:r>
+              <a:rPr lang="en" sz="2000">
+                <a:solidFill>
+                  <a:schemeClr val="dk2"/>
+                </a:solidFill>
+              </a:rPr>
+              <a:t>      *update name and picture, if needed</a:t>
+            </a:r>
+            <a:br>
+              <a:rPr lang="en" sz="2000">
+                <a:solidFill>
+                  <a:schemeClr val="dk2"/>
+                </a:solidFill>
+              </a:rPr>
+            </a:br>
+            <a:r>
+              <a:rPr lang="en" sz="2000">
+                <a:solidFill>
+                  <a:schemeClr val="dk2"/>
+                </a:solidFill>
+              </a:rPr>
+              <a:t>[   ] Enable Canvas notifications</a:t>
+            </a:r>
+            <a:br>
+              <a:rPr lang="en" sz="2000">
+                <a:solidFill>
+                  <a:schemeClr val="dk2"/>
+                </a:solidFill>
+              </a:rPr>
+            </a:br>
+            <a:br>
+              <a:rPr lang="en" sz="2000">
+                <a:solidFill>
+                  <a:schemeClr val="dk2"/>
+                </a:solidFill>
+              </a:rPr>
+            </a:br>
+            <a:r>
+              <a:rPr lang="en" sz="2000">
+                <a:solidFill>
+                  <a:schemeClr val="dk2"/>
+                </a:solidFill>
+              </a:rPr>
+              <a:t>20 min</a:t>
+            </a:r>
+            <a:endParaRPr sz="2000">
+              <a:solidFill>
+                <a:schemeClr val="dk2"/>
+              </a:solidFill>
+            </a:endParaRPr>
+          </a:p>
+          <a:p>
+            <a:pPr indent="0" lvl="0" marL="0" rtl="0" algn="l">
+              <a:lnSpc>
+                <a:spcPct val="100000"/>
+              </a:lnSpc>
+              <a:spcBef>
+                <a:spcPts val="0"/>
+              </a:spcBef>
+              <a:spcAft>
+                <a:spcPts val="0"/>
+              </a:spcAft>
+              <a:buSzPts val="2800"/>
+              <a:buNone/>
+            </a:pPr>
+            <a:r>
+              <a:rPr lang="en" sz="2000">
+                <a:solidFill>
+                  <a:schemeClr val="dk2"/>
+                </a:solidFill>
+              </a:rPr>
+              <a:t>[   ] In your group of 3, review and discuss HW 1 A1.aa-A1.ab </a:t>
+            </a:r>
+            <a:endParaRPr sz="2000">
+              <a:solidFill>
+                <a:schemeClr val="dk2"/>
+              </a:solidFill>
+            </a:endParaRPr>
+          </a:p>
+          <a:p>
+            <a:pPr indent="0" lvl="0" marL="0" rtl="0" algn="l">
+              <a:lnSpc>
+                <a:spcPct val="100000"/>
+              </a:lnSpc>
+              <a:spcBef>
+                <a:spcPts val="0"/>
+              </a:spcBef>
+              <a:spcAft>
+                <a:spcPts val="0"/>
+              </a:spcAft>
+              <a:buSzPts val="2800"/>
+              <a:buNone/>
+            </a:pPr>
+            <a:r>
+              <a:rPr lang="en" sz="2000">
+                <a:solidFill>
+                  <a:schemeClr val="dk2"/>
+                </a:solidFill>
+              </a:rPr>
+              <a:t>[   ] Confirm you’ve turned on ‘watch releases’ for 2020 Github repo</a:t>
+            </a:r>
+            <a:endParaRPr sz="2000">
+              <a:solidFill>
+                <a:schemeClr val="dk2"/>
+              </a:solidFill>
+            </a:endParaRPr>
+          </a:p>
+          <a:p>
+            <a:pPr indent="0" lvl="0" marL="0" rtl="0" algn="l">
+              <a:lnSpc>
+                <a:spcPct val="100000"/>
+              </a:lnSpc>
+              <a:spcBef>
+                <a:spcPts val="0"/>
+              </a:spcBef>
+              <a:spcAft>
+                <a:spcPts val="0"/>
+              </a:spcAft>
+              <a:buSzPts val="2800"/>
+              <a:buNone/>
+            </a:pPr>
+            <a:r>
+              <a:t/>
+            </a:r>
+            <a:endParaRPr sz="2200">
+              <a:solidFill>
+                <a:schemeClr val="dk2"/>
+              </a:solidFill>
+            </a:endParaRPr>
+          </a:p>
+          <a:p>
+            <a:pPr indent="0" lvl="0" marL="0" rtl="0" algn="l">
+              <a:lnSpc>
+                <a:spcPct val="100000"/>
+              </a:lnSpc>
+              <a:spcBef>
+                <a:spcPts val="0"/>
+              </a:spcBef>
+              <a:spcAft>
+                <a:spcPts val="0"/>
+              </a:spcAft>
+              <a:buSzPts val="2800"/>
+              <a:buNone/>
+            </a:pPr>
+            <a:r>
+              <a:t/>
+            </a:r>
+            <a:endParaRPr sz="2200">
+              <a:solidFill>
+                <a:schemeClr val="dk2"/>
+              </a:solidFill>
+            </a:endParaRPr>
           </a:p>
         </p:txBody>
       </p:sp>
       <p:sp>
         <p:nvSpPr>
-          <p:cNvPr id="190" name="Google Shape;190;p31"/>
+          <p:cNvPr id="194" name="Google Shape;194;p31"/>
+          <p:cNvSpPr txBox="1"/>
+          <p:nvPr>
+            <p:ph idx="12" type="sldNum"/>
+          </p:nvPr>
+        </p:nvSpPr>
+        <p:spPr>
+          <a:xfrm>
+            <a:off x="8472458" y="4663217"/>
+            <a:ext cx="548700" cy="393600"/>
+          </a:xfrm>
+          <a:prstGeom prst="rect">
+            <a:avLst/>
+          </a:prstGeom>
+        </p:spPr>
+        <p:txBody>
+          <a:bodyPr anchorCtr="0" anchor="ctr" bIns="91425" lIns="91425" spcFirstLastPara="1" rIns="91425" wrap="square" tIns="91425">
+            <a:noAutofit/>
+          </a:bodyPr>
+          <a:lstStyle/>
+          <a:p>
+            <a:pPr indent="0" lvl="0" marL="0" rtl="0" algn="r">
+              <a:spcBef>
+                <a:spcPts val="0"/>
+              </a:spcBef>
+              <a:spcAft>
+                <a:spcPts val="0"/>
+              </a:spcAft>
+              <a:buNone/>
+            </a:pPr>
+            <a:fld id="{00000000-1234-1234-1234-123412341234}" type="slidenum">
+              <a:rPr lang="en"/>
+              <a:t>‹#›</a:t>
+            </a:fld>
+            <a:endParaRPr/>
+          </a:p>
+        </p:txBody>
+      </p:sp>
+      <p:pic>
+        <p:nvPicPr>
+          <p:cNvPr id="195" name="Google Shape;195;p31"/>
+          <p:cNvPicPr preferRelativeResize="0"/>
+          <p:nvPr/>
+        </p:nvPicPr>
+        <p:blipFill rotWithShape="1">
+          <a:blip r:embed="rId3">
+            <a:alphaModFix/>
+          </a:blip>
+          <a:srcRect b="0" l="0" r="51721" t="52787"/>
+          <a:stretch/>
+        </p:blipFill>
+        <p:spPr>
+          <a:xfrm>
+            <a:off x="6110203" y="625603"/>
+            <a:ext cx="2485325" cy="848400"/>
+          </a:xfrm>
+          <a:prstGeom prst="rect">
+            <a:avLst/>
+          </a:prstGeom>
+          <a:noFill/>
+          <a:ln>
+            <a:noFill/>
+          </a:ln>
+        </p:spPr>
+      </p:pic>
+    </p:spTree>
+  </p:cSld>
+  <p:clrMapOvr>
+    <a:masterClrMapping/>
+  </p:clrMapOvr>
+</p:sld>
+</file>
+
+<file path=ppt/slides/slide2.xml><?xml version="1.0" encoding="utf-8"?>
+<p:sld xmlns:a="http://schemas.openxmlformats.org/drawingml/2006/main" xmlns:r="http://schemas.openxmlformats.org/officeDocument/2006/relationships" xmlns:mc="http://schemas.openxmlformats.org/markup-compatibility/2006" xmlns:mv="urn:schemas-microsoft-com:mac:vml" xmlns:p="http://schemas.openxmlformats.org/presentationml/2006/main" xmlns:c="http://schemas.openxmlformats.org/drawingml/2006/chart" xmlns:dgm="http://schemas.openxmlformats.org/drawingml/2006/diagram" xmlns:o="urn:schemas-microsoft-com:office:office" xmlns:v="urn:schemas-microsoft-com:vml" xmlns:pvml="urn:schemas-microsoft-com:office:powerpoint" xmlns:com="http://schemas.openxmlformats.org/drawingml/2006/compatibility" xmlns:p14="http://schemas.microsoft.com/office/powerpoint/2010/main" xmlns:p15="http://schemas.microsoft.com/office/powerpoint/2012/main" xmlns:ahyp="http://schemas.microsoft.com/office/drawing/2018/hyperlinkcolor">
+  <p:cSld>
+    <p:spTree>
+      <p:nvGrpSpPr>
+        <p:cNvPr id="60" name="Shape 60"/>
+        <p:cNvGrpSpPr/>
+        <p:nvPr/>
+      </p:nvGrpSpPr>
+      <p:grpSpPr>
+        <a:xfrm>
+          <a:off x="0" y="0"/>
+          <a:ext cx="0" cy="0"/>
+          <a:chOff x="0" y="0"/>
+          <a:chExt cx="0" cy="0"/>
+        </a:xfrm>
+      </p:grpSpPr>
+      <p:sp>
+        <p:nvSpPr>
+          <p:cNvPr id="61" name="Google Shape;61;p14"/>
+          <p:cNvSpPr txBox="1"/>
+          <p:nvPr>
+            <p:ph type="ctrTitle"/>
+          </p:nvPr>
+        </p:nvSpPr>
+        <p:spPr>
+          <a:xfrm>
+            <a:off x="311708" y="1831875"/>
+            <a:ext cx="8520600" cy="2052600"/>
+          </a:xfrm>
+          <a:prstGeom prst="rect">
+            <a:avLst/>
+          </a:prstGeom>
+          <a:noFill/>
+          <a:ln>
+            <a:noFill/>
+          </a:ln>
+        </p:spPr>
+        <p:txBody>
+          <a:bodyPr anchorCtr="0" anchor="b" bIns="91425" lIns="91425" spcFirstLastPara="1" rIns="91425" wrap="square" tIns="91425">
+            <a:noAutofit/>
+          </a:bodyPr>
+          <a:lstStyle/>
+          <a:p>
+            <a:pPr indent="0" lvl="0" marL="0" rtl="0" algn="ctr">
+              <a:lnSpc>
+                <a:spcPct val="100000"/>
+              </a:lnSpc>
+              <a:spcBef>
+                <a:spcPts val="0"/>
+              </a:spcBef>
+              <a:spcAft>
+                <a:spcPts val="0"/>
+              </a:spcAft>
+              <a:buSzPts val="5200"/>
+              <a:buNone/>
+            </a:pPr>
+            <a:r>
+              <a:rPr b="1" lang="en">
+                <a:solidFill>
+                  <a:srgbClr val="000000"/>
+                </a:solidFill>
+              </a:rPr>
+              <a:t>But first! </a:t>
+            </a:r>
+            <a:endParaRPr b="1">
+              <a:solidFill>
+                <a:srgbClr val="000000"/>
+              </a:solidFill>
+            </a:endParaRPr>
+          </a:p>
+          <a:p>
+            <a:pPr indent="0" lvl="0" marL="0" rtl="0" algn="ctr">
+              <a:lnSpc>
+                <a:spcPct val="100000"/>
+              </a:lnSpc>
+              <a:spcBef>
+                <a:spcPts val="0"/>
+              </a:spcBef>
+              <a:spcAft>
+                <a:spcPts val="0"/>
+              </a:spcAft>
+              <a:buSzPts val="5200"/>
+              <a:buNone/>
+            </a:pPr>
+            <a:r>
+              <a:t/>
+            </a:r>
+            <a:endParaRPr b="1">
+              <a:solidFill>
+                <a:srgbClr val="000000"/>
+              </a:solidFill>
+            </a:endParaRPr>
+          </a:p>
+          <a:p>
+            <a:pPr indent="0" lvl="0" marL="0" rtl="0" algn="ctr">
+              <a:lnSpc>
+                <a:spcPct val="100000"/>
+              </a:lnSpc>
+              <a:spcBef>
+                <a:spcPts val="0"/>
+              </a:spcBef>
+              <a:spcAft>
+                <a:spcPts val="0"/>
+              </a:spcAft>
+              <a:buSzPts val="5200"/>
+              <a:buNone/>
+            </a:pPr>
+            <a:br>
+              <a:rPr b="1" lang="en">
+                <a:solidFill>
+                  <a:srgbClr val="000000"/>
+                </a:solidFill>
+              </a:rPr>
+            </a:br>
+            <a:endParaRPr b="1">
+              <a:solidFill>
+                <a:srgbClr val="000000"/>
+              </a:solidFill>
+            </a:endParaRPr>
+          </a:p>
+        </p:txBody>
+      </p:sp>
+      <p:sp>
+        <p:nvSpPr>
+          <p:cNvPr id="62" name="Google Shape;62;p14"/>
+          <p:cNvSpPr txBox="1"/>
+          <p:nvPr>
+            <p:ph idx="12" type="sldNum"/>
+          </p:nvPr>
+        </p:nvSpPr>
+        <p:spPr>
+          <a:xfrm>
+            <a:off x="8472458" y="4663217"/>
+            <a:ext cx="548700" cy="393600"/>
+          </a:xfrm>
+          <a:prstGeom prst="rect">
+            <a:avLst/>
+          </a:prstGeom>
+        </p:spPr>
+        <p:txBody>
+          <a:bodyPr anchorCtr="0" anchor="ctr" bIns="91425" lIns="91425" spcFirstLastPara="1" rIns="91425" wrap="square" tIns="91425">
+            <a:noAutofit/>
+          </a:bodyPr>
+          <a:lstStyle/>
+          <a:p>
+            <a:pPr indent="0" lvl="0" marL="0" rtl="0" algn="r">
+              <a:spcBef>
+                <a:spcPts val="0"/>
+              </a:spcBef>
+              <a:spcAft>
+                <a:spcPts val="0"/>
+              </a:spcAft>
+              <a:buNone/>
+            </a:pPr>
+            <a:fld id="{00000000-1234-1234-1234-123412341234}" type="slidenum">
+              <a:rPr lang="en"/>
+              <a:t>‹#›</a:t>
+            </a:fld>
+            <a:endParaRPr/>
+          </a:p>
+        </p:txBody>
+      </p:sp>
+      <p:pic>
+        <p:nvPicPr>
+          <p:cNvPr id="63" name="Google Shape;63;p14"/>
+          <p:cNvPicPr preferRelativeResize="0"/>
+          <p:nvPr/>
+        </p:nvPicPr>
+        <p:blipFill>
+          <a:blip r:embed="rId3">
+            <a:alphaModFix/>
+          </a:blip>
+          <a:stretch>
+            <a:fillRect/>
+          </a:stretch>
+        </p:blipFill>
+        <p:spPr>
+          <a:xfrm>
+            <a:off x="3814475" y="1722650"/>
+            <a:ext cx="1515050" cy="1515050"/>
+          </a:xfrm>
+          <a:prstGeom prst="rect">
+            <a:avLst/>
+          </a:prstGeom>
+          <a:noFill/>
+          <a:ln>
+            <a:noFill/>
+          </a:ln>
+        </p:spPr>
+      </p:pic>
+    </p:spTree>
+  </p:cSld>
+  <p:clrMapOvr>
+    <a:masterClrMapping/>
+  </p:clrMapOvr>
+</p:sld>
+</file>
+
+<file path=ppt/slides/slide20.xml><?xml version="1.0" encoding="utf-8"?>
+<p:sld xmlns:a="http://schemas.openxmlformats.org/drawingml/2006/main" xmlns:r="http://schemas.openxmlformats.org/officeDocument/2006/relationships" xmlns:mc="http://schemas.openxmlformats.org/markup-compatibility/2006" xmlns:mv="urn:schemas-microsoft-com:mac:vml" xmlns:p="http://schemas.openxmlformats.org/presentationml/2006/main" xmlns:c="http://schemas.openxmlformats.org/drawingml/2006/chart" xmlns:dgm="http://schemas.openxmlformats.org/drawingml/2006/diagram" xmlns:o="urn:schemas-microsoft-com:office:office" xmlns:v="urn:schemas-microsoft-com:vml" xmlns:pvml="urn:schemas-microsoft-com:office:powerpoint" xmlns:com="http://schemas.openxmlformats.org/drawingml/2006/compatibility" xmlns:p14="http://schemas.microsoft.com/office/powerpoint/2010/main" xmlns:p15="http://schemas.microsoft.com/office/powerpoint/2012/main" xmlns:ahyp="http://schemas.microsoft.com/office/drawing/2018/hyperlinkcolor">
+  <p:cSld>
+    <p:spTree>
+      <p:nvGrpSpPr>
+        <p:cNvPr id="199" name="Shape 199"/>
+        <p:cNvGrpSpPr/>
+        <p:nvPr/>
+      </p:nvGrpSpPr>
+      <p:grpSpPr>
+        <a:xfrm>
+          <a:off x="0" y="0"/>
+          <a:ext cx="0" cy="0"/>
+          <a:chOff x="0" y="0"/>
+          <a:chExt cx="0" cy="0"/>
+        </a:xfrm>
+      </p:grpSpPr>
+      <p:sp>
+        <p:nvSpPr>
+          <p:cNvPr id="200" name="Google Shape;200;p32"/>
+          <p:cNvSpPr txBox="1"/>
+          <p:nvPr>
+            <p:ph type="ctrTitle"/>
+          </p:nvPr>
+        </p:nvSpPr>
+        <p:spPr>
+          <a:xfrm>
+            <a:off x="311708" y="744575"/>
+            <a:ext cx="8520600" cy="2052600"/>
+          </a:xfrm>
+          <a:prstGeom prst="rect">
+            <a:avLst/>
+          </a:prstGeom>
+          <a:noFill/>
+          <a:ln>
+            <a:noFill/>
+          </a:ln>
+        </p:spPr>
+        <p:txBody>
+          <a:bodyPr anchorCtr="0" anchor="b" bIns="91425" lIns="91425" spcFirstLastPara="1" rIns="91425" wrap="square" tIns="91425">
+            <a:noAutofit/>
+          </a:bodyPr>
+          <a:lstStyle/>
+          <a:p>
+            <a:pPr indent="0" lvl="0" marL="0" rtl="0" algn="ctr">
+              <a:lnSpc>
+                <a:spcPct val="100000"/>
+              </a:lnSpc>
+              <a:spcBef>
+                <a:spcPts val="0"/>
+              </a:spcBef>
+              <a:spcAft>
+                <a:spcPts val="0"/>
+              </a:spcAft>
+              <a:buSzPts val="5200"/>
+              <a:buNone/>
+            </a:pPr>
+            <a:r>
+              <a:rPr b="1" lang="en" u="sng">
+                <a:solidFill>
+                  <a:srgbClr val="93C47D"/>
+                </a:solidFill>
+              </a:rPr>
+              <a:t>A1.ba</a:t>
+            </a:r>
+            <a:r>
+              <a:rPr lang="en" u="sng">
+                <a:solidFill>
+                  <a:srgbClr val="93C47D"/>
+                </a:solidFill>
+              </a:rPr>
+              <a:t> </a:t>
+            </a:r>
+            <a:endParaRPr u="sng">
+              <a:solidFill>
+                <a:srgbClr val="93C47D"/>
+              </a:solidFill>
+            </a:endParaRPr>
+          </a:p>
+          <a:p>
+            <a:pPr indent="0" lvl="0" marL="0" rtl="0" algn="ctr">
+              <a:lnSpc>
+                <a:spcPct val="100000"/>
+              </a:lnSpc>
+              <a:spcBef>
+                <a:spcPts val="0"/>
+              </a:spcBef>
+              <a:spcAft>
+                <a:spcPts val="0"/>
+              </a:spcAft>
+              <a:buSzPts val="5200"/>
+              <a:buNone/>
+            </a:pPr>
+            <a:r>
+              <a:rPr lang="en"/>
+              <a:t>Redirections and Pipes</a:t>
+            </a:r>
+            <a:endParaRPr/>
+          </a:p>
+        </p:txBody>
+      </p:sp>
+      <p:sp>
+        <p:nvSpPr>
+          <p:cNvPr id="201" name="Google Shape;201;p32"/>
+          <p:cNvSpPr txBox="1"/>
+          <p:nvPr/>
+        </p:nvSpPr>
+        <p:spPr>
+          <a:xfrm>
+            <a:off x="311700" y="3826425"/>
+            <a:ext cx="8520600" cy="792600"/>
+          </a:xfrm>
+          <a:prstGeom prst="rect">
+            <a:avLst/>
+          </a:prstGeom>
+          <a:noFill/>
+          <a:ln>
+            <a:noFill/>
+          </a:ln>
+        </p:spPr>
+        <p:txBody>
+          <a:bodyPr anchorCtr="0" anchor="t" bIns="91425" lIns="91425" spcFirstLastPara="1" rIns="91425" wrap="square" tIns="91425">
+            <a:noAutofit/>
+          </a:bodyPr>
+          <a:lstStyle/>
+          <a:p>
+            <a:pPr indent="0" lvl="0" marL="0" marR="0" rtl="0" algn="ctr">
+              <a:lnSpc>
+                <a:spcPct val="100000"/>
+              </a:lnSpc>
+              <a:spcBef>
+                <a:spcPts val="0"/>
+              </a:spcBef>
+              <a:spcAft>
+                <a:spcPts val="0"/>
+              </a:spcAft>
+              <a:buClr>
+                <a:srgbClr val="000000"/>
+              </a:buClr>
+              <a:buSzPts val="2400"/>
+              <a:buFont typeface="Arial"/>
+              <a:buNone/>
+            </a:pPr>
+            <a:r>
+              <a:rPr b="0" i="0" lang="en" sz="2400" u="none" cap="none" strike="noStrike">
+                <a:solidFill>
+                  <a:srgbClr val="595959"/>
+                </a:solidFill>
+                <a:latin typeface="Arial"/>
+                <a:ea typeface="Arial"/>
+                <a:cs typeface="Arial"/>
+                <a:sym typeface="Arial"/>
+              </a:rPr>
+              <a:t>Sabah Ul-Hasan</a:t>
+            </a:r>
+            <a:br>
+              <a:rPr b="0" i="0" lang="en" sz="2400" u="none" cap="none" strike="noStrike">
+                <a:solidFill>
+                  <a:srgbClr val="595959"/>
+                </a:solidFill>
+                <a:latin typeface="Arial"/>
+                <a:ea typeface="Arial"/>
+                <a:cs typeface="Arial"/>
+                <a:sym typeface="Arial"/>
+              </a:rPr>
+            </a:br>
+            <a:r>
+              <a:rPr b="0" i="0" lang="en" sz="2400" u="none" cap="none" strike="noStrike">
+                <a:solidFill>
+                  <a:srgbClr val="595959"/>
+                </a:solidFill>
+                <a:latin typeface="Arial"/>
+                <a:ea typeface="Arial"/>
+                <a:cs typeface="Arial"/>
+                <a:sym typeface="Arial"/>
+              </a:rPr>
+              <a:t>Credit: </a:t>
+            </a:r>
+            <a:r>
+              <a:rPr lang="en" sz="2400">
+                <a:solidFill>
+                  <a:srgbClr val="595959"/>
+                </a:solidFill>
+              </a:rPr>
+              <a:t>Huitian Dao</a:t>
+            </a:r>
+            <a:endParaRPr b="0" i="0" sz="2400" u="none" cap="none" strike="noStrike">
+              <a:solidFill>
+                <a:srgbClr val="595959"/>
+              </a:solidFill>
+              <a:latin typeface="Arial"/>
+              <a:ea typeface="Arial"/>
+              <a:cs typeface="Arial"/>
+              <a:sym typeface="Arial"/>
+            </a:endParaRPr>
+          </a:p>
+        </p:txBody>
+      </p:sp>
+      <p:sp>
+        <p:nvSpPr>
+          <p:cNvPr id="202" name="Google Shape;202;p32"/>
+          <p:cNvSpPr txBox="1"/>
+          <p:nvPr>
+            <p:ph idx="12" type="sldNum"/>
+          </p:nvPr>
+        </p:nvSpPr>
+        <p:spPr>
+          <a:xfrm>
+            <a:off x="8472458" y="4663217"/>
+            <a:ext cx="548700" cy="393600"/>
+          </a:xfrm>
+          <a:prstGeom prst="rect">
+            <a:avLst/>
+          </a:prstGeom>
+        </p:spPr>
+        <p:txBody>
+          <a:bodyPr anchorCtr="0" anchor="ctr" bIns="91425" lIns="91425" spcFirstLastPara="1" rIns="91425" wrap="square" tIns="91425">
+            <a:noAutofit/>
+          </a:bodyPr>
+          <a:lstStyle/>
+          <a:p>
+            <a:pPr indent="0" lvl="0" marL="0" rtl="0" algn="r">
+              <a:spcBef>
+                <a:spcPts val="0"/>
+              </a:spcBef>
+              <a:spcAft>
+                <a:spcPts val="0"/>
+              </a:spcAft>
+              <a:buNone/>
+            </a:pPr>
+            <a:fld id="{00000000-1234-1234-1234-123412341234}" type="slidenum">
+              <a:rPr lang="en"/>
+              <a:t>‹#›</a:t>
+            </a:fld>
+            <a:endParaRPr/>
+          </a:p>
+        </p:txBody>
+      </p:sp>
+    </p:spTree>
+  </p:cSld>
+  <p:clrMapOvr>
+    <a:masterClrMapping/>
+  </p:clrMapOvr>
+</p:sld>
+</file>
+
+<file path=ppt/slides/slide21.xml><?xml version="1.0" encoding="utf-8"?>
+<p:sld xmlns:a="http://schemas.openxmlformats.org/drawingml/2006/main" xmlns:r="http://schemas.openxmlformats.org/officeDocument/2006/relationships" xmlns:mc="http://schemas.openxmlformats.org/markup-compatibility/2006" xmlns:mv="urn:schemas-microsoft-com:mac:vml" xmlns:p="http://schemas.openxmlformats.org/presentationml/2006/main" xmlns:c="http://schemas.openxmlformats.org/drawingml/2006/chart" xmlns:dgm="http://schemas.openxmlformats.org/drawingml/2006/diagram" xmlns:o="urn:schemas-microsoft-com:office:office" xmlns:v="urn:schemas-microsoft-com:vml" xmlns:pvml="urn:schemas-microsoft-com:office:powerpoint" xmlns:com="http://schemas.openxmlformats.org/drawingml/2006/compatibility" xmlns:p14="http://schemas.microsoft.com/office/powerpoint/2010/main" xmlns:p15="http://schemas.microsoft.com/office/powerpoint/2012/main" xmlns:ahyp="http://schemas.microsoft.com/office/drawing/2018/hyperlinkcolor">
+  <p:cSld>
+    <p:spTree>
+      <p:nvGrpSpPr>
+        <p:cNvPr id="206" name="Shape 206"/>
+        <p:cNvGrpSpPr/>
+        <p:nvPr/>
+      </p:nvGrpSpPr>
+      <p:grpSpPr>
+        <a:xfrm>
+          <a:off x="0" y="0"/>
+          <a:ext cx="0" cy="0"/>
+          <a:chOff x="0" y="0"/>
+          <a:chExt cx="0" cy="0"/>
+        </a:xfrm>
+      </p:grpSpPr>
+      <p:sp>
+        <p:nvSpPr>
+          <p:cNvPr id="207" name="Google Shape;207;p33"/>
+          <p:cNvSpPr txBox="1"/>
+          <p:nvPr>
+            <p:ph type="title"/>
+          </p:nvPr>
+        </p:nvSpPr>
+        <p:spPr>
+          <a:xfrm>
+            <a:off x="311700" y="445025"/>
+            <a:ext cx="8520600" cy="572700"/>
+          </a:xfrm>
+          <a:prstGeom prst="rect">
+            <a:avLst/>
+          </a:prstGeom>
+        </p:spPr>
+        <p:txBody>
+          <a:bodyPr anchorCtr="0" anchor="t" bIns="91425" lIns="91425" spcFirstLastPara="1" rIns="91425" wrap="square" tIns="91425">
+            <a:noAutofit/>
+          </a:bodyPr>
+          <a:lstStyle/>
+          <a:p>
+            <a:pPr indent="0" lvl="0" marL="0" rtl="0" algn="l">
+              <a:spcBef>
+                <a:spcPts val="0"/>
+              </a:spcBef>
+              <a:spcAft>
+                <a:spcPts val="0"/>
+              </a:spcAft>
+              <a:buNone/>
+            </a:pPr>
+            <a:r>
+              <a:rPr lang="en"/>
+              <a:t>Inspecting and Editing Files</a:t>
+            </a:r>
+            <a:endParaRPr/>
+          </a:p>
+        </p:txBody>
+      </p:sp>
+      <p:sp>
+        <p:nvSpPr>
+          <p:cNvPr id="208" name="Google Shape;208;p33"/>
           <p:cNvSpPr txBox="1"/>
           <p:nvPr>
             <p:ph idx="1" type="body"/>
@@ -12189,7 +13331,7 @@
       </p:sp>
       <p:sp>
         <p:nvSpPr>
-          <p:cNvPr id="191" name="Google Shape;191;p31"/>
+          <p:cNvPr id="209" name="Google Shape;209;p33"/>
           <p:cNvSpPr txBox="1"/>
           <p:nvPr>
             <p:ph idx="2" type="body"/>
@@ -12404,7 +13546,7 @@
       </p:sp>
       <p:sp>
         <p:nvSpPr>
-          <p:cNvPr id="192" name="Google Shape;192;p31"/>
+          <p:cNvPr id="210" name="Google Shape;210;p33"/>
           <p:cNvSpPr txBox="1"/>
           <p:nvPr/>
         </p:nvSpPr>
@@ -12473,7 +13615,7 @@
       </p:sp>
       <p:grpSp>
         <p:nvGrpSpPr>
-          <p:cNvPr id="193" name="Google Shape;193;p31"/>
+          <p:cNvPr id="211" name="Google Shape;211;p33"/>
           <p:cNvGrpSpPr/>
           <p:nvPr/>
         </p:nvGrpSpPr>
@@ -12487,7 +13629,7 @@
         </p:grpSpPr>
         <p:sp>
           <p:nvSpPr>
-            <p:cNvPr id="194" name="Google Shape;194;p31"/>
+            <p:cNvPr id="212" name="Google Shape;212;p33"/>
             <p:cNvSpPr/>
             <p:nvPr/>
           </p:nvSpPr>
@@ -12536,7 +13678,7 @@
         </p:sp>
         <p:sp>
           <p:nvSpPr>
-            <p:cNvPr id="195" name="Google Shape;195;p31"/>
+            <p:cNvPr id="213" name="Google Shape;213;p33"/>
             <p:cNvSpPr/>
             <p:nvPr/>
           </p:nvSpPr>
@@ -12585,7 +13727,7 @@
         </p:sp>
         <p:sp>
           <p:nvSpPr>
-            <p:cNvPr id="196" name="Google Shape;196;p31"/>
+            <p:cNvPr id="214" name="Google Shape;214;p33"/>
             <p:cNvSpPr/>
             <p:nvPr/>
           </p:nvSpPr>
@@ -12635,7 +13777,7 @@
       </p:grpSp>
       <p:pic>
         <p:nvPicPr>
-          <p:cNvPr id="197" name="Google Shape;197;p31"/>
+          <p:cNvPr id="215" name="Google Shape;215;p33"/>
           <p:cNvPicPr preferRelativeResize="0"/>
           <p:nvPr/>
         </p:nvPicPr>
@@ -12663,7 +13805,7 @@
       </p:pic>
       <p:pic>
         <p:nvPicPr>
-          <p:cNvPr id="198" name="Google Shape;198;p31"/>
+          <p:cNvPr id="216" name="Google Shape;216;p33"/>
           <p:cNvPicPr preferRelativeResize="0"/>
           <p:nvPr/>
         </p:nvPicPr>
@@ -12697,12 +13839,12 @@
 </p:sld>
 </file>
 
-<file path=ppt/slides/slide2.xml><?xml version="1.0" encoding="utf-8"?>
+<file path=ppt/slides/slide22.xml><?xml version="1.0" encoding="utf-8"?>
 <p:sld xmlns:a="http://schemas.openxmlformats.org/drawingml/2006/main" xmlns:r="http://schemas.openxmlformats.org/officeDocument/2006/relationships" xmlns:mc="http://schemas.openxmlformats.org/markup-compatibility/2006" xmlns:mv="urn:schemas-microsoft-com:mac:vml" xmlns:p="http://schemas.openxmlformats.org/presentationml/2006/main" xmlns:c="http://schemas.openxmlformats.org/drawingml/2006/chart" xmlns:dgm="http://schemas.openxmlformats.org/drawingml/2006/diagram" xmlns:o="urn:schemas-microsoft-com:office:office" xmlns:v="urn:schemas-microsoft-com:vml" xmlns:pvml="urn:schemas-microsoft-com:office:powerpoint" xmlns:com="http://schemas.openxmlformats.org/drawingml/2006/compatibility" xmlns:p14="http://schemas.microsoft.com/office/powerpoint/2010/main" xmlns:p15="http://schemas.microsoft.com/office/powerpoint/2012/main" xmlns:ahyp="http://schemas.microsoft.com/office/drawing/2018/hyperlinkcolor">
   <p:cSld>
     <p:spTree>
       <p:nvGrpSpPr>
-        <p:cNvPr id="60" name="Shape 60"/>
+        <p:cNvPr id="220" name="Shape 220"/>
         <p:cNvGrpSpPr/>
         <p:nvPr/>
       </p:nvGrpSpPr>
@@ -12716,16 +13858,54 @@
       </p:grpSpPr>
       <p:sp>
         <p:nvSpPr>
-          <p:cNvPr id="61" name="Google Shape;61;p14"/>
+          <p:cNvPr id="221" name="Google Shape;221;p34"/>
           <p:cNvSpPr txBox="1"/>
           <p:nvPr>
-            <p:ph type="ctrTitle"/>
+            <p:ph type="title"/>
           </p:nvPr>
         </p:nvSpPr>
         <p:spPr>
           <a:xfrm>
-            <a:off x="311708" y="1831875"/>
-            <a:ext cx="8520600" cy="2052600"/>
+            <a:off x="311700" y="445025"/>
+            <a:ext cx="8520600" cy="572700"/>
+          </a:xfrm>
+          <a:prstGeom prst="rect">
+            <a:avLst/>
+          </a:prstGeom>
+        </p:spPr>
+        <p:txBody>
+          <a:bodyPr anchorCtr="0" anchor="t" bIns="91425" lIns="91425" spcFirstLastPara="1" rIns="91425" wrap="square" tIns="91425">
+            <a:noAutofit/>
+          </a:bodyPr>
+          <a:lstStyle/>
+          <a:p>
+            <a:pPr indent="0" lvl="0" marL="0" rtl="0" algn="l">
+              <a:spcBef>
+                <a:spcPts val="0"/>
+              </a:spcBef>
+              <a:spcAft>
+                <a:spcPts val="0"/>
+              </a:spcAft>
+              <a:buNone/>
+            </a:pPr>
+            <a:r>
+              <a:rPr lang="en"/>
+              <a:t>STDOUT – Standard Output</a:t>
+            </a:r>
+            <a:endParaRPr/>
+          </a:p>
+        </p:txBody>
+      </p:sp>
+      <p:sp>
+        <p:nvSpPr>
+          <p:cNvPr id="222" name="Google Shape;222;p34"/>
+          <p:cNvSpPr txBox="1"/>
+          <p:nvPr/>
+        </p:nvSpPr>
+        <p:spPr>
+          <a:xfrm>
+            <a:off x="1162800" y="1561850"/>
+            <a:ext cx="667500" cy="2593800"/>
           </a:xfrm>
           <a:prstGeom prst="rect">
             <a:avLst/>
@@ -12736,243 +13916,6 @@
           </a:ln>
         </p:spPr>
         <p:txBody>
-          <a:bodyPr anchorCtr="0" anchor="b" bIns="91425" lIns="91425" spcFirstLastPara="1" rIns="91425" wrap="square" tIns="91425">
-            <a:noAutofit/>
-          </a:bodyPr>
-          <a:lstStyle/>
-          <a:p>
-            <a:pPr indent="0" lvl="0" marL="0" rtl="0" algn="ctr">
-              <a:lnSpc>
-                <a:spcPct val="100000"/>
-              </a:lnSpc>
-              <a:spcBef>
-                <a:spcPts val="0"/>
-              </a:spcBef>
-              <a:spcAft>
-                <a:spcPts val="0"/>
-              </a:spcAft>
-              <a:buSzPts val="5200"/>
-              <a:buNone/>
-            </a:pPr>
-            <a:r>
-              <a:rPr b="1" lang="en">
-                <a:solidFill>
-                  <a:srgbClr val="000000"/>
-                </a:solidFill>
-              </a:rPr>
-              <a:t>But first! </a:t>
-            </a:r>
-            <a:endParaRPr b="1">
-              <a:solidFill>
-                <a:srgbClr val="000000"/>
-              </a:solidFill>
-            </a:endParaRPr>
-          </a:p>
-          <a:p>
-            <a:pPr indent="0" lvl="0" marL="0" rtl="0" algn="ctr">
-              <a:lnSpc>
-                <a:spcPct val="100000"/>
-              </a:lnSpc>
-              <a:spcBef>
-                <a:spcPts val="0"/>
-              </a:spcBef>
-              <a:spcAft>
-                <a:spcPts val="0"/>
-              </a:spcAft>
-              <a:buSzPts val="5200"/>
-              <a:buNone/>
-            </a:pPr>
-            <a:r>
-              <a:t/>
-            </a:r>
-            <a:endParaRPr b="1">
-              <a:solidFill>
-                <a:srgbClr val="000000"/>
-              </a:solidFill>
-            </a:endParaRPr>
-          </a:p>
-          <a:p>
-            <a:pPr indent="0" lvl="0" marL="0" rtl="0" algn="ctr">
-              <a:lnSpc>
-                <a:spcPct val="100000"/>
-              </a:lnSpc>
-              <a:spcBef>
-                <a:spcPts val="0"/>
-              </a:spcBef>
-              <a:spcAft>
-                <a:spcPts val="0"/>
-              </a:spcAft>
-              <a:buSzPts val="5200"/>
-              <a:buNone/>
-            </a:pPr>
-            <a:br>
-              <a:rPr b="1" lang="en">
-                <a:solidFill>
-                  <a:srgbClr val="000000"/>
-                </a:solidFill>
-              </a:rPr>
-            </a:br>
-            <a:endParaRPr b="1">
-              <a:solidFill>
-                <a:srgbClr val="000000"/>
-              </a:solidFill>
-            </a:endParaRPr>
-          </a:p>
-        </p:txBody>
-      </p:sp>
-      <p:sp>
-        <p:nvSpPr>
-          <p:cNvPr id="62" name="Google Shape;62;p14"/>
-          <p:cNvSpPr txBox="1"/>
-          <p:nvPr>
-            <p:ph idx="12" type="sldNum"/>
-          </p:nvPr>
-        </p:nvSpPr>
-        <p:spPr>
-          <a:xfrm>
-            <a:off x="8472458" y="4663217"/>
-            <a:ext cx="548700" cy="393600"/>
-          </a:xfrm>
-          <a:prstGeom prst="rect">
-            <a:avLst/>
-          </a:prstGeom>
-        </p:spPr>
-        <p:txBody>
-          <a:bodyPr anchorCtr="0" anchor="ctr" bIns="91425" lIns="91425" spcFirstLastPara="1" rIns="91425" wrap="square" tIns="91425">
-            <a:noAutofit/>
-          </a:bodyPr>
-          <a:lstStyle/>
-          <a:p>
-            <a:pPr indent="0" lvl="0" marL="0" rtl="0" algn="r">
-              <a:spcBef>
-                <a:spcPts val="0"/>
-              </a:spcBef>
-              <a:spcAft>
-                <a:spcPts val="0"/>
-              </a:spcAft>
-              <a:buNone/>
-            </a:pPr>
-            <a:fld id="{00000000-1234-1234-1234-123412341234}" type="slidenum">
-              <a:rPr lang="en"/>
-              <a:t>‹#›</a:t>
-            </a:fld>
-            <a:endParaRPr/>
-          </a:p>
-        </p:txBody>
-      </p:sp>
-      <p:pic>
-        <p:nvPicPr>
-          <p:cNvPr id="63" name="Google Shape;63;p14"/>
-          <p:cNvPicPr preferRelativeResize="0"/>
-          <p:nvPr/>
-        </p:nvPicPr>
-        <p:blipFill>
-          <a:blip r:embed="rId3">
-            <a:alphaModFix/>
-          </a:blip>
-          <a:stretch>
-            <a:fillRect/>
-          </a:stretch>
-        </p:blipFill>
-        <p:spPr>
-          <a:xfrm>
-            <a:off x="3814475" y="1722650"/>
-            <a:ext cx="1515050" cy="1515050"/>
-          </a:xfrm>
-          <a:prstGeom prst="rect">
-            <a:avLst/>
-          </a:prstGeom>
-          <a:noFill/>
-          <a:ln>
-            <a:noFill/>
-          </a:ln>
-        </p:spPr>
-      </p:pic>
-    </p:spTree>
-  </p:cSld>
-  <p:clrMapOvr>
-    <a:masterClrMapping/>
-  </p:clrMapOvr>
-</p:sld>
-</file>
-
-<file path=ppt/slides/slide20.xml><?xml version="1.0" encoding="utf-8"?>
-<p:sld xmlns:a="http://schemas.openxmlformats.org/drawingml/2006/main" xmlns:r="http://schemas.openxmlformats.org/officeDocument/2006/relationships" xmlns:mc="http://schemas.openxmlformats.org/markup-compatibility/2006" xmlns:mv="urn:schemas-microsoft-com:mac:vml" xmlns:p="http://schemas.openxmlformats.org/presentationml/2006/main" xmlns:c="http://schemas.openxmlformats.org/drawingml/2006/chart" xmlns:dgm="http://schemas.openxmlformats.org/drawingml/2006/diagram" xmlns:o="urn:schemas-microsoft-com:office:office" xmlns:v="urn:schemas-microsoft-com:vml" xmlns:pvml="urn:schemas-microsoft-com:office:powerpoint" xmlns:com="http://schemas.openxmlformats.org/drawingml/2006/compatibility" xmlns:p14="http://schemas.microsoft.com/office/powerpoint/2010/main" xmlns:p15="http://schemas.microsoft.com/office/powerpoint/2012/main" xmlns:ahyp="http://schemas.microsoft.com/office/drawing/2018/hyperlinkcolor">
-  <p:cSld>
-    <p:spTree>
-      <p:nvGrpSpPr>
-        <p:cNvPr id="202" name="Shape 202"/>
-        <p:cNvGrpSpPr/>
-        <p:nvPr/>
-      </p:nvGrpSpPr>
-      <p:grpSpPr>
-        <a:xfrm>
-          <a:off x="0" y="0"/>
-          <a:ext cx="0" cy="0"/>
-          <a:chOff x="0" y="0"/>
-          <a:chExt cx="0" cy="0"/>
-        </a:xfrm>
-      </p:grpSpPr>
-      <p:sp>
-        <p:nvSpPr>
-          <p:cNvPr id="203" name="Google Shape;203;p32"/>
-          <p:cNvSpPr txBox="1"/>
-          <p:nvPr>
-            <p:ph type="title"/>
-          </p:nvPr>
-        </p:nvSpPr>
-        <p:spPr>
-          <a:xfrm>
-            <a:off x="311700" y="445025"/>
-            <a:ext cx="8520600" cy="572700"/>
-          </a:xfrm>
-          <a:prstGeom prst="rect">
-            <a:avLst/>
-          </a:prstGeom>
-        </p:spPr>
-        <p:txBody>
-          <a:bodyPr anchorCtr="0" anchor="t" bIns="91425" lIns="91425" spcFirstLastPara="1" rIns="91425" wrap="square" tIns="91425">
-            <a:noAutofit/>
-          </a:bodyPr>
-          <a:lstStyle/>
-          <a:p>
-            <a:pPr indent="0" lvl="0" marL="0" rtl="0" algn="l">
-              <a:spcBef>
-                <a:spcPts val="0"/>
-              </a:spcBef>
-              <a:spcAft>
-                <a:spcPts val="0"/>
-              </a:spcAft>
-              <a:buNone/>
-            </a:pPr>
-            <a:r>
-              <a:rPr lang="en"/>
-              <a:t>STDOUT – Standard Output</a:t>
-            </a:r>
-            <a:endParaRPr/>
-          </a:p>
-        </p:txBody>
-      </p:sp>
-      <p:sp>
-        <p:nvSpPr>
-          <p:cNvPr id="204" name="Google Shape;204;p32"/>
-          <p:cNvSpPr txBox="1"/>
-          <p:nvPr/>
-        </p:nvSpPr>
-        <p:spPr>
-          <a:xfrm>
-            <a:off x="1162800" y="1561850"/>
-            <a:ext cx="667500" cy="2593800"/>
-          </a:xfrm>
-          <a:prstGeom prst="rect">
-            <a:avLst/>
-          </a:prstGeom>
-          <a:noFill/>
-          <a:ln>
-            <a:noFill/>
-          </a:ln>
-        </p:spPr>
-        <p:txBody>
           <a:bodyPr anchorCtr="0" anchor="t" bIns="91425" lIns="91425" spcFirstLastPara="1" rIns="91425" wrap="square" tIns="91425">
             <a:noAutofit/>
           </a:bodyPr>
@@ -13126,7 +14069,7 @@
       </p:sp>
       <p:cxnSp>
         <p:nvCxnSpPr>
-          <p:cNvPr id="205" name="Google Shape;205;p32"/>
+          <p:cNvPr id="223" name="Google Shape;223;p34"/>
           <p:cNvCxnSpPr/>
           <p:nvPr/>
         </p:nvCxnSpPr>
@@ -13152,7 +14095,7 @@
       </p:cxnSp>
       <p:cxnSp>
         <p:nvCxnSpPr>
-          <p:cNvPr id="206" name="Google Shape;206;p32"/>
+          <p:cNvPr id="224" name="Google Shape;224;p34"/>
           <p:cNvCxnSpPr/>
           <p:nvPr/>
         </p:nvCxnSpPr>
@@ -13178,7 +14121,7 @@
       </p:cxnSp>
       <p:cxnSp>
         <p:nvCxnSpPr>
-          <p:cNvPr id="207" name="Google Shape;207;p32"/>
+          <p:cNvPr id="225" name="Google Shape;225;p34"/>
           <p:cNvCxnSpPr/>
           <p:nvPr/>
         </p:nvCxnSpPr>
@@ -13204,7 +14147,7 @@
       </p:cxnSp>
       <p:cxnSp>
         <p:nvCxnSpPr>
-          <p:cNvPr id="208" name="Google Shape;208;p32"/>
+          <p:cNvPr id="226" name="Google Shape;226;p34"/>
           <p:cNvCxnSpPr/>
           <p:nvPr/>
         </p:nvCxnSpPr>
@@ -13230,7 +14173,7 @@
       </p:cxnSp>
       <p:cxnSp>
         <p:nvCxnSpPr>
-          <p:cNvPr id="209" name="Google Shape;209;p32"/>
+          <p:cNvPr id="227" name="Google Shape;227;p34"/>
           <p:cNvCxnSpPr/>
           <p:nvPr/>
         </p:nvCxnSpPr>
@@ -13256,7 +14199,7 @@
       </p:cxnSp>
       <p:sp>
         <p:nvSpPr>
-          <p:cNvPr id="210" name="Google Shape;210;p32"/>
+          <p:cNvPr id="228" name="Google Shape;228;p34"/>
           <p:cNvSpPr/>
           <p:nvPr/>
         </p:nvSpPr>
@@ -13306,7 +14249,7 @@
       </p:sp>
       <p:cxnSp>
         <p:nvCxnSpPr>
-          <p:cNvPr id="211" name="Google Shape;211;p32"/>
+          <p:cNvPr id="229" name="Google Shape;229;p34"/>
           <p:cNvCxnSpPr/>
           <p:nvPr/>
         </p:nvCxnSpPr>
@@ -13332,7 +14275,7 @@
       </p:cxnSp>
       <p:pic>
         <p:nvPicPr>
-          <p:cNvPr id="212" name="Google Shape;212;p32"/>
+          <p:cNvPr id="230" name="Google Shape;230;p34"/>
           <p:cNvPicPr preferRelativeResize="0"/>
           <p:nvPr/>
         </p:nvPicPr>
@@ -13366,12 +14309,12 @@
 </p:sld>
 </file>
 
-<file path=ppt/slides/slide21.xml><?xml version="1.0" encoding="utf-8"?>
+<file path=ppt/slides/slide23.xml><?xml version="1.0" encoding="utf-8"?>
 <p:sld xmlns:a="http://schemas.openxmlformats.org/drawingml/2006/main" xmlns:r="http://schemas.openxmlformats.org/officeDocument/2006/relationships" xmlns:mc="http://schemas.openxmlformats.org/markup-compatibility/2006" xmlns:mv="urn:schemas-microsoft-com:mac:vml" xmlns:p="http://schemas.openxmlformats.org/presentationml/2006/main" xmlns:c="http://schemas.openxmlformats.org/drawingml/2006/chart" xmlns:dgm="http://schemas.openxmlformats.org/drawingml/2006/diagram" xmlns:o="urn:schemas-microsoft-com:office:office" xmlns:v="urn:schemas-microsoft-com:vml" xmlns:pvml="urn:schemas-microsoft-com:office:powerpoint" xmlns:com="http://schemas.openxmlformats.org/drawingml/2006/compatibility" xmlns:p14="http://schemas.microsoft.com/office/powerpoint/2010/main" xmlns:p15="http://schemas.microsoft.com/office/powerpoint/2012/main" xmlns:ahyp="http://schemas.microsoft.com/office/drawing/2018/hyperlinkcolor">
   <p:cSld>
     <p:spTree>
       <p:nvGrpSpPr>
-        <p:cNvPr id="216" name="Shape 216"/>
+        <p:cNvPr id="234" name="Shape 234"/>
         <p:cNvGrpSpPr/>
         <p:nvPr/>
       </p:nvGrpSpPr>
@@ -13385,7 +14328,7 @@
       </p:grpSpPr>
       <p:sp>
         <p:nvSpPr>
-          <p:cNvPr id="217" name="Google Shape;217;p33"/>
+          <p:cNvPr id="235" name="Google Shape;235;p35"/>
           <p:cNvSpPr txBox="1"/>
           <p:nvPr>
             <p:ph type="title"/>
@@ -13425,7 +14368,7 @@
       </p:sp>
       <p:sp>
         <p:nvSpPr>
-          <p:cNvPr id="218" name="Google Shape;218;p33"/>
+          <p:cNvPr id="236" name="Google Shape;236;p35"/>
           <p:cNvSpPr txBox="1"/>
           <p:nvPr/>
         </p:nvSpPr>
@@ -13596,7 +14539,7 @@
       </p:sp>
       <p:cxnSp>
         <p:nvCxnSpPr>
-          <p:cNvPr id="219" name="Google Shape;219;p33"/>
+          <p:cNvPr id="237" name="Google Shape;237;p35"/>
           <p:cNvCxnSpPr/>
           <p:nvPr/>
         </p:nvCxnSpPr>
@@ -13622,7 +14565,7 @@
       </p:cxnSp>
       <p:cxnSp>
         <p:nvCxnSpPr>
-          <p:cNvPr id="220" name="Google Shape;220;p33"/>
+          <p:cNvPr id="238" name="Google Shape;238;p35"/>
           <p:cNvCxnSpPr/>
           <p:nvPr/>
         </p:nvCxnSpPr>
@@ -13648,7 +14591,7 @@
       </p:cxnSp>
       <p:cxnSp>
         <p:nvCxnSpPr>
-          <p:cNvPr id="221" name="Google Shape;221;p33"/>
+          <p:cNvPr id="239" name="Google Shape;239;p35"/>
           <p:cNvCxnSpPr/>
           <p:nvPr/>
         </p:nvCxnSpPr>
@@ -13674,7 +14617,7 @@
       </p:cxnSp>
       <p:cxnSp>
         <p:nvCxnSpPr>
-          <p:cNvPr id="222" name="Google Shape;222;p33"/>
+          <p:cNvPr id="240" name="Google Shape;240;p35"/>
           <p:cNvCxnSpPr/>
           <p:nvPr/>
         </p:nvCxnSpPr>
@@ -13700,7 +14643,7 @@
       </p:cxnSp>
       <p:cxnSp>
         <p:nvCxnSpPr>
-          <p:cNvPr id="223" name="Google Shape;223;p33"/>
+          <p:cNvPr id="241" name="Google Shape;241;p35"/>
           <p:cNvCxnSpPr/>
           <p:nvPr/>
         </p:nvCxnSpPr>
@@ -13726,7 +14669,7 @@
       </p:cxnSp>
       <p:sp>
         <p:nvSpPr>
-          <p:cNvPr id="224" name="Google Shape;224;p33"/>
+          <p:cNvPr id="242" name="Google Shape;242;p35"/>
           <p:cNvSpPr/>
           <p:nvPr/>
         </p:nvSpPr>
@@ -13776,7 +14719,7 @@
       </p:sp>
       <p:cxnSp>
         <p:nvCxnSpPr>
-          <p:cNvPr id="225" name="Google Shape;225;p33"/>
+          <p:cNvPr id="243" name="Google Shape;243;p35"/>
           <p:cNvCxnSpPr/>
           <p:nvPr/>
         </p:nvCxnSpPr>
@@ -13802,7 +14745,7 @@
       </p:cxnSp>
       <p:pic>
         <p:nvPicPr>
-          <p:cNvPr id="226" name="Google Shape;226;p33"/>
+          <p:cNvPr id="244" name="Google Shape;244;p35"/>
           <p:cNvPicPr preferRelativeResize="0"/>
           <p:nvPr/>
         </p:nvPicPr>
@@ -13830,7 +14773,7 @@
       </p:pic>
       <p:cxnSp>
         <p:nvCxnSpPr>
-          <p:cNvPr id="227" name="Google Shape;227;p33"/>
+          <p:cNvPr id="245" name="Google Shape;245;p35"/>
           <p:cNvCxnSpPr/>
           <p:nvPr/>
         </p:nvCxnSpPr>
@@ -13856,7 +14799,7 @@
       </p:cxnSp>
       <p:sp>
         <p:nvSpPr>
-          <p:cNvPr id="228" name="Google Shape;228;p33"/>
+          <p:cNvPr id="246" name="Google Shape;246;p35"/>
           <p:cNvSpPr txBox="1"/>
           <p:nvPr/>
         </p:nvSpPr>
@@ -13929,7 +14872,7 @@
       </p:sp>
       <p:sp>
         <p:nvSpPr>
-          <p:cNvPr id="229" name="Google Shape;229;p33"/>
+          <p:cNvPr id="247" name="Google Shape;247;p35"/>
           <p:cNvSpPr txBox="1"/>
           <p:nvPr/>
         </p:nvSpPr>
@@ -13981,7 +14924,7 @@
       </p:sp>
       <p:sp>
         <p:nvSpPr>
-          <p:cNvPr id="230" name="Google Shape;230;p33"/>
+          <p:cNvPr id="248" name="Google Shape;248;p35"/>
           <p:cNvSpPr txBox="1"/>
           <p:nvPr/>
         </p:nvSpPr>
@@ -14023,7 +14966,7 @@
       </p:sp>
       <p:pic>
         <p:nvPicPr>
-          <p:cNvPr id="231" name="Google Shape;231;p33"/>
+          <p:cNvPr id="249" name="Google Shape;249;p35"/>
           <p:cNvPicPr preferRelativeResize="0"/>
           <p:nvPr/>
         </p:nvPicPr>
@@ -14057,12 +15000,12 @@
 </p:sld>
 </file>
 
-<file path=ppt/slides/slide22.xml><?xml version="1.0" encoding="utf-8"?>
+<file path=ppt/slides/slide24.xml><?xml version="1.0" encoding="utf-8"?>
 <p:sld xmlns:a="http://schemas.openxmlformats.org/drawingml/2006/main" xmlns:r="http://schemas.openxmlformats.org/officeDocument/2006/relationships" xmlns:mc="http://schemas.openxmlformats.org/markup-compatibility/2006" xmlns:mv="urn:schemas-microsoft-com:mac:vml" xmlns:p="http://schemas.openxmlformats.org/presentationml/2006/main" xmlns:c="http://schemas.openxmlformats.org/drawingml/2006/chart" xmlns:dgm="http://schemas.openxmlformats.org/drawingml/2006/diagram" xmlns:o="urn:schemas-microsoft-com:office:office" xmlns:v="urn:schemas-microsoft-com:vml" xmlns:pvml="urn:schemas-microsoft-com:office:powerpoint" xmlns:com="http://schemas.openxmlformats.org/drawingml/2006/compatibility" xmlns:p14="http://schemas.microsoft.com/office/powerpoint/2010/main" xmlns:p15="http://schemas.microsoft.com/office/powerpoint/2012/main" xmlns:ahyp="http://schemas.microsoft.com/office/drawing/2018/hyperlinkcolor">
   <p:cSld>
     <p:spTree>
       <p:nvGrpSpPr>
-        <p:cNvPr id="235" name="Shape 235"/>
+        <p:cNvPr id="253" name="Shape 253"/>
         <p:cNvGrpSpPr/>
         <p:nvPr/>
       </p:nvGrpSpPr>
@@ -14076,7 +15019,7 @@
       </p:grpSpPr>
       <p:sp>
         <p:nvSpPr>
-          <p:cNvPr id="236" name="Google Shape;236;p34"/>
+          <p:cNvPr id="254" name="Google Shape;254;p36"/>
           <p:cNvSpPr txBox="1"/>
           <p:nvPr>
             <p:ph type="title"/>
@@ -14116,7 +15059,7 @@
       </p:sp>
       <p:sp>
         <p:nvSpPr>
-          <p:cNvPr id="237" name="Google Shape;237;p34"/>
+          <p:cNvPr id="255" name="Google Shape;255;p36"/>
           <p:cNvSpPr txBox="1"/>
           <p:nvPr>
             <p:ph idx="1" type="body"/>
@@ -14247,7 +15190,7 @@
       </p:sp>
       <p:sp>
         <p:nvSpPr>
-          <p:cNvPr id="238" name="Google Shape;238;p34"/>
+          <p:cNvPr id="256" name="Google Shape;256;p36"/>
           <p:cNvSpPr txBox="1"/>
           <p:nvPr/>
         </p:nvSpPr>
@@ -15068,7 +16011,7 @@
       </p:sp>
       <p:sp>
         <p:nvSpPr>
-          <p:cNvPr id="239" name="Google Shape;239;p34"/>
+          <p:cNvPr id="257" name="Google Shape;257;p36"/>
           <p:cNvSpPr txBox="1"/>
           <p:nvPr/>
         </p:nvSpPr>
@@ -15152,12 +16095,12 @@
 </p:sld>
 </file>
 
-<file path=ppt/slides/slide23.xml><?xml version="1.0" encoding="utf-8"?>
+<file path=ppt/slides/slide25.xml><?xml version="1.0" encoding="utf-8"?>
 <p:sld xmlns:a="http://schemas.openxmlformats.org/drawingml/2006/main" xmlns:r="http://schemas.openxmlformats.org/officeDocument/2006/relationships" xmlns:mc="http://schemas.openxmlformats.org/markup-compatibility/2006" xmlns:mv="urn:schemas-microsoft-com:mac:vml" xmlns:p="http://schemas.openxmlformats.org/presentationml/2006/main" xmlns:c="http://schemas.openxmlformats.org/drawingml/2006/chart" xmlns:dgm="http://schemas.openxmlformats.org/drawingml/2006/diagram" xmlns:o="urn:schemas-microsoft-com:office:office" xmlns:v="urn:schemas-microsoft-com:vml" xmlns:pvml="urn:schemas-microsoft-com:office:powerpoint" xmlns:com="http://schemas.openxmlformats.org/drawingml/2006/compatibility" xmlns:p14="http://schemas.microsoft.com/office/powerpoint/2010/main" xmlns:p15="http://schemas.microsoft.com/office/powerpoint/2012/main" xmlns:ahyp="http://schemas.microsoft.com/office/drawing/2018/hyperlinkcolor">
   <p:cSld>
     <p:spTree>
       <p:nvGrpSpPr>
-        <p:cNvPr id="243" name="Shape 243"/>
+        <p:cNvPr id="261" name="Shape 261"/>
         <p:cNvGrpSpPr/>
         <p:nvPr/>
       </p:nvGrpSpPr>
@@ -15171,7 +16114,7 @@
       </p:grpSpPr>
       <p:sp>
         <p:nvSpPr>
-          <p:cNvPr id="244" name="Google Shape;244;p35"/>
+          <p:cNvPr id="262" name="Google Shape;262;p37"/>
           <p:cNvSpPr txBox="1"/>
           <p:nvPr>
             <p:ph type="title"/>
@@ -15215,7 +16158,7 @@
       </p:sp>
       <p:sp>
         <p:nvSpPr>
-          <p:cNvPr id="245" name="Google Shape;245;p35"/>
+          <p:cNvPr id="263" name="Google Shape;263;p37"/>
           <p:cNvSpPr txBox="1"/>
           <p:nvPr>
             <p:ph idx="1" type="body"/>
@@ -15492,7 +16435,7 @@
       </p:sp>
       <p:sp>
         <p:nvSpPr>
-          <p:cNvPr id="246" name="Google Shape;246;p35"/>
+          <p:cNvPr id="264" name="Google Shape;264;p37"/>
           <p:cNvSpPr txBox="1"/>
           <p:nvPr>
             <p:ph idx="2" type="body"/>
@@ -15914,12 +16857,12 @@
 </p:sld>
 </file>
 
-<file path=ppt/slides/slide24.xml><?xml version="1.0" encoding="utf-8"?>
+<file path=ppt/slides/slide26.xml><?xml version="1.0" encoding="utf-8"?>
 <p:sld xmlns:a="http://schemas.openxmlformats.org/drawingml/2006/main" xmlns:r="http://schemas.openxmlformats.org/officeDocument/2006/relationships" xmlns:mc="http://schemas.openxmlformats.org/markup-compatibility/2006" xmlns:mv="urn:schemas-microsoft-com:mac:vml" xmlns:p="http://schemas.openxmlformats.org/presentationml/2006/main" xmlns:c="http://schemas.openxmlformats.org/drawingml/2006/chart" xmlns:dgm="http://schemas.openxmlformats.org/drawingml/2006/diagram" xmlns:o="urn:schemas-microsoft-com:office:office" xmlns:v="urn:schemas-microsoft-com:vml" xmlns:pvml="urn:schemas-microsoft-com:office:powerpoint" xmlns:com="http://schemas.openxmlformats.org/drawingml/2006/compatibility" xmlns:p14="http://schemas.microsoft.com/office/powerpoint/2010/main" xmlns:p15="http://schemas.microsoft.com/office/powerpoint/2012/main" xmlns:ahyp="http://schemas.microsoft.com/office/drawing/2018/hyperlinkcolor">
   <p:cSld>
     <p:spTree>
       <p:nvGrpSpPr>
-        <p:cNvPr id="250" name="Shape 250"/>
+        <p:cNvPr id="268" name="Shape 268"/>
         <p:cNvGrpSpPr/>
         <p:nvPr/>
       </p:nvGrpSpPr>
@@ -15933,7 +16876,7 @@
       </p:grpSpPr>
       <p:sp>
         <p:nvSpPr>
-          <p:cNvPr id="251" name="Google Shape;251;p36"/>
+          <p:cNvPr id="269" name="Google Shape;269;p38"/>
           <p:cNvSpPr txBox="1"/>
           <p:nvPr>
             <p:ph type="title"/>
@@ -15973,7 +16916,7 @@
       </p:sp>
       <p:sp>
         <p:nvSpPr>
-          <p:cNvPr id="252" name="Google Shape;252;p36"/>
+          <p:cNvPr id="270" name="Google Shape;270;p38"/>
           <p:cNvSpPr txBox="1"/>
           <p:nvPr/>
         </p:nvSpPr>
@@ -16144,7 +17087,7 @@
       </p:sp>
       <p:cxnSp>
         <p:nvCxnSpPr>
-          <p:cNvPr id="253" name="Google Shape;253;p36"/>
+          <p:cNvPr id="271" name="Google Shape;271;p38"/>
           <p:cNvCxnSpPr/>
           <p:nvPr/>
         </p:nvCxnSpPr>
@@ -16170,7 +17113,7 @@
       </p:cxnSp>
       <p:cxnSp>
         <p:nvCxnSpPr>
-          <p:cNvPr id="254" name="Google Shape;254;p36"/>
+          <p:cNvPr id="272" name="Google Shape;272;p38"/>
           <p:cNvCxnSpPr/>
           <p:nvPr/>
         </p:nvCxnSpPr>
@@ -16196,7 +17139,7 @@
       </p:cxnSp>
       <p:cxnSp>
         <p:nvCxnSpPr>
-          <p:cNvPr id="255" name="Google Shape;255;p36"/>
+          <p:cNvPr id="273" name="Google Shape;273;p38"/>
           <p:cNvCxnSpPr/>
           <p:nvPr/>
         </p:nvCxnSpPr>
@@ -16222,7 +17165,7 @@
       </p:cxnSp>
       <p:cxnSp>
         <p:nvCxnSpPr>
-          <p:cNvPr id="256" name="Google Shape;256;p36"/>
+          <p:cNvPr id="274" name="Google Shape;274;p38"/>
           <p:cNvCxnSpPr/>
           <p:nvPr/>
         </p:nvCxnSpPr>
@@ -16248,7 +17191,7 @@
       </p:cxnSp>
       <p:cxnSp>
         <p:nvCxnSpPr>
-          <p:cNvPr id="257" name="Google Shape;257;p36"/>
+          <p:cNvPr id="275" name="Google Shape;275;p38"/>
           <p:cNvCxnSpPr/>
           <p:nvPr/>
         </p:nvCxnSpPr>
@@ -16274,7 +17217,7 @@
       </p:cxnSp>
       <p:sp>
         <p:nvSpPr>
-          <p:cNvPr id="258" name="Google Shape;258;p36"/>
+          <p:cNvPr id="276" name="Google Shape;276;p38"/>
           <p:cNvSpPr/>
           <p:nvPr/>
         </p:nvSpPr>
@@ -16324,7 +17267,7 @@
       </p:sp>
       <p:cxnSp>
         <p:nvCxnSpPr>
-          <p:cNvPr id="259" name="Google Shape;259;p36"/>
+          <p:cNvPr id="277" name="Google Shape;277;p38"/>
           <p:cNvCxnSpPr/>
           <p:nvPr/>
         </p:nvCxnSpPr>
@@ -16350,7 +17293,7 @@
       </p:cxnSp>
       <p:pic>
         <p:nvPicPr>
-          <p:cNvPr id="260" name="Google Shape;260;p36"/>
+          <p:cNvPr id="278" name="Google Shape;278;p38"/>
           <p:cNvPicPr preferRelativeResize="0"/>
           <p:nvPr/>
         </p:nvPicPr>
@@ -16378,7 +17321,7 @@
       </p:pic>
       <p:cxnSp>
         <p:nvCxnSpPr>
-          <p:cNvPr id="261" name="Google Shape;261;p36"/>
+          <p:cNvPr id="279" name="Google Shape;279;p38"/>
           <p:cNvCxnSpPr/>
           <p:nvPr/>
         </p:nvCxnSpPr>
@@ -16404,7 +17347,7 @@
       </p:cxnSp>
       <p:sp>
         <p:nvSpPr>
-          <p:cNvPr id="262" name="Google Shape;262;p36"/>
+          <p:cNvPr id="280" name="Google Shape;280;p38"/>
           <p:cNvSpPr txBox="1"/>
           <p:nvPr/>
         </p:nvSpPr>
@@ -16446,7 +17389,7 @@
       </p:sp>
       <p:sp>
         <p:nvSpPr>
-          <p:cNvPr id="263" name="Google Shape;263;p36"/>
+          <p:cNvPr id="281" name="Google Shape;281;p38"/>
           <p:cNvSpPr txBox="1"/>
           <p:nvPr/>
         </p:nvSpPr>
@@ -16519,7 +17462,7 @@
       </p:sp>
       <p:pic>
         <p:nvPicPr>
-          <p:cNvPr id="264" name="Google Shape;264;p36"/>
+          <p:cNvPr id="282" name="Google Shape;282;p38"/>
           <p:cNvPicPr preferRelativeResize="0"/>
           <p:nvPr/>
         </p:nvPicPr>
@@ -16547,7 +17490,7 @@
       </p:pic>
       <p:sp>
         <p:nvSpPr>
-          <p:cNvPr id="265" name="Google Shape;265;p36"/>
+          <p:cNvPr id="283" name="Google Shape;283;p38"/>
           <p:cNvSpPr txBox="1"/>
           <p:nvPr/>
         </p:nvSpPr>
@@ -16599,7 +17542,7 @@
       </p:sp>
       <p:cxnSp>
         <p:nvCxnSpPr>
-          <p:cNvPr id="266" name="Google Shape;266;p36"/>
+          <p:cNvPr id="284" name="Google Shape;284;p38"/>
           <p:cNvCxnSpPr/>
           <p:nvPr/>
         </p:nvCxnSpPr>
@@ -16625,7 +17568,7 @@
       </p:cxnSp>
       <p:sp>
         <p:nvSpPr>
-          <p:cNvPr id="267" name="Google Shape;267;p36"/>
+          <p:cNvPr id="285" name="Google Shape;285;p38"/>
           <p:cNvSpPr txBox="1"/>
           <p:nvPr/>
         </p:nvSpPr>
@@ -16698,7 +17641,7 @@
       </p:sp>
       <p:pic>
         <p:nvPicPr>
-          <p:cNvPr id="268" name="Google Shape;268;p36"/>
+          <p:cNvPr id="286" name="Google Shape;286;p38"/>
           <p:cNvPicPr preferRelativeResize="0"/>
           <p:nvPr/>
         </p:nvPicPr>
@@ -16726,7 +17669,7 @@
       </p:pic>
       <p:sp>
         <p:nvSpPr>
-          <p:cNvPr id="269" name="Google Shape;269;p36"/>
+          <p:cNvPr id="287" name="Google Shape;287;p38"/>
           <p:cNvSpPr txBox="1"/>
           <p:nvPr/>
         </p:nvSpPr>
@@ -16774,12 +17717,12 @@
 </p:sld>
 </file>
 
-<file path=ppt/slides/slide25.xml><?xml version="1.0" encoding="utf-8"?>
+<file path=ppt/slides/slide27.xml><?xml version="1.0" encoding="utf-8"?>
 <p:sld xmlns:a="http://schemas.openxmlformats.org/drawingml/2006/main" xmlns:r="http://schemas.openxmlformats.org/officeDocument/2006/relationships" xmlns:mc="http://schemas.openxmlformats.org/markup-compatibility/2006" xmlns:mv="urn:schemas-microsoft-com:mac:vml" xmlns:p="http://schemas.openxmlformats.org/presentationml/2006/main" xmlns:c="http://schemas.openxmlformats.org/drawingml/2006/chart" xmlns:dgm="http://schemas.openxmlformats.org/drawingml/2006/diagram" xmlns:o="urn:schemas-microsoft-com:office:office" xmlns:v="urn:schemas-microsoft-com:vml" xmlns:pvml="urn:schemas-microsoft-com:office:powerpoint" xmlns:com="http://schemas.openxmlformats.org/drawingml/2006/compatibility" xmlns:p14="http://schemas.microsoft.com/office/powerpoint/2010/main" xmlns:p15="http://schemas.microsoft.com/office/powerpoint/2012/main" xmlns:ahyp="http://schemas.microsoft.com/office/drawing/2018/hyperlinkcolor">
   <p:cSld>
     <p:spTree>
       <p:nvGrpSpPr>
-        <p:cNvPr id="273" name="Shape 273"/>
+        <p:cNvPr id="291" name="Shape 291"/>
         <p:cNvGrpSpPr/>
         <p:nvPr/>
       </p:nvGrpSpPr>
@@ -16793,7 +17736,7 @@
       </p:grpSpPr>
       <p:sp>
         <p:nvSpPr>
-          <p:cNvPr id="274" name="Google Shape;274;p37"/>
+          <p:cNvPr id="292" name="Google Shape;292;p39"/>
           <p:cNvSpPr txBox="1"/>
           <p:nvPr>
             <p:ph type="title"/>
@@ -16833,7 +17776,7 @@
       </p:sp>
       <p:sp>
         <p:nvSpPr>
-          <p:cNvPr id="275" name="Google Shape;275;p37"/>
+          <p:cNvPr id="293" name="Google Shape;293;p39"/>
           <p:cNvSpPr txBox="1"/>
           <p:nvPr>
             <p:ph idx="1" type="body"/>
@@ -16964,7 +17907,7 @@
       </p:sp>
       <p:sp>
         <p:nvSpPr>
-          <p:cNvPr id="276" name="Google Shape;276;p37"/>
+          <p:cNvPr id="294" name="Google Shape;294;p39"/>
           <p:cNvSpPr txBox="1"/>
           <p:nvPr/>
         </p:nvSpPr>
@@ -17660,7 +18603,7 @@
       </p:sp>
       <p:sp>
         <p:nvSpPr>
-          <p:cNvPr id="277" name="Google Shape;277;p37"/>
+          <p:cNvPr id="295" name="Google Shape;295;p39"/>
           <p:cNvSpPr txBox="1"/>
           <p:nvPr/>
         </p:nvSpPr>
@@ -17738,7 +18681,7 @@
       </p:sp>
       <p:sp>
         <p:nvSpPr>
-          <p:cNvPr id="278" name="Google Shape;278;p37"/>
+          <p:cNvPr id="296" name="Google Shape;296;p39"/>
           <p:cNvSpPr txBox="1"/>
           <p:nvPr/>
         </p:nvSpPr>
@@ -17790,7 +18733,7 @@
       </p:sp>
       <p:sp>
         <p:nvSpPr>
-          <p:cNvPr id="279" name="Google Shape;279;p37"/>
+          <p:cNvPr id="297" name="Google Shape;297;p39"/>
           <p:cNvSpPr/>
           <p:nvPr/>
         </p:nvSpPr>
@@ -17837,7 +18780,7 @@
       </p:sp>
       <p:cxnSp>
         <p:nvCxnSpPr>
-          <p:cNvPr id="280" name="Google Shape;280;p37"/>
+          <p:cNvPr id="298" name="Google Shape;298;p39"/>
           <p:cNvCxnSpPr/>
           <p:nvPr/>
         </p:nvCxnSpPr>
@@ -17869,12 +18812,12 @@
 </p:sld>
 </file>
 
-<file path=ppt/slides/slide26.xml><?xml version="1.0" encoding="utf-8"?>
+<file path=ppt/slides/slide28.xml><?xml version="1.0" encoding="utf-8"?>
 <p:sld xmlns:a="http://schemas.openxmlformats.org/drawingml/2006/main" xmlns:r="http://schemas.openxmlformats.org/officeDocument/2006/relationships" xmlns:mc="http://schemas.openxmlformats.org/markup-compatibility/2006" xmlns:mv="urn:schemas-microsoft-com:mac:vml" xmlns:p="http://schemas.openxmlformats.org/presentationml/2006/main" xmlns:c="http://schemas.openxmlformats.org/drawingml/2006/chart" xmlns:dgm="http://schemas.openxmlformats.org/drawingml/2006/diagram" xmlns:o="urn:schemas-microsoft-com:office:office" xmlns:v="urn:schemas-microsoft-com:vml" xmlns:pvml="urn:schemas-microsoft-com:office:powerpoint" xmlns:com="http://schemas.openxmlformats.org/drawingml/2006/compatibility" xmlns:p14="http://schemas.microsoft.com/office/powerpoint/2010/main" xmlns:p15="http://schemas.microsoft.com/office/powerpoint/2012/main" xmlns:ahyp="http://schemas.microsoft.com/office/drawing/2018/hyperlinkcolor">
   <p:cSld>
     <p:spTree>
       <p:nvGrpSpPr>
-        <p:cNvPr id="284" name="Shape 284"/>
+        <p:cNvPr id="302" name="Shape 302"/>
         <p:cNvGrpSpPr/>
         <p:nvPr/>
       </p:nvGrpSpPr>
@@ -17888,7 +18831,7 @@
       </p:grpSpPr>
       <p:sp>
         <p:nvSpPr>
-          <p:cNvPr id="285" name="Google Shape;285;p38"/>
+          <p:cNvPr id="303" name="Google Shape;303;p40"/>
           <p:cNvSpPr txBox="1"/>
           <p:nvPr>
             <p:ph type="title"/>
@@ -17928,7 +18871,7 @@
       </p:sp>
       <p:sp>
         <p:nvSpPr>
-          <p:cNvPr id="286" name="Google Shape;286;p38"/>
+          <p:cNvPr id="304" name="Google Shape;304;p40"/>
           <p:cNvSpPr txBox="1"/>
           <p:nvPr/>
         </p:nvSpPr>
@@ -18099,7 +19042,7 @@
       </p:sp>
       <p:cxnSp>
         <p:nvCxnSpPr>
-          <p:cNvPr id="287" name="Google Shape;287;p38"/>
+          <p:cNvPr id="305" name="Google Shape;305;p40"/>
           <p:cNvCxnSpPr/>
           <p:nvPr/>
         </p:nvCxnSpPr>
@@ -18125,7 +19068,7 @@
       </p:cxnSp>
       <p:cxnSp>
         <p:nvCxnSpPr>
-          <p:cNvPr id="288" name="Google Shape;288;p38"/>
+          <p:cNvPr id="306" name="Google Shape;306;p40"/>
           <p:cNvCxnSpPr/>
           <p:nvPr/>
         </p:nvCxnSpPr>
@@ -18151,7 +19094,7 @@
       </p:cxnSp>
       <p:cxnSp>
         <p:nvCxnSpPr>
-          <p:cNvPr id="289" name="Google Shape;289;p38"/>
+          <p:cNvPr id="307" name="Google Shape;307;p40"/>
           <p:cNvCxnSpPr/>
           <p:nvPr/>
         </p:nvCxnSpPr>
@@ -18177,7 +19120,7 @@
       </p:cxnSp>
       <p:cxnSp>
         <p:nvCxnSpPr>
-          <p:cNvPr id="290" name="Google Shape;290;p38"/>
+          <p:cNvPr id="308" name="Google Shape;308;p40"/>
           <p:cNvCxnSpPr/>
           <p:nvPr/>
         </p:nvCxnSpPr>
@@ -18203,7 +19146,7 @@
       </p:cxnSp>
       <p:cxnSp>
         <p:nvCxnSpPr>
-          <p:cNvPr id="291" name="Google Shape;291;p38"/>
+          <p:cNvPr id="309" name="Google Shape;309;p40"/>
           <p:cNvCxnSpPr/>
           <p:nvPr/>
         </p:nvCxnSpPr>
@@ -18229,7 +19172,7 @@
       </p:cxnSp>
       <p:sp>
         <p:nvSpPr>
-          <p:cNvPr id="292" name="Google Shape;292;p38"/>
+          <p:cNvPr id="310" name="Google Shape;310;p40"/>
           <p:cNvSpPr/>
           <p:nvPr/>
         </p:nvSpPr>
@@ -18279,7 +19222,7 @@
       </p:sp>
       <p:sp>
         <p:nvSpPr>
-          <p:cNvPr id="293" name="Google Shape;293;p38"/>
+          <p:cNvPr id="311" name="Google Shape;311;p40"/>
           <p:cNvSpPr/>
           <p:nvPr/>
         </p:nvSpPr>
@@ -18329,7 +19272,7 @@
       </p:sp>
       <p:cxnSp>
         <p:nvCxnSpPr>
-          <p:cNvPr id="294" name="Google Shape;294;p38"/>
+          <p:cNvPr id="312" name="Google Shape;312;p40"/>
           <p:cNvCxnSpPr/>
           <p:nvPr/>
         </p:nvCxnSpPr>
@@ -18355,7 +19298,7 @@
       </p:cxnSp>
       <p:cxnSp>
         <p:nvCxnSpPr>
-          <p:cNvPr id="295" name="Google Shape;295;p38"/>
+          <p:cNvPr id="313" name="Google Shape;313;p40"/>
           <p:cNvCxnSpPr/>
           <p:nvPr/>
         </p:nvCxnSpPr>
@@ -18381,7 +19324,7 @@
       </p:cxnSp>
       <p:cxnSp>
         <p:nvCxnSpPr>
-          <p:cNvPr id="296" name="Google Shape;296;p38"/>
+          <p:cNvPr id="314" name="Google Shape;314;p40"/>
           <p:cNvCxnSpPr/>
           <p:nvPr/>
         </p:nvCxnSpPr>
@@ -18407,7 +19350,7 @@
       </p:cxnSp>
       <p:cxnSp>
         <p:nvCxnSpPr>
-          <p:cNvPr id="297" name="Google Shape;297;p38"/>
+          <p:cNvPr id="315" name="Google Shape;315;p40"/>
           <p:cNvCxnSpPr/>
           <p:nvPr/>
         </p:nvCxnSpPr>
@@ -18433,7 +19376,7 @@
       </p:cxnSp>
       <p:cxnSp>
         <p:nvCxnSpPr>
-          <p:cNvPr id="298" name="Google Shape;298;p38"/>
+          <p:cNvPr id="316" name="Google Shape;316;p40"/>
           <p:cNvCxnSpPr/>
           <p:nvPr/>
         </p:nvCxnSpPr>
@@ -18459,7 +19402,7 @@
       </p:cxnSp>
       <p:pic>
         <p:nvPicPr>
-          <p:cNvPr id="299" name="Google Shape;299;p38"/>
+          <p:cNvPr id="317" name="Google Shape;317;p40"/>
           <p:cNvPicPr preferRelativeResize="0"/>
           <p:nvPr/>
         </p:nvPicPr>
@@ -18493,12 +19436,12 @@
 </p:sld>
 </file>
 
-<file path=ppt/slides/slide27.xml><?xml version="1.0" encoding="utf-8"?>
+<file path=ppt/slides/slide29.xml><?xml version="1.0" encoding="utf-8"?>
 <p:sld xmlns:a="http://schemas.openxmlformats.org/drawingml/2006/main" xmlns:r="http://schemas.openxmlformats.org/officeDocument/2006/relationships" xmlns:mc="http://schemas.openxmlformats.org/markup-compatibility/2006" xmlns:mv="urn:schemas-microsoft-com:mac:vml" xmlns:p="http://schemas.openxmlformats.org/presentationml/2006/main" xmlns:c="http://schemas.openxmlformats.org/drawingml/2006/chart" xmlns:dgm="http://schemas.openxmlformats.org/drawingml/2006/diagram" xmlns:o="urn:schemas-microsoft-com:office:office" xmlns:v="urn:schemas-microsoft-com:vml" xmlns:pvml="urn:schemas-microsoft-com:office:powerpoint" xmlns:com="http://schemas.openxmlformats.org/drawingml/2006/compatibility" xmlns:p14="http://schemas.microsoft.com/office/powerpoint/2010/main" xmlns:p15="http://schemas.microsoft.com/office/powerpoint/2012/main" xmlns:ahyp="http://schemas.microsoft.com/office/drawing/2018/hyperlinkcolor">
   <p:cSld>
     <p:spTree>
       <p:nvGrpSpPr>
-        <p:cNvPr id="303" name="Shape 303"/>
+        <p:cNvPr id="321" name="Shape 321"/>
         <p:cNvGrpSpPr/>
         <p:nvPr/>
       </p:nvGrpSpPr>
@@ -18512,7 +19455,7 @@
       </p:grpSpPr>
       <p:sp>
         <p:nvSpPr>
-          <p:cNvPr id="304" name="Google Shape;304;p39"/>
+          <p:cNvPr id="322" name="Google Shape;322;p41"/>
           <p:cNvSpPr txBox="1"/>
           <p:nvPr>
             <p:ph type="title"/>
@@ -18552,7 +19495,7 @@
       </p:sp>
       <p:grpSp>
         <p:nvGrpSpPr>
-          <p:cNvPr id="305" name="Google Shape;305;p39"/>
+          <p:cNvPr id="323" name="Google Shape;323;p41"/>
           <p:cNvGrpSpPr/>
           <p:nvPr/>
         </p:nvGrpSpPr>
@@ -18566,7 +19509,7 @@
         </p:grpSpPr>
         <p:sp>
           <p:nvSpPr>
-            <p:cNvPr id="306" name="Google Shape;306;p39"/>
+            <p:cNvPr id="324" name="Google Shape;324;p41"/>
             <p:cNvSpPr txBox="1"/>
             <p:nvPr/>
           </p:nvSpPr>
@@ -18618,7 +19561,7 @@
         </p:sp>
         <p:sp>
           <p:nvSpPr>
-            <p:cNvPr id="307" name="Google Shape;307;p39"/>
+            <p:cNvPr id="325" name="Google Shape;325;p41"/>
             <p:cNvSpPr txBox="1"/>
             <p:nvPr/>
           </p:nvSpPr>
@@ -18670,7 +19613,7 @@
         </p:sp>
         <p:sp>
           <p:nvSpPr>
-            <p:cNvPr id="308" name="Google Shape;308;p39"/>
+            <p:cNvPr id="326" name="Google Shape;326;p41"/>
             <p:cNvSpPr txBox="1"/>
             <p:nvPr/>
           </p:nvSpPr>
@@ -18722,7 +19665,7 @@
         </p:sp>
         <p:sp>
           <p:nvSpPr>
-            <p:cNvPr id="309" name="Google Shape;309;p39"/>
+            <p:cNvPr id="327" name="Google Shape;327;p41"/>
             <p:cNvSpPr txBox="1"/>
             <p:nvPr/>
           </p:nvSpPr>
@@ -18774,7 +19717,7 @@
         </p:sp>
         <p:sp>
           <p:nvSpPr>
-            <p:cNvPr id="310" name="Google Shape;310;p39"/>
+            <p:cNvPr id="328" name="Google Shape;328;p41"/>
             <p:cNvSpPr txBox="1"/>
             <p:nvPr/>
           </p:nvSpPr>
@@ -18826,7 +19769,7 @@
         </p:sp>
         <p:sp>
           <p:nvSpPr>
-            <p:cNvPr id="311" name="Google Shape;311;p39"/>
+            <p:cNvPr id="329" name="Google Shape;329;p41"/>
             <p:cNvSpPr txBox="1"/>
             <p:nvPr/>
           </p:nvSpPr>
@@ -18878,7 +19821,7 @@
         </p:sp>
         <p:sp>
           <p:nvSpPr>
-            <p:cNvPr id="312" name="Google Shape;312;p39"/>
+            <p:cNvPr id="330" name="Google Shape;330;p41"/>
             <p:cNvSpPr txBox="1"/>
             <p:nvPr/>
           </p:nvSpPr>
@@ -18930,7 +19873,7 @@
         </p:sp>
         <p:sp>
           <p:nvSpPr>
-            <p:cNvPr id="313" name="Google Shape;313;p39"/>
+            <p:cNvPr id="331" name="Google Shape;331;p41"/>
             <p:cNvSpPr txBox="1"/>
             <p:nvPr/>
           </p:nvSpPr>
@@ -18982,7 +19925,7 @@
         </p:sp>
         <p:sp>
           <p:nvSpPr>
-            <p:cNvPr id="314" name="Google Shape;314;p39"/>
+            <p:cNvPr id="332" name="Google Shape;332;p41"/>
             <p:cNvSpPr txBox="1"/>
             <p:nvPr/>
           </p:nvSpPr>
@@ -19034,7 +19977,7 @@
         </p:sp>
         <p:sp>
           <p:nvSpPr>
-            <p:cNvPr id="315" name="Google Shape;315;p39"/>
+            <p:cNvPr id="333" name="Google Shape;333;p41"/>
             <p:cNvSpPr txBox="1"/>
             <p:nvPr/>
           </p:nvSpPr>
@@ -19087,7 +20030,7 @@
       </p:grpSp>
       <p:grpSp>
         <p:nvGrpSpPr>
-          <p:cNvPr id="316" name="Google Shape;316;p39"/>
+          <p:cNvPr id="334" name="Google Shape;334;p41"/>
           <p:cNvGrpSpPr/>
           <p:nvPr/>
         </p:nvGrpSpPr>
@@ -19101,10 +20044,10 @@
         </p:grpSpPr>
         <p:cxnSp>
           <p:nvCxnSpPr>
-            <p:cNvPr id="317" name="Google Shape;317;p39"/>
+            <p:cNvPr id="335" name="Google Shape;335;p41"/>
             <p:cNvCxnSpPr>
-              <a:stCxn id="306" idx="2"/>
-              <a:endCxn id="311" idx="3"/>
+              <a:stCxn id="324" idx="2"/>
+              <a:endCxn id="329" idx="3"/>
             </p:cNvCxnSpPr>
             <p:nvPr/>
           </p:nvCxnSpPr>
@@ -19130,10 +20073,10 @@
         </p:cxnSp>
         <p:cxnSp>
           <p:nvCxnSpPr>
-            <p:cNvPr id="318" name="Google Shape;318;p39"/>
+            <p:cNvPr id="336" name="Google Shape;336;p41"/>
             <p:cNvCxnSpPr>
-              <a:stCxn id="311" idx="3"/>
-              <a:endCxn id="314" idx="1"/>
+              <a:stCxn id="329" idx="3"/>
+              <a:endCxn id="332" idx="1"/>
             </p:cNvCxnSpPr>
             <p:nvPr/>
           </p:nvCxnSpPr>
@@ -19159,10 +20102,10 @@
         </p:cxnSp>
         <p:cxnSp>
           <p:nvCxnSpPr>
-            <p:cNvPr id="319" name="Google Shape;319;p39"/>
+            <p:cNvPr id="337" name="Google Shape;337;p41"/>
             <p:cNvCxnSpPr>
-              <a:stCxn id="314" idx="1"/>
-              <a:endCxn id="308" idx="2"/>
+              <a:stCxn id="332" idx="1"/>
+              <a:endCxn id="326" idx="2"/>
             </p:cNvCxnSpPr>
             <p:nvPr/>
           </p:nvCxnSpPr>
@@ -19189,10 +20132,10 @@
       </p:grpSp>
       <p:cxnSp>
         <p:nvCxnSpPr>
-          <p:cNvPr id="320" name="Google Shape;320;p39"/>
+          <p:cNvPr id="338" name="Google Shape;338;p41"/>
           <p:cNvCxnSpPr>
-            <a:stCxn id="307" idx="2"/>
-            <a:endCxn id="313" idx="0"/>
+            <a:stCxn id="325" idx="2"/>
+            <a:endCxn id="331" idx="0"/>
           </p:cNvCxnSpPr>
           <p:nvPr/>
         </p:nvCxnSpPr>
@@ -19218,10 +20161,10 @@
       </p:cxnSp>
       <p:cxnSp>
         <p:nvCxnSpPr>
-          <p:cNvPr id="321" name="Google Shape;321;p39"/>
+          <p:cNvPr id="339" name="Google Shape;339;p41"/>
           <p:cNvCxnSpPr>
-            <a:stCxn id="313" idx="0"/>
-            <a:endCxn id="306" idx="2"/>
+            <a:stCxn id="331" idx="0"/>
+            <a:endCxn id="324" idx="2"/>
           </p:cNvCxnSpPr>
           <p:nvPr/>
         </p:nvCxnSpPr>
@@ -19247,10 +20190,10 @@
       </p:cxnSp>
       <p:cxnSp>
         <p:nvCxnSpPr>
-          <p:cNvPr id="322" name="Google Shape;322;p39"/>
+          <p:cNvPr id="340" name="Google Shape;340;p41"/>
           <p:cNvCxnSpPr>
-            <a:stCxn id="308" idx="1"/>
-            <a:endCxn id="307" idx="3"/>
+            <a:stCxn id="326" idx="1"/>
+            <a:endCxn id="325" idx="3"/>
           </p:cNvCxnSpPr>
           <p:nvPr/>
         </p:nvCxnSpPr>
@@ -19276,10 +20219,10 @@
       </p:cxnSp>
       <p:cxnSp>
         <p:nvCxnSpPr>
-          <p:cNvPr id="323" name="Google Shape;323;p39"/>
+          <p:cNvPr id="341" name="Google Shape;341;p41"/>
           <p:cNvCxnSpPr>
-            <a:stCxn id="307" idx="3"/>
-            <a:endCxn id="310" idx="3"/>
+            <a:stCxn id="325" idx="3"/>
+            <a:endCxn id="328" idx="3"/>
           </p:cNvCxnSpPr>
           <p:nvPr/>
         </p:nvCxnSpPr>
@@ -19303,653 +20246,6 @@
           </a:ln>
         </p:spPr>
       </p:cxnSp>
-    </p:spTree>
-  </p:cSld>
-  <p:clrMapOvr>
-    <a:masterClrMapping/>
-  </p:clrMapOvr>
-</p:sld>
-</file>
-
-<file path=ppt/slides/slide28.xml><?xml version="1.0" encoding="utf-8"?>
-<p:sld xmlns:a="http://schemas.openxmlformats.org/drawingml/2006/main" xmlns:r="http://schemas.openxmlformats.org/officeDocument/2006/relationships" xmlns:mc="http://schemas.openxmlformats.org/markup-compatibility/2006" xmlns:mv="urn:schemas-microsoft-com:mac:vml" xmlns:p="http://schemas.openxmlformats.org/presentationml/2006/main" xmlns:c="http://schemas.openxmlformats.org/drawingml/2006/chart" xmlns:dgm="http://schemas.openxmlformats.org/drawingml/2006/diagram" xmlns:o="urn:schemas-microsoft-com:office:office" xmlns:v="urn:schemas-microsoft-com:vml" xmlns:pvml="urn:schemas-microsoft-com:office:powerpoint" xmlns:com="http://schemas.openxmlformats.org/drawingml/2006/compatibility" xmlns:p14="http://schemas.microsoft.com/office/powerpoint/2010/main" xmlns:p15="http://schemas.microsoft.com/office/powerpoint/2012/main" xmlns:ahyp="http://schemas.microsoft.com/office/drawing/2018/hyperlinkcolor">
-  <p:cSld>
-    <p:spTree>
-      <p:nvGrpSpPr>
-        <p:cNvPr id="327" name="Shape 327"/>
-        <p:cNvGrpSpPr/>
-        <p:nvPr/>
-      </p:nvGrpSpPr>
-      <p:grpSpPr>
-        <a:xfrm>
-          <a:off x="0" y="0"/>
-          <a:ext cx="0" cy="0"/>
-          <a:chOff x="0" y="0"/>
-          <a:chExt cx="0" cy="0"/>
-        </a:xfrm>
-      </p:grpSpPr>
-      <p:sp>
-        <p:nvSpPr>
-          <p:cNvPr id="328" name="Google Shape;328;p40"/>
-          <p:cNvSpPr/>
-          <p:nvPr/>
-        </p:nvSpPr>
-        <p:spPr>
-          <a:xfrm>
-            <a:off x="311700" y="347100"/>
-            <a:ext cx="8520600" cy="4449300"/>
-          </a:xfrm>
-          <a:prstGeom prst="rect">
-            <a:avLst/>
-          </a:prstGeom>
-          <a:solidFill>
-            <a:srgbClr val="A4C2F4"/>
-          </a:solidFill>
-          <a:ln>
-            <a:noFill/>
-          </a:ln>
-        </p:spPr>
-        <p:txBody>
-          <a:bodyPr anchorCtr="0" anchor="ctr" bIns="91425" lIns="91425" spcFirstLastPara="1" rIns="91425" wrap="square" tIns="91425">
-            <a:noAutofit/>
-          </a:bodyPr>
-          <a:lstStyle/>
-          <a:p>
-            <a:pPr indent="0" lvl="0" marL="0" marR="0" rtl="0" algn="l">
-              <a:lnSpc>
-                <a:spcPct val="100000"/>
-              </a:lnSpc>
-              <a:spcBef>
-                <a:spcPts val="0"/>
-              </a:spcBef>
-              <a:spcAft>
-                <a:spcPts val="0"/>
-              </a:spcAft>
-              <a:buClr>
-                <a:srgbClr val="000000"/>
-              </a:buClr>
-              <a:buSzPts val="1400"/>
-              <a:buFont typeface="Arial"/>
-              <a:buNone/>
-            </a:pPr>
-            <a:r>
-              <a:t/>
-            </a:r>
-            <a:endParaRPr b="0" i="0" sz="1400" u="none" cap="none" strike="noStrike">
-              <a:solidFill>
-                <a:srgbClr val="000000"/>
-              </a:solidFill>
-              <a:latin typeface="Arial"/>
-              <a:ea typeface="Arial"/>
-              <a:cs typeface="Arial"/>
-              <a:sym typeface="Arial"/>
-            </a:endParaRPr>
-          </a:p>
-        </p:txBody>
-      </p:sp>
-      <p:sp>
-        <p:nvSpPr>
-          <p:cNvPr id="329" name="Google Shape;329;p40"/>
-          <p:cNvSpPr txBox="1"/>
-          <p:nvPr>
-            <p:ph type="title"/>
-          </p:nvPr>
-        </p:nvSpPr>
-        <p:spPr>
-          <a:xfrm>
-            <a:off x="461100" y="471525"/>
-            <a:ext cx="8520600" cy="3493500"/>
-          </a:xfrm>
-          <a:prstGeom prst="rect">
-            <a:avLst/>
-          </a:prstGeom>
-          <a:noFill/>
-          <a:ln>
-            <a:noFill/>
-          </a:ln>
-        </p:spPr>
-        <p:txBody>
-          <a:bodyPr anchorCtr="0" anchor="t" bIns="91425" lIns="91425" spcFirstLastPara="1" rIns="91425" wrap="square" tIns="91425">
-            <a:noAutofit/>
-          </a:bodyPr>
-          <a:lstStyle/>
-          <a:p>
-            <a:pPr indent="0" lvl="0" marL="0" rtl="0" algn="l">
-              <a:lnSpc>
-                <a:spcPct val="100000"/>
-              </a:lnSpc>
-              <a:spcBef>
-                <a:spcPts val="0"/>
-              </a:spcBef>
-              <a:spcAft>
-                <a:spcPts val="0"/>
-              </a:spcAft>
-              <a:buSzPts val="2800"/>
-              <a:buNone/>
-            </a:pPr>
-            <a:r>
-              <a:rPr b="1" lang="en">
-                <a:solidFill>
-                  <a:srgbClr val="434343"/>
-                </a:solidFill>
-              </a:rPr>
-              <a:t>Let’s try it! [9:00 - 9:20]</a:t>
-            </a:r>
-            <a:endParaRPr>
-              <a:solidFill>
-                <a:srgbClr val="434343"/>
-              </a:solidFill>
-            </a:endParaRPr>
-          </a:p>
-          <a:p>
-            <a:pPr indent="0" lvl="0" marL="0" rtl="0" algn="l">
-              <a:lnSpc>
-                <a:spcPct val="100000"/>
-              </a:lnSpc>
-              <a:spcBef>
-                <a:spcPts val="0"/>
-              </a:spcBef>
-              <a:spcAft>
-                <a:spcPts val="0"/>
-              </a:spcAft>
-              <a:buSzPts val="2800"/>
-              <a:buNone/>
-            </a:pPr>
-            <a:br>
-              <a:rPr lang="en" sz="2200">
-                <a:solidFill>
-                  <a:schemeClr val="dk2"/>
-                </a:solidFill>
-              </a:rPr>
-            </a:br>
-            <a:r>
-              <a:rPr lang="en" sz="2200">
-                <a:solidFill>
-                  <a:schemeClr val="dk2"/>
-                </a:solidFill>
-              </a:rPr>
-              <a:t>[   ] Complete A1.ba tasks in groups of 3</a:t>
-            </a:r>
-            <a:endParaRPr sz="2200">
-              <a:solidFill>
-                <a:schemeClr val="dk2"/>
-              </a:solidFill>
-            </a:endParaRPr>
-          </a:p>
-          <a:p>
-            <a:pPr indent="0" lvl="0" marL="0" rtl="0" algn="l">
-              <a:lnSpc>
-                <a:spcPct val="100000"/>
-              </a:lnSpc>
-              <a:spcBef>
-                <a:spcPts val="0"/>
-              </a:spcBef>
-              <a:spcAft>
-                <a:spcPts val="0"/>
-              </a:spcAft>
-              <a:buSzPts val="2800"/>
-              <a:buNone/>
-            </a:pPr>
-            <a:r>
-              <a:rPr lang="en" sz="2200">
-                <a:solidFill>
-                  <a:schemeClr val="dk2"/>
-                </a:solidFill>
-              </a:rPr>
-              <a:t>[   ] What’s something you discovered that wasn’t in the lecture?</a:t>
-            </a:r>
-            <a:endParaRPr sz="2200">
-              <a:solidFill>
-                <a:schemeClr val="dk2"/>
-              </a:solidFill>
-            </a:endParaRPr>
-          </a:p>
-        </p:txBody>
-      </p:sp>
-      <p:sp>
-        <p:nvSpPr>
-          <p:cNvPr id="330" name="Google Shape;330;p40"/>
-          <p:cNvSpPr txBox="1"/>
-          <p:nvPr>
-            <p:ph idx="12" type="sldNum"/>
-          </p:nvPr>
-        </p:nvSpPr>
-        <p:spPr>
-          <a:xfrm>
-            <a:off x="8472458" y="4663217"/>
-            <a:ext cx="548700" cy="393600"/>
-          </a:xfrm>
-          <a:prstGeom prst="rect">
-            <a:avLst/>
-          </a:prstGeom>
-        </p:spPr>
-        <p:txBody>
-          <a:bodyPr anchorCtr="0" anchor="ctr" bIns="91425" lIns="91425" spcFirstLastPara="1" rIns="91425" wrap="square" tIns="91425">
-            <a:noAutofit/>
-          </a:bodyPr>
-          <a:lstStyle/>
-          <a:p>
-            <a:pPr indent="0" lvl="0" marL="0" rtl="0" algn="r">
-              <a:spcBef>
-                <a:spcPts val="0"/>
-              </a:spcBef>
-              <a:spcAft>
-                <a:spcPts val="0"/>
-              </a:spcAft>
-              <a:buNone/>
-            </a:pPr>
-            <a:fld id="{00000000-1234-1234-1234-123412341234}" type="slidenum">
-              <a:rPr lang="en"/>
-              <a:t>‹#›</a:t>
-            </a:fld>
-            <a:endParaRPr/>
-          </a:p>
-        </p:txBody>
-      </p:sp>
-    </p:spTree>
-  </p:cSld>
-  <p:clrMapOvr>
-    <a:masterClrMapping/>
-  </p:clrMapOvr>
-</p:sld>
-</file>
-
-<file path=ppt/slides/slide29.xml><?xml version="1.0" encoding="utf-8"?>
-<p:sld xmlns:a="http://schemas.openxmlformats.org/drawingml/2006/main" xmlns:r="http://schemas.openxmlformats.org/officeDocument/2006/relationships" xmlns:mc="http://schemas.openxmlformats.org/markup-compatibility/2006" xmlns:mv="urn:schemas-microsoft-com:mac:vml" xmlns:p="http://schemas.openxmlformats.org/presentationml/2006/main" xmlns:c="http://schemas.openxmlformats.org/drawingml/2006/chart" xmlns:dgm="http://schemas.openxmlformats.org/drawingml/2006/diagram" xmlns:o="urn:schemas-microsoft-com:office:office" xmlns:v="urn:schemas-microsoft-com:vml" xmlns:pvml="urn:schemas-microsoft-com:office:powerpoint" xmlns:com="http://schemas.openxmlformats.org/drawingml/2006/compatibility" xmlns:p14="http://schemas.microsoft.com/office/powerpoint/2010/main" xmlns:p15="http://schemas.microsoft.com/office/powerpoint/2012/main" xmlns:ahyp="http://schemas.microsoft.com/office/drawing/2018/hyperlinkcolor">
-  <p:cSld>
-    <p:spTree>
-      <p:nvGrpSpPr>
-        <p:cNvPr id="334" name="Shape 334"/>
-        <p:cNvGrpSpPr/>
-        <p:nvPr/>
-      </p:nvGrpSpPr>
-      <p:grpSpPr>
-        <a:xfrm>
-          <a:off x="0" y="0"/>
-          <a:ext cx="0" cy="0"/>
-          <a:chOff x="0" y="0"/>
-          <a:chExt cx="0" cy="0"/>
-        </a:xfrm>
-      </p:grpSpPr>
-      <p:sp>
-        <p:nvSpPr>
-          <p:cNvPr id="335" name="Google Shape;335;p41"/>
-          <p:cNvSpPr/>
-          <p:nvPr/>
-        </p:nvSpPr>
-        <p:spPr>
-          <a:xfrm>
-            <a:off x="311700" y="347100"/>
-            <a:ext cx="8520600" cy="4449300"/>
-          </a:xfrm>
-          <a:prstGeom prst="rect">
-            <a:avLst/>
-          </a:prstGeom>
-          <a:solidFill>
-            <a:srgbClr val="B6D7A8"/>
-          </a:solidFill>
-          <a:ln>
-            <a:noFill/>
-          </a:ln>
-        </p:spPr>
-        <p:txBody>
-          <a:bodyPr anchorCtr="0" anchor="ctr" bIns="91425" lIns="91425" spcFirstLastPara="1" rIns="91425" wrap="square" tIns="91425">
-            <a:noAutofit/>
-          </a:bodyPr>
-          <a:lstStyle/>
-          <a:p>
-            <a:pPr indent="0" lvl="0" marL="0" marR="0" rtl="0" algn="l">
-              <a:lnSpc>
-                <a:spcPct val="100000"/>
-              </a:lnSpc>
-              <a:spcBef>
-                <a:spcPts val="0"/>
-              </a:spcBef>
-              <a:spcAft>
-                <a:spcPts val="0"/>
-              </a:spcAft>
-              <a:buClr>
-                <a:srgbClr val="000000"/>
-              </a:buClr>
-              <a:buSzPts val="1400"/>
-              <a:buFont typeface="Arial"/>
-              <a:buNone/>
-            </a:pPr>
-            <a:r>
-              <a:t/>
-            </a:r>
-            <a:endParaRPr b="0" i="0" sz="1400" u="none" cap="none" strike="noStrike">
-              <a:solidFill>
-                <a:srgbClr val="000000"/>
-              </a:solidFill>
-              <a:latin typeface="Arial"/>
-              <a:ea typeface="Arial"/>
-              <a:cs typeface="Arial"/>
-              <a:sym typeface="Arial"/>
-            </a:endParaRPr>
-          </a:p>
-        </p:txBody>
-      </p:sp>
-      <p:sp>
-        <p:nvSpPr>
-          <p:cNvPr id="336" name="Google Shape;336;p41"/>
-          <p:cNvSpPr txBox="1"/>
-          <p:nvPr>
-            <p:ph type="title"/>
-          </p:nvPr>
-        </p:nvSpPr>
-        <p:spPr>
-          <a:xfrm>
-            <a:off x="667950" y="2983675"/>
-            <a:ext cx="7808100" cy="841800"/>
-          </a:xfrm>
-          <a:prstGeom prst="rect">
-            <a:avLst/>
-          </a:prstGeom>
-          <a:noFill/>
-          <a:ln>
-            <a:noFill/>
-          </a:ln>
-        </p:spPr>
-        <p:txBody>
-          <a:bodyPr anchorCtr="0" anchor="ctr" bIns="91425" lIns="91425" spcFirstLastPara="1" rIns="91425" wrap="square" tIns="91425">
-            <a:noAutofit/>
-          </a:bodyPr>
-          <a:lstStyle/>
-          <a:p>
-            <a:pPr indent="0" lvl="0" marL="0" rtl="0" algn="ctr">
-              <a:lnSpc>
-                <a:spcPct val="100000"/>
-              </a:lnSpc>
-              <a:spcBef>
-                <a:spcPts val="0"/>
-              </a:spcBef>
-              <a:spcAft>
-                <a:spcPts val="0"/>
-              </a:spcAft>
-              <a:buSzPts val="3600"/>
-              <a:buNone/>
-            </a:pPr>
-            <a:r>
-              <a:rPr b="1" lang="en"/>
-              <a:t>Zoom Poll</a:t>
-            </a:r>
-            <a:endParaRPr b="1"/>
-          </a:p>
-          <a:p>
-            <a:pPr indent="0" lvl="0" marL="0" rtl="0" algn="ctr">
-              <a:lnSpc>
-                <a:spcPct val="100000"/>
-              </a:lnSpc>
-              <a:spcBef>
-                <a:spcPts val="0"/>
-              </a:spcBef>
-              <a:spcAft>
-                <a:spcPts val="0"/>
-              </a:spcAft>
-              <a:buSzPts val="3600"/>
-              <a:buNone/>
-            </a:pPr>
-            <a:r>
-              <a:t/>
-            </a:r>
-            <a:endParaRPr b="1"/>
-          </a:p>
-          <a:p>
-            <a:pPr indent="0" lvl="0" marL="0" rtl="0" algn="ctr">
-              <a:lnSpc>
-                <a:spcPct val="100000"/>
-              </a:lnSpc>
-              <a:spcBef>
-                <a:spcPts val="0"/>
-              </a:spcBef>
-              <a:spcAft>
-                <a:spcPts val="0"/>
-              </a:spcAft>
-              <a:buSzPts val="3600"/>
-              <a:buNone/>
-            </a:pPr>
-            <a:r>
-              <a:rPr b="1" lang="en" sz="3000"/>
-              <a:t>How are you feeling about ABCB </a:t>
-            </a:r>
-            <a:br>
-              <a:rPr b="1" lang="en" sz="3000"/>
-            </a:br>
-            <a:r>
-              <a:rPr b="1" i="1" lang="en" sz="3000"/>
-              <a:t>now</a:t>
-            </a:r>
-            <a:r>
-              <a:rPr b="1" lang="en" sz="3000"/>
-              <a:t>?</a:t>
-            </a:r>
-            <a:endParaRPr sz="2000"/>
-          </a:p>
-          <a:p>
-            <a:pPr indent="0" lvl="0" marL="0" rtl="0" algn="l">
-              <a:lnSpc>
-                <a:spcPct val="100000"/>
-              </a:lnSpc>
-              <a:spcBef>
-                <a:spcPts val="0"/>
-              </a:spcBef>
-              <a:spcAft>
-                <a:spcPts val="0"/>
-              </a:spcAft>
-              <a:buSzPts val="3600"/>
-              <a:buNone/>
-            </a:pPr>
-            <a:r>
-              <a:t/>
-            </a:r>
-            <a:endParaRPr b="1"/>
-          </a:p>
-          <a:p>
-            <a:pPr indent="0" lvl="0" marL="0" rtl="0" algn="l">
-              <a:spcBef>
-                <a:spcPts val="0"/>
-              </a:spcBef>
-              <a:spcAft>
-                <a:spcPts val="0"/>
-              </a:spcAft>
-              <a:buClr>
-                <a:schemeClr val="dk1"/>
-              </a:buClr>
-              <a:buSzPts val="3600"/>
-              <a:buFont typeface="Arial"/>
-              <a:buNone/>
-            </a:pPr>
-            <a:r>
-              <a:rPr lang="en" sz="1600"/>
-              <a:t>Confident I can do this.</a:t>
-            </a:r>
-            <a:endParaRPr sz="1600"/>
-          </a:p>
-          <a:p>
-            <a:pPr indent="0" lvl="0" marL="0" rtl="0" algn="l">
-              <a:lnSpc>
-                <a:spcPct val="100000"/>
-              </a:lnSpc>
-              <a:spcBef>
-                <a:spcPts val="0"/>
-              </a:spcBef>
-              <a:spcAft>
-                <a:spcPts val="0"/>
-              </a:spcAft>
-              <a:buSzPts val="3600"/>
-              <a:buNone/>
-            </a:pPr>
-            <a:r>
-              <a:rPr lang="en" sz="1600"/>
-              <a:t>Better than on Tuesday.</a:t>
-            </a:r>
-            <a:br>
-              <a:rPr lang="en" sz="1600"/>
-            </a:br>
-            <a:r>
-              <a:rPr lang="en" sz="1600"/>
-              <a:t>More worried!</a:t>
-            </a:r>
-            <a:endParaRPr sz="1600"/>
-          </a:p>
-          <a:p>
-            <a:pPr indent="0" lvl="0" marL="0" rtl="0" algn="l">
-              <a:lnSpc>
-                <a:spcPct val="100000"/>
-              </a:lnSpc>
-              <a:spcBef>
-                <a:spcPts val="0"/>
-              </a:spcBef>
-              <a:spcAft>
-                <a:spcPts val="0"/>
-              </a:spcAft>
-              <a:buSzPts val="3600"/>
-              <a:buNone/>
-            </a:pPr>
-            <a:r>
-              <a:rPr lang="en" sz="1600"/>
-              <a:t>One day at a time.</a:t>
-            </a:r>
-            <a:endParaRPr sz="1600"/>
-          </a:p>
-          <a:p>
-            <a:pPr indent="0" lvl="0" marL="0" rtl="0" algn="l">
-              <a:lnSpc>
-                <a:spcPct val="100000"/>
-              </a:lnSpc>
-              <a:spcBef>
-                <a:spcPts val="0"/>
-              </a:spcBef>
-              <a:spcAft>
-                <a:spcPts val="0"/>
-              </a:spcAft>
-              <a:buSzPts val="3600"/>
-              <a:buNone/>
-            </a:pPr>
-            <a:r>
-              <a:t/>
-            </a:r>
-            <a:endParaRPr b="1" sz="2000"/>
-          </a:p>
-          <a:p>
-            <a:pPr indent="0" lvl="0" marL="0" rtl="0" algn="l">
-              <a:lnSpc>
-                <a:spcPct val="100000"/>
-              </a:lnSpc>
-              <a:spcBef>
-                <a:spcPts val="0"/>
-              </a:spcBef>
-              <a:spcAft>
-                <a:spcPts val="0"/>
-              </a:spcAft>
-              <a:buSzPts val="3600"/>
-              <a:buNone/>
-            </a:pPr>
-            <a:r>
-              <a:t/>
-            </a:r>
-            <a:endParaRPr b="1" sz="2000"/>
-          </a:p>
-          <a:p>
-            <a:pPr indent="0" lvl="0" marL="0" rtl="0" algn="l">
-              <a:lnSpc>
-                <a:spcPct val="100000"/>
-              </a:lnSpc>
-              <a:spcBef>
-                <a:spcPts val="0"/>
-              </a:spcBef>
-              <a:spcAft>
-                <a:spcPts val="0"/>
-              </a:spcAft>
-              <a:buSzPts val="3600"/>
-              <a:buNone/>
-            </a:pPr>
-            <a:r>
-              <a:t/>
-            </a:r>
-            <a:endParaRPr b="1" sz="2000"/>
-          </a:p>
-          <a:p>
-            <a:pPr indent="0" lvl="0" marL="0" rtl="0" algn="l">
-              <a:lnSpc>
-                <a:spcPct val="100000"/>
-              </a:lnSpc>
-              <a:spcBef>
-                <a:spcPts val="0"/>
-              </a:spcBef>
-              <a:spcAft>
-                <a:spcPts val="0"/>
-              </a:spcAft>
-              <a:buSzPts val="3600"/>
-              <a:buNone/>
-            </a:pPr>
-            <a:r>
-              <a:t/>
-            </a:r>
-            <a:endParaRPr b="1" sz="2000"/>
-          </a:p>
-          <a:p>
-            <a:pPr indent="0" lvl="0" marL="0" rtl="0" algn="l">
-              <a:lnSpc>
-                <a:spcPct val="100000"/>
-              </a:lnSpc>
-              <a:spcBef>
-                <a:spcPts val="0"/>
-              </a:spcBef>
-              <a:spcAft>
-                <a:spcPts val="0"/>
-              </a:spcAft>
-              <a:buSzPts val="3600"/>
-              <a:buNone/>
-            </a:pPr>
-            <a:r>
-              <a:t/>
-            </a:r>
-            <a:endParaRPr b="1" sz="2000"/>
-          </a:p>
-        </p:txBody>
-      </p:sp>
-      <p:sp>
-        <p:nvSpPr>
-          <p:cNvPr id="337" name="Google Shape;337;p41"/>
-          <p:cNvSpPr txBox="1"/>
-          <p:nvPr>
-            <p:ph idx="12" type="sldNum"/>
-          </p:nvPr>
-        </p:nvSpPr>
-        <p:spPr>
-          <a:xfrm>
-            <a:off x="8472458" y="4663217"/>
-            <a:ext cx="548700" cy="393600"/>
-          </a:xfrm>
-          <a:prstGeom prst="rect">
-            <a:avLst/>
-          </a:prstGeom>
-        </p:spPr>
-        <p:txBody>
-          <a:bodyPr anchorCtr="0" anchor="ctr" bIns="91425" lIns="91425" spcFirstLastPara="1" rIns="91425" wrap="square" tIns="91425">
-            <a:noAutofit/>
-          </a:bodyPr>
-          <a:lstStyle/>
-          <a:p>
-            <a:pPr indent="0" lvl="0" marL="0" rtl="0" algn="r">
-              <a:spcBef>
-                <a:spcPts val="0"/>
-              </a:spcBef>
-              <a:spcAft>
-                <a:spcPts val="0"/>
-              </a:spcAft>
-              <a:buNone/>
-            </a:pPr>
-            <a:fld id="{00000000-1234-1234-1234-123412341234}" type="slidenum">
-              <a:rPr lang="en"/>
-              <a:t>‹#›</a:t>
-            </a:fld>
-            <a:endParaRPr/>
-          </a:p>
-        </p:txBody>
-      </p:sp>
     </p:spTree>
   </p:cSld>
   <p:clrMapOvr>
@@ -20143,7 +20439,7 @@
   <p:cSld>
     <p:spTree>
       <p:nvGrpSpPr>
-        <p:cNvPr id="341" name="Shape 341"/>
+        <p:cNvPr id="345" name="Shape 345"/>
         <p:cNvGrpSpPr/>
         <p:nvPr/>
       </p:nvGrpSpPr>
@@ -20157,7 +20453,7 @@
       </p:grpSpPr>
       <p:sp>
         <p:nvSpPr>
-          <p:cNvPr id="342" name="Google Shape;342;p42"/>
+          <p:cNvPr id="346" name="Google Shape;346;p42"/>
           <p:cNvSpPr/>
           <p:nvPr/>
         </p:nvSpPr>
@@ -20170,7 +20466,7 @@
             <a:avLst/>
           </a:prstGeom>
           <a:solidFill>
-            <a:srgbClr val="FFE599"/>
+            <a:srgbClr val="A4C2F4"/>
           </a:solidFill>
           <a:ln>
             <a:noFill/>
@@ -20216,16 +20512,16 @@
       </p:sp>
       <p:sp>
         <p:nvSpPr>
-          <p:cNvPr id="343" name="Google Shape;343;p42"/>
+          <p:cNvPr id="347" name="Google Shape;347;p42"/>
           <p:cNvSpPr txBox="1"/>
           <p:nvPr>
-            <p:ph type="ctrTitle"/>
+            <p:ph type="title"/>
           </p:nvPr>
         </p:nvSpPr>
         <p:spPr>
           <a:xfrm>
-            <a:off x="311708" y="2037150"/>
-            <a:ext cx="8520600" cy="2052600"/>
+            <a:off x="461100" y="471525"/>
+            <a:ext cx="8520600" cy="3493500"/>
           </a:xfrm>
           <a:prstGeom prst="rect">
             <a:avLst/>
@@ -20236,12 +20532,12 @@
           </a:ln>
         </p:spPr>
         <p:txBody>
-          <a:bodyPr anchorCtr="0" anchor="b" bIns="91425" lIns="91425" spcFirstLastPara="1" rIns="91425" wrap="square" tIns="91425">
+          <a:bodyPr anchorCtr="0" anchor="t" bIns="91425" lIns="91425" spcFirstLastPara="1" rIns="91425" wrap="square" tIns="91425">
             <a:noAutofit/>
           </a:bodyPr>
           <a:lstStyle/>
           <a:p>
-            <a:pPr indent="0" lvl="0" marL="0" rtl="0" algn="ctr">
+            <a:pPr indent="0" lvl="0" marL="0" rtl="0" algn="l">
               <a:lnSpc>
                 <a:spcPct val="100000"/>
               </a:lnSpc>
@@ -20251,21 +20547,25 @@
               <a:spcAft>
                 <a:spcPts val="0"/>
               </a:spcAft>
-              <a:buSzPts val="5200"/>
-              <a:buNone/>
-            </a:pPr>
-            <a:r>
-              <a:rPr b="1" lang="en"/>
-              <a:t>A1.bb</a:t>
-            </a:r>
-            <a:r>
-              <a:rPr lang="en"/>
-              <a:t> </a:t>
-            </a:r>
-            <a:endParaRPr/>
-          </a:p>
-          <a:p>
-            <a:pPr indent="0" lvl="0" marL="0" rtl="0" algn="ctr">
+              <a:buSzPts val="2800"/>
+              <a:buNone/>
+            </a:pPr>
+            <a:r>
+              <a:rPr b="1" lang="en">
+                <a:solidFill>
+                  <a:srgbClr val="434343"/>
+                </a:solidFill>
+              </a:rPr>
+              <a:t>Let’s try it! [9:00 - 9:20]</a:t>
+            </a:r>
+            <a:endParaRPr>
+              <a:solidFill>
+                <a:srgbClr val="434343"/>
+              </a:solidFill>
+            </a:endParaRPr>
+          </a:p>
+          <a:p>
+            <a:pPr indent="0" lvl="0" marL="0" rtl="0" algn="l">
               <a:lnSpc>
                 <a:spcPct val="100000"/>
               </a:lnSpc>
@@ -20275,34 +20575,63 @@
               <a:spcAft>
                 <a:spcPts val="0"/>
               </a:spcAft>
-              <a:buSzPts val="5200"/>
+              <a:buSzPts val="2800"/>
               <a:buNone/>
             </a:pPr>
             <a:br>
-              <a:rPr lang="en"/>
+              <a:rPr lang="en" sz="2200">
+                <a:solidFill>
+                  <a:schemeClr val="dk2"/>
+                </a:solidFill>
+              </a:rPr>
             </a:br>
             <a:r>
-              <a:rPr lang="en"/>
-              <a:t>Open Q&amp;A</a:t>
-            </a:r>
-            <a:br>
-              <a:rPr lang="en"/>
-            </a:br>
-            <a:r>
-              <a:rPr lang="en"/>
-              <a:t>o</a:t>
-            </a:r>
-            <a:r>
-              <a:rPr lang="en"/>
-              <a:t>n Bash</a:t>
-            </a:r>
-            <a:endParaRPr/>
+              <a:rPr lang="en" sz="2200">
+                <a:solidFill>
+                  <a:schemeClr val="dk2"/>
+                </a:solidFill>
+              </a:rPr>
+              <a:t>[   ] Complete A1.ba tasks in groups of 3</a:t>
+            </a:r>
+            <a:endParaRPr sz="2200">
+              <a:solidFill>
+                <a:schemeClr val="dk2"/>
+              </a:solidFill>
+            </a:endParaRPr>
+          </a:p>
+          <a:p>
+            <a:pPr indent="0" lvl="0" marL="0" rtl="0" algn="l">
+              <a:lnSpc>
+                <a:spcPct val="100000"/>
+              </a:lnSpc>
+              <a:spcBef>
+                <a:spcPts val="0"/>
+              </a:spcBef>
+              <a:spcAft>
+                <a:spcPts val="0"/>
+              </a:spcAft>
+              <a:buSzPts val="2800"/>
+              <a:buNone/>
+            </a:pPr>
+            <a:r>
+              <a:rPr lang="en" sz="2200">
+                <a:solidFill>
+                  <a:schemeClr val="dk2"/>
+                </a:solidFill>
+              </a:rPr>
+              <a:t>[   ] What’s something you discovered that wasn’t in the lecture?</a:t>
+            </a:r>
+            <a:endParaRPr sz="2200">
+              <a:solidFill>
+                <a:schemeClr val="dk2"/>
+              </a:solidFill>
+            </a:endParaRPr>
           </a:p>
         </p:txBody>
       </p:sp>
       <p:sp>
         <p:nvSpPr>
-          <p:cNvPr id="344" name="Google Shape;344;p42"/>
+          <p:cNvPr id="348" name="Google Shape;348;p42"/>
           <p:cNvSpPr txBox="1"/>
           <p:nvPr>
             <p:ph idx="12" type="sldNum"/>
@@ -20353,7 +20682,7 @@
   <p:cSld>
     <p:spTree>
       <p:nvGrpSpPr>
-        <p:cNvPr id="348" name="Shape 348"/>
+        <p:cNvPr id="352" name="Shape 352"/>
         <p:cNvGrpSpPr/>
         <p:nvPr/>
       </p:nvGrpSpPr>
@@ -20367,7 +20696,617 @@
       </p:grpSpPr>
       <p:sp>
         <p:nvSpPr>
-          <p:cNvPr id="349" name="Google Shape;349;p43"/>
+          <p:cNvPr id="353" name="Google Shape;353;p43"/>
+          <p:cNvSpPr/>
+          <p:nvPr/>
+        </p:nvSpPr>
+        <p:spPr>
+          <a:xfrm>
+            <a:off x="311700" y="347100"/>
+            <a:ext cx="8520600" cy="4449300"/>
+          </a:xfrm>
+          <a:prstGeom prst="rect">
+            <a:avLst/>
+          </a:prstGeom>
+          <a:solidFill>
+            <a:srgbClr val="B6D7A8"/>
+          </a:solidFill>
+          <a:ln>
+            <a:noFill/>
+          </a:ln>
+        </p:spPr>
+        <p:txBody>
+          <a:bodyPr anchorCtr="0" anchor="ctr" bIns="91425" lIns="91425" spcFirstLastPara="1" rIns="91425" wrap="square" tIns="91425">
+            <a:noAutofit/>
+          </a:bodyPr>
+          <a:lstStyle/>
+          <a:p>
+            <a:pPr indent="0" lvl="0" marL="0" marR="0" rtl="0" algn="l">
+              <a:lnSpc>
+                <a:spcPct val="100000"/>
+              </a:lnSpc>
+              <a:spcBef>
+                <a:spcPts val="0"/>
+              </a:spcBef>
+              <a:spcAft>
+                <a:spcPts val="0"/>
+              </a:spcAft>
+              <a:buClr>
+                <a:srgbClr val="000000"/>
+              </a:buClr>
+              <a:buSzPts val="1400"/>
+              <a:buFont typeface="Arial"/>
+              <a:buNone/>
+            </a:pPr>
+            <a:r>
+              <a:t/>
+            </a:r>
+            <a:endParaRPr b="0" i="0" sz="1400" u="none" cap="none" strike="noStrike">
+              <a:solidFill>
+                <a:srgbClr val="000000"/>
+              </a:solidFill>
+              <a:latin typeface="Arial"/>
+              <a:ea typeface="Arial"/>
+              <a:cs typeface="Arial"/>
+              <a:sym typeface="Arial"/>
+            </a:endParaRPr>
+          </a:p>
+        </p:txBody>
+      </p:sp>
+      <p:sp>
+        <p:nvSpPr>
+          <p:cNvPr id="354" name="Google Shape;354;p43"/>
+          <p:cNvSpPr txBox="1"/>
+          <p:nvPr>
+            <p:ph type="title"/>
+          </p:nvPr>
+        </p:nvSpPr>
+        <p:spPr>
+          <a:xfrm>
+            <a:off x="667950" y="2983675"/>
+            <a:ext cx="7808100" cy="841800"/>
+          </a:xfrm>
+          <a:prstGeom prst="rect">
+            <a:avLst/>
+          </a:prstGeom>
+          <a:noFill/>
+          <a:ln>
+            <a:noFill/>
+          </a:ln>
+        </p:spPr>
+        <p:txBody>
+          <a:bodyPr anchorCtr="0" anchor="ctr" bIns="91425" lIns="91425" spcFirstLastPara="1" rIns="91425" wrap="square" tIns="91425">
+            <a:noAutofit/>
+          </a:bodyPr>
+          <a:lstStyle/>
+          <a:p>
+            <a:pPr indent="0" lvl="0" marL="0" rtl="0" algn="ctr">
+              <a:lnSpc>
+                <a:spcPct val="100000"/>
+              </a:lnSpc>
+              <a:spcBef>
+                <a:spcPts val="0"/>
+              </a:spcBef>
+              <a:spcAft>
+                <a:spcPts val="0"/>
+              </a:spcAft>
+              <a:buSzPts val="3600"/>
+              <a:buNone/>
+            </a:pPr>
+            <a:r>
+              <a:rPr b="1" lang="en"/>
+              <a:t>Zoom Poll</a:t>
+            </a:r>
+            <a:endParaRPr b="1"/>
+          </a:p>
+          <a:p>
+            <a:pPr indent="0" lvl="0" marL="0" rtl="0" algn="ctr">
+              <a:lnSpc>
+                <a:spcPct val="100000"/>
+              </a:lnSpc>
+              <a:spcBef>
+                <a:spcPts val="0"/>
+              </a:spcBef>
+              <a:spcAft>
+                <a:spcPts val="0"/>
+              </a:spcAft>
+              <a:buSzPts val="3600"/>
+              <a:buNone/>
+            </a:pPr>
+            <a:r>
+              <a:t/>
+            </a:r>
+            <a:endParaRPr b="1"/>
+          </a:p>
+          <a:p>
+            <a:pPr indent="0" lvl="0" marL="0" rtl="0" algn="ctr">
+              <a:lnSpc>
+                <a:spcPct val="100000"/>
+              </a:lnSpc>
+              <a:spcBef>
+                <a:spcPts val="0"/>
+              </a:spcBef>
+              <a:spcAft>
+                <a:spcPts val="0"/>
+              </a:spcAft>
+              <a:buSzPts val="3600"/>
+              <a:buNone/>
+            </a:pPr>
+            <a:r>
+              <a:rPr b="1" lang="en" sz="3000"/>
+              <a:t>How are you feeling about ABCB </a:t>
+            </a:r>
+            <a:br>
+              <a:rPr b="1" lang="en" sz="3000"/>
+            </a:br>
+            <a:r>
+              <a:rPr b="1" i="1" lang="en" sz="3000"/>
+              <a:t>now</a:t>
+            </a:r>
+            <a:r>
+              <a:rPr b="1" lang="en" sz="3000"/>
+              <a:t>?</a:t>
+            </a:r>
+            <a:endParaRPr sz="2000"/>
+          </a:p>
+          <a:p>
+            <a:pPr indent="0" lvl="0" marL="0" rtl="0" algn="l">
+              <a:lnSpc>
+                <a:spcPct val="100000"/>
+              </a:lnSpc>
+              <a:spcBef>
+                <a:spcPts val="0"/>
+              </a:spcBef>
+              <a:spcAft>
+                <a:spcPts val="0"/>
+              </a:spcAft>
+              <a:buSzPts val="3600"/>
+              <a:buNone/>
+            </a:pPr>
+            <a:r>
+              <a:t/>
+            </a:r>
+            <a:endParaRPr b="1"/>
+          </a:p>
+          <a:p>
+            <a:pPr indent="0" lvl="0" marL="0" rtl="0" algn="l">
+              <a:spcBef>
+                <a:spcPts val="0"/>
+              </a:spcBef>
+              <a:spcAft>
+                <a:spcPts val="0"/>
+              </a:spcAft>
+              <a:buClr>
+                <a:schemeClr val="dk1"/>
+              </a:buClr>
+              <a:buSzPts val="3600"/>
+              <a:buFont typeface="Arial"/>
+              <a:buNone/>
+            </a:pPr>
+            <a:r>
+              <a:rPr lang="en" sz="1600"/>
+              <a:t>Confident I can do this.</a:t>
+            </a:r>
+            <a:endParaRPr sz="1600"/>
+          </a:p>
+          <a:p>
+            <a:pPr indent="0" lvl="0" marL="0" rtl="0" algn="l">
+              <a:lnSpc>
+                <a:spcPct val="100000"/>
+              </a:lnSpc>
+              <a:spcBef>
+                <a:spcPts val="0"/>
+              </a:spcBef>
+              <a:spcAft>
+                <a:spcPts val="0"/>
+              </a:spcAft>
+              <a:buSzPts val="3600"/>
+              <a:buNone/>
+            </a:pPr>
+            <a:r>
+              <a:rPr lang="en" sz="1600"/>
+              <a:t>Better than on Tuesday.</a:t>
+            </a:r>
+            <a:br>
+              <a:rPr lang="en" sz="1600"/>
+            </a:br>
+            <a:r>
+              <a:rPr lang="en" sz="1600"/>
+              <a:t>More worried!</a:t>
+            </a:r>
+            <a:endParaRPr sz="1600"/>
+          </a:p>
+          <a:p>
+            <a:pPr indent="0" lvl="0" marL="0" rtl="0" algn="l">
+              <a:lnSpc>
+                <a:spcPct val="100000"/>
+              </a:lnSpc>
+              <a:spcBef>
+                <a:spcPts val="0"/>
+              </a:spcBef>
+              <a:spcAft>
+                <a:spcPts val="0"/>
+              </a:spcAft>
+              <a:buSzPts val="3600"/>
+              <a:buNone/>
+            </a:pPr>
+            <a:r>
+              <a:rPr lang="en" sz="1600"/>
+              <a:t>One day at a time.</a:t>
+            </a:r>
+            <a:endParaRPr sz="1600"/>
+          </a:p>
+          <a:p>
+            <a:pPr indent="0" lvl="0" marL="0" rtl="0" algn="l">
+              <a:lnSpc>
+                <a:spcPct val="100000"/>
+              </a:lnSpc>
+              <a:spcBef>
+                <a:spcPts val="0"/>
+              </a:spcBef>
+              <a:spcAft>
+                <a:spcPts val="0"/>
+              </a:spcAft>
+              <a:buSzPts val="3600"/>
+              <a:buNone/>
+            </a:pPr>
+            <a:r>
+              <a:t/>
+            </a:r>
+            <a:endParaRPr b="1" sz="2000"/>
+          </a:p>
+          <a:p>
+            <a:pPr indent="0" lvl="0" marL="0" rtl="0" algn="l">
+              <a:lnSpc>
+                <a:spcPct val="100000"/>
+              </a:lnSpc>
+              <a:spcBef>
+                <a:spcPts val="0"/>
+              </a:spcBef>
+              <a:spcAft>
+                <a:spcPts val="0"/>
+              </a:spcAft>
+              <a:buSzPts val="3600"/>
+              <a:buNone/>
+            </a:pPr>
+            <a:r>
+              <a:t/>
+            </a:r>
+            <a:endParaRPr b="1" sz="2000"/>
+          </a:p>
+          <a:p>
+            <a:pPr indent="0" lvl="0" marL="0" rtl="0" algn="l">
+              <a:lnSpc>
+                <a:spcPct val="100000"/>
+              </a:lnSpc>
+              <a:spcBef>
+                <a:spcPts val="0"/>
+              </a:spcBef>
+              <a:spcAft>
+                <a:spcPts val="0"/>
+              </a:spcAft>
+              <a:buSzPts val="3600"/>
+              <a:buNone/>
+            </a:pPr>
+            <a:r>
+              <a:t/>
+            </a:r>
+            <a:endParaRPr b="1" sz="2000"/>
+          </a:p>
+          <a:p>
+            <a:pPr indent="0" lvl="0" marL="0" rtl="0" algn="l">
+              <a:lnSpc>
+                <a:spcPct val="100000"/>
+              </a:lnSpc>
+              <a:spcBef>
+                <a:spcPts val="0"/>
+              </a:spcBef>
+              <a:spcAft>
+                <a:spcPts val="0"/>
+              </a:spcAft>
+              <a:buSzPts val="3600"/>
+              <a:buNone/>
+            </a:pPr>
+            <a:r>
+              <a:t/>
+            </a:r>
+            <a:endParaRPr b="1" sz="2000"/>
+          </a:p>
+          <a:p>
+            <a:pPr indent="0" lvl="0" marL="0" rtl="0" algn="l">
+              <a:lnSpc>
+                <a:spcPct val="100000"/>
+              </a:lnSpc>
+              <a:spcBef>
+                <a:spcPts val="0"/>
+              </a:spcBef>
+              <a:spcAft>
+                <a:spcPts val="0"/>
+              </a:spcAft>
+              <a:buSzPts val="3600"/>
+              <a:buNone/>
+            </a:pPr>
+            <a:r>
+              <a:t/>
+            </a:r>
+            <a:endParaRPr b="1" sz="2000"/>
+          </a:p>
+        </p:txBody>
+      </p:sp>
+      <p:sp>
+        <p:nvSpPr>
+          <p:cNvPr id="355" name="Google Shape;355;p43"/>
+          <p:cNvSpPr txBox="1"/>
+          <p:nvPr>
+            <p:ph idx="12" type="sldNum"/>
+          </p:nvPr>
+        </p:nvSpPr>
+        <p:spPr>
+          <a:xfrm>
+            <a:off x="8472458" y="4663217"/>
+            <a:ext cx="548700" cy="393600"/>
+          </a:xfrm>
+          <a:prstGeom prst="rect">
+            <a:avLst/>
+          </a:prstGeom>
+        </p:spPr>
+        <p:txBody>
+          <a:bodyPr anchorCtr="0" anchor="ctr" bIns="91425" lIns="91425" spcFirstLastPara="1" rIns="91425" wrap="square" tIns="91425">
+            <a:noAutofit/>
+          </a:bodyPr>
+          <a:lstStyle/>
+          <a:p>
+            <a:pPr indent="0" lvl="0" marL="0" rtl="0" algn="r">
+              <a:spcBef>
+                <a:spcPts val="0"/>
+              </a:spcBef>
+              <a:spcAft>
+                <a:spcPts val="0"/>
+              </a:spcAft>
+              <a:buNone/>
+            </a:pPr>
+            <a:fld id="{00000000-1234-1234-1234-123412341234}" type="slidenum">
+              <a:rPr lang="en"/>
+              <a:t>‹#›</a:t>
+            </a:fld>
+            <a:endParaRPr/>
+          </a:p>
+        </p:txBody>
+      </p:sp>
+    </p:spTree>
+  </p:cSld>
+  <p:clrMapOvr>
+    <a:masterClrMapping/>
+  </p:clrMapOvr>
+</p:sld>
+</file>
+
+<file path=ppt/slides/slide32.xml><?xml version="1.0" encoding="utf-8"?>
+<p:sld xmlns:a="http://schemas.openxmlformats.org/drawingml/2006/main" xmlns:r="http://schemas.openxmlformats.org/officeDocument/2006/relationships" xmlns:mc="http://schemas.openxmlformats.org/markup-compatibility/2006" xmlns:mv="urn:schemas-microsoft-com:mac:vml" xmlns:p="http://schemas.openxmlformats.org/presentationml/2006/main" xmlns:c="http://schemas.openxmlformats.org/drawingml/2006/chart" xmlns:dgm="http://schemas.openxmlformats.org/drawingml/2006/diagram" xmlns:o="urn:schemas-microsoft-com:office:office" xmlns:v="urn:schemas-microsoft-com:vml" xmlns:pvml="urn:schemas-microsoft-com:office:powerpoint" xmlns:com="http://schemas.openxmlformats.org/drawingml/2006/compatibility" xmlns:p14="http://schemas.microsoft.com/office/powerpoint/2010/main" xmlns:p15="http://schemas.microsoft.com/office/powerpoint/2012/main" xmlns:ahyp="http://schemas.microsoft.com/office/drawing/2018/hyperlinkcolor">
+  <p:cSld>
+    <p:spTree>
+      <p:nvGrpSpPr>
+        <p:cNvPr id="359" name="Shape 359"/>
+        <p:cNvGrpSpPr/>
+        <p:nvPr/>
+      </p:nvGrpSpPr>
+      <p:grpSpPr>
+        <a:xfrm>
+          <a:off x="0" y="0"/>
+          <a:ext cx="0" cy="0"/>
+          <a:chOff x="0" y="0"/>
+          <a:chExt cx="0" cy="0"/>
+        </a:xfrm>
+      </p:grpSpPr>
+      <p:sp>
+        <p:nvSpPr>
+          <p:cNvPr id="360" name="Google Shape;360;p44"/>
+          <p:cNvSpPr/>
+          <p:nvPr/>
+        </p:nvSpPr>
+        <p:spPr>
+          <a:xfrm>
+            <a:off x="311700" y="347100"/>
+            <a:ext cx="8520600" cy="4449300"/>
+          </a:xfrm>
+          <a:prstGeom prst="rect">
+            <a:avLst/>
+          </a:prstGeom>
+          <a:solidFill>
+            <a:srgbClr val="FFE599"/>
+          </a:solidFill>
+          <a:ln>
+            <a:noFill/>
+          </a:ln>
+        </p:spPr>
+        <p:txBody>
+          <a:bodyPr anchorCtr="0" anchor="ctr" bIns="91425" lIns="91425" spcFirstLastPara="1" rIns="91425" wrap="square" tIns="91425">
+            <a:noAutofit/>
+          </a:bodyPr>
+          <a:lstStyle/>
+          <a:p>
+            <a:pPr indent="0" lvl="0" marL="0" marR="0" rtl="0" algn="l">
+              <a:lnSpc>
+                <a:spcPct val="100000"/>
+              </a:lnSpc>
+              <a:spcBef>
+                <a:spcPts val="0"/>
+              </a:spcBef>
+              <a:spcAft>
+                <a:spcPts val="0"/>
+              </a:spcAft>
+              <a:buClr>
+                <a:srgbClr val="000000"/>
+              </a:buClr>
+              <a:buSzPts val="1400"/>
+              <a:buFont typeface="Arial"/>
+              <a:buNone/>
+            </a:pPr>
+            <a:r>
+              <a:t/>
+            </a:r>
+            <a:endParaRPr b="0" i="0" sz="1400" u="none" cap="none" strike="noStrike">
+              <a:solidFill>
+                <a:srgbClr val="000000"/>
+              </a:solidFill>
+              <a:latin typeface="Arial"/>
+              <a:ea typeface="Arial"/>
+              <a:cs typeface="Arial"/>
+              <a:sym typeface="Arial"/>
+            </a:endParaRPr>
+          </a:p>
+        </p:txBody>
+      </p:sp>
+      <p:sp>
+        <p:nvSpPr>
+          <p:cNvPr id="361" name="Google Shape;361;p44"/>
+          <p:cNvSpPr txBox="1"/>
+          <p:nvPr>
+            <p:ph type="ctrTitle"/>
+          </p:nvPr>
+        </p:nvSpPr>
+        <p:spPr>
+          <a:xfrm>
+            <a:off x="311708" y="2037150"/>
+            <a:ext cx="8520600" cy="2052600"/>
+          </a:xfrm>
+          <a:prstGeom prst="rect">
+            <a:avLst/>
+          </a:prstGeom>
+          <a:noFill/>
+          <a:ln>
+            <a:noFill/>
+          </a:ln>
+        </p:spPr>
+        <p:txBody>
+          <a:bodyPr anchorCtr="0" anchor="b" bIns="91425" lIns="91425" spcFirstLastPara="1" rIns="91425" wrap="square" tIns="91425">
+            <a:noAutofit/>
+          </a:bodyPr>
+          <a:lstStyle/>
+          <a:p>
+            <a:pPr indent="0" lvl="0" marL="0" rtl="0" algn="ctr">
+              <a:lnSpc>
+                <a:spcPct val="100000"/>
+              </a:lnSpc>
+              <a:spcBef>
+                <a:spcPts val="0"/>
+              </a:spcBef>
+              <a:spcAft>
+                <a:spcPts val="0"/>
+              </a:spcAft>
+              <a:buSzPts val="5200"/>
+              <a:buNone/>
+            </a:pPr>
+            <a:r>
+              <a:rPr b="1" lang="en" strike="sngStrike"/>
+              <a:t>A1.bb</a:t>
+            </a:r>
+            <a:r>
+              <a:rPr lang="en" strike="sngStrike"/>
+              <a:t> </a:t>
+            </a:r>
+            <a:endParaRPr strike="sngStrike"/>
+          </a:p>
+          <a:p>
+            <a:pPr indent="0" lvl="0" marL="0" rtl="0" algn="ctr">
+              <a:lnSpc>
+                <a:spcPct val="100000"/>
+              </a:lnSpc>
+              <a:spcBef>
+                <a:spcPts val="0"/>
+              </a:spcBef>
+              <a:spcAft>
+                <a:spcPts val="0"/>
+              </a:spcAft>
+              <a:buSzPts val="5200"/>
+              <a:buNone/>
+            </a:pPr>
+            <a:br>
+              <a:rPr lang="en" strike="sngStrike"/>
+            </a:br>
+            <a:r>
+              <a:rPr lang="en" strike="sngStrike"/>
+              <a:t>Open Q&amp;A</a:t>
+            </a:r>
+            <a:br>
+              <a:rPr lang="en" strike="sngStrike"/>
+            </a:br>
+            <a:r>
+              <a:rPr lang="en" strike="sngStrike"/>
+              <a:t>on Bash</a:t>
+            </a:r>
+            <a:endParaRPr strike="sngStrike"/>
+          </a:p>
+        </p:txBody>
+      </p:sp>
+      <p:sp>
+        <p:nvSpPr>
+          <p:cNvPr id="362" name="Google Shape;362;p44"/>
+          <p:cNvSpPr txBox="1"/>
+          <p:nvPr>
+            <p:ph idx="12" type="sldNum"/>
+          </p:nvPr>
+        </p:nvSpPr>
+        <p:spPr>
+          <a:xfrm>
+            <a:off x="8472458" y="4663217"/>
+            <a:ext cx="548700" cy="393600"/>
+          </a:xfrm>
+          <a:prstGeom prst="rect">
+            <a:avLst/>
+          </a:prstGeom>
+        </p:spPr>
+        <p:txBody>
+          <a:bodyPr anchorCtr="0" anchor="ctr" bIns="91425" lIns="91425" spcFirstLastPara="1" rIns="91425" wrap="square" tIns="91425">
+            <a:noAutofit/>
+          </a:bodyPr>
+          <a:lstStyle/>
+          <a:p>
+            <a:pPr indent="0" lvl="0" marL="0" rtl="0" algn="r">
+              <a:spcBef>
+                <a:spcPts val="0"/>
+              </a:spcBef>
+              <a:spcAft>
+                <a:spcPts val="0"/>
+              </a:spcAft>
+              <a:buNone/>
+            </a:pPr>
+            <a:fld id="{00000000-1234-1234-1234-123412341234}" type="slidenum">
+              <a:rPr lang="en"/>
+              <a:t>‹#›</a:t>
+            </a:fld>
+            <a:endParaRPr/>
+          </a:p>
+        </p:txBody>
+      </p:sp>
+    </p:spTree>
+  </p:cSld>
+  <p:clrMapOvr>
+    <a:masterClrMapping/>
+  </p:clrMapOvr>
+</p:sld>
+</file>
+
+<file path=ppt/slides/slide33.xml><?xml version="1.0" encoding="utf-8"?>
+<p:sld xmlns:a="http://schemas.openxmlformats.org/drawingml/2006/main" xmlns:r="http://schemas.openxmlformats.org/officeDocument/2006/relationships" xmlns:mc="http://schemas.openxmlformats.org/markup-compatibility/2006" xmlns:mv="urn:schemas-microsoft-com:mac:vml" xmlns:p="http://schemas.openxmlformats.org/presentationml/2006/main" xmlns:c="http://schemas.openxmlformats.org/drawingml/2006/chart" xmlns:dgm="http://schemas.openxmlformats.org/drawingml/2006/diagram" xmlns:o="urn:schemas-microsoft-com:office:office" xmlns:v="urn:schemas-microsoft-com:vml" xmlns:pvml="urn:schemas-microsoft-com:office:powerpoint" xmlns:com="http://schemas.openxmlformats.org/drawingml/2006/compatibility" xmlns:p14="http://schemas.microsoft.com/office/powerpoint/2010/main" xmlns:p15="http://schemas.microsoft.com/office/powerpoint/2012/main" xmlns:ahyp="http://schemas.microsoft.com/office/drawing/2018/hyperlinkcolor">
+  <p:cSld>
+    <p:spTree>
+      <p:nvGrpSpPr>
+        <p:cNvPr id="366" name="Shape 366"/>
+        <p:cNvGrpSpPr/>
+        <p:nvPr/>
+      </p:nvGrpSpPr>
+      <p:grpSpPr>
+        <a:xfrm>
+          <a:off x="0" y="0"/>
+          <a:ext cx="0" cy="0"/>
+          <a:chOff x="0" y="0"/>
+          <a:chExt cx="0" cy="0"/>
+        </a:xfrm>
+      </p:grpSpPr>
+      <p:sp>
+        <p:nvSpPr>
+          <p:cNvPr id="367" name="Google Shape;367;p45"/>
           <p:cNvSpPr/>
           <p:nvPr/>
         </p:nvSpPr>
@@ -20426,7 +21365,7 @@
       </p:sp>
       <p:sp>
         <p:nvSpPr>
-          <p:cNvPr id="350" name="Google Shape;350;p43"/>
+          <p:cNvPr id="368" name="Google Shape;368;p45"/>
           <p:cNvSpPr txBox="1"/>
           <p:nvPr>
             <p:ph type="title"/>
@@ -20573,7 +21512,7 @@
       </p:sp>
       <p:sp>
         <p:nvSpPr>
-          <p:cNvPr id="351" name="Google Shape;351;p43"/>
+          <p:cNvPr id="369" name="Google Shape;369;p45"/>
           <p:cNvSpPr txBox="1"/>
           <p:nvPr>
             <p:ph idx="12" type="sldNum"/>
@@ -22060,6 +22999,285 @@
 </file>
 
 <file path=ppt/theme/theme1.xml><?xml version="1.0" encoding="utf-8"?>
+<a:theme xmlns:a="http://schemas.openxmlformats.org/drawingml/2006/main" xmlns:r="http://schemas.openxmlformats.org/officeDocument/2006/relationships" name="Simple Light">
+  <a:themeElements>
+    <a:clrScheme name="Simple Light">
+      <a:dk1>
+        <a:srgbClr val="000000"/>
+      </a:dk1>
+      <a:lt1>
+        <a:srgbClr val="FFFFFF"/>
+      </a:lt1>
+      <a:dk2>
+        <a:srgbClr val="595959"/>
+      </a:dk2>
+      <a:lt2>
+        <a:srgbClr val="EEEEEE"/>
+      </a:lt2>
+      <a:accent1>
+        <a:srgbClr val="FFAB40"/>
+      </a:accent1>
+      <a:accent2>
+        <a:srgbClr val="212121"/>
+      </a:accent2>
+      <a:accent3>
+        <a:srgbClr val="78909C"/>
+      </a:accent3>
+      <a:accent4>
+        <a:srgbClr val="FFAB40"/>
+      </a:accent4>
+      <a:accent5>
+        <a:srgbClr val="0097A7"/>
+      </a:accent5>
+      <a:accent6>
+        <a:srgbClr val="EEFF41"/>
+      </a:accent6>
+      <a:hlink>
+        <a:srgbClr val="0097A7"/>
+      </a:hlink>
+      <a:folHlink>
+        <a:srgbClr val="0097A7"/>
+      </a:folHlink>
+    </a:clrScheme>
+    <a:fontScheme name="Office">
+      <a:majorFont>
+        <a:latin typeface="Arial"/>
+        <a:ea typeface=""/>
+        <a:cs typeface=""/>
+        <a:font script="Jpan" typeface="ＭＳ Ｐゴシック"/>
+        <a:font script="Hang" typeface="맑은 고딕"/>
+        <a:font script="Hans" typeface="宋体"/>
+        <a:font script="Hant" typeface="新細明體"/>
+        <a:font script="Arab" typeface="Times New Roman"/>
+        <a:font script="Hebr" typeface="Times New Roman"/>
+        <a:font script="Thai" typeface="Angsana New"/>
+        <a:font script="Ethi" typeface="Nyala"/>
+        <a:font script="Beng" typeface="Vrinda"/>
+        <a:font script="Gujr" typeface="Shruti"/>
+        <a:font script="Khmr" typeface="MoolBoran"/>
+        <a:font script="Knda" typeface="Tunga"/>
+        <a:font script="Guru" typeface="Raavi"/>
+        <a:font script="Cans" typeface="Euphemia"/>
+        <a:font script="Cher" typeface="Plantagenet Cherokee"/>
+        <a:font script="Yiii" typeface="Microsoft Yi Baiti"/>
+        <a:font script="Tibt" typeface="Microsoft Himalaya"/>
+        <a:font script="Thaa" typeface="MV Boli"/>
+        <a:font script="Deva" typeface="Mangal"/>
+        <a:font script="Telu" typeface="Gautami"/>
+        <a:font script="Taml" typeface="Latha"/>
+        <a:font script="Syrc" typeface="Estrangelo Edessa"/>
+        <a:font script="Orya" typeface="Kalinga"/>
+        <a:font script="Mlym" typeface="Kartika"/>
+        <a:font script="Laoo" typeface="DokChampa"/>
+        <a:font script="Sinh" typeface="Iskoola Pota"/>
+        <a:font script="Mong" typeface="Mongolian Baiti"/>
+        <a:font script="Viet" typeface="Times New Roman"/>
+        <a:font script="Uigh" typeface="Microsoft Uighur"/>
+        <a:font script="Geor" typeface="Sylfaen"/>
+      </a:majorFont>
+      <a:minorFont>
+        <a:latin typeface="Arial"/>
+        <a:ea typeface=""/>
+        <a:cs typeface=""/>
+        <a:font script="Jpan" typeface="ＭＳ Ｐゴシック"/>
+        <a:font script="Hang" typeface="맑은 고딕"/>
+        <a:font script="Hans" typeface="宋体"/>
+        <a:font script="Hant" typeface="新細明體"/>
+        <a:font script="Arab" typeface="Arial"/>
+        <a:font script="Hebr" typeface="Arial"/>
+        <a:font script="Thai" typeface="Cordia New"/>
+        <a:font script="Ethi" typeface="Nyala"/>
+        <a:font script="Beng" typeface="Vrinda"/>
+        <a:font script="Gujr" typeface="Shruti"/>
+        <a:font script="Khmr" typeface="DaunPenh"/>
+        <a:font script="Knda" typeface="Tunga"/>
+        <a:font script="Guru" typeface="Raavi"/>
+        <a:font script="Cans" typeface="Euphemia"/>
+        <a:font script="Cher" typeface="Plantagenet Cherokee"/>
+        <a:font script="Yiii" typeface="Microsoft Yi Baiti"/>
+        <a:font script="Tibt" typeface="Microsoft Himalaya"/>
+        <a:font script="Thaa" typeface="MV Boli"/>
+        <a:font script="Deva" typeface="Mangal"/>
+        <a:font script="Telu" typeface="Gautami"/>
+        <a:font script="Taml" typeface="Latha"/>
+        <a:font script="Syrc" typeface="Estrangelo Edessa"/>
+        <a:font script="Orya" typeface="Kalinga"/>
+        <a:font script="Mlym" typeface="Kartika"/>
+        <a:font script="Laoo" typeface="DokChampa"/>
+        <a:font script="Sinh" typeface="Iskoola Pota"/>
+        <a:font script="Mong" typeface="Mongolian Baiti"/>
+        <a:font script="Viet" typeface="Arial"/>
+        <a:font script="Uigh" typeface="Microsoft Uighur"/>
+        <a:font script="Geor" typeface="Sylfaen"/>
+      </a:minorFont>
+    </a:fontScheme>
+    <a:fmtScheme name="Office">
+      <a:fillStyleLst>
+        <a:solidFill>
+          <a:schemeClr val="phClr"/>
+        </a:solidFill>
+        <a:gradFill rotWithShape="1">
+          <a:gsLst>
+            <a:gs pos="0">
+              <a:schemeClr val="phClr">
+                <a:tint val="50000"/>
+                <a:satMod val="300000"/>
+              </a:schemeClr>
+            </a:gs>
+            <a:gs pos="35000">
+              <a:schemeClr val="phClr">
+                <a:tint val="37000"/>
+                <a:satMod val="300000"/>
+              </a:schemeClr>
+            </a:gs>
+            <a:gs pos="100000">
+              <a:schemeClr val="phClr">
+                <a:tint val="15000"/>
+                <a:satMod val="350000"/>
+              </a:schemeClr>
+            </a:gs>
+          </a:gsLst>
+          <a:lin ang="16200000" scaled="1"/>
+        </a:gradFill>
+        <a:gradFill rotWithShape="1">
+          <a:gsLst>
+            <a:gs pos="0">
+              <a:schemeClr val="phClr">
+                <a:tint val="100000"/>
+                <a:shade val="100000"/>
+                <a:satMod val="130000"/>
+              </a:schemeClr>
+            </a:gs>
+            <a:gs pos="100000">
+              <a:schemeClr val="phClr">
+                <a:tint val="50000"/>
+                <a:shade val="100000"/>
+                <a:satMod val="350000"/>
+              </a:schemeClr>
+            </a:gs>
+          </a:gsLst>
+          <a:lin ang="16200000" scaled="0"/>
+        </a:gradFill>
+      </a:fillStyleLst>
+      <a:lnStyleLst>
+        <a:ln w="9525" cap="flat" cmpd="sng" algn="ctr">
+          <a:solidFill>
+            <a:schemeClr val="phClr">
+              <a:shade val="95000"/>
+              <a:satMod val="105000"/>
+            </a:schemeClr>
+          </a:solidFill>
+          <a:prstDash val="solid"/>
+        </a:ln>
+        <a:ln w="25400" cap="flat" cmpd="sng" algn="ctr">
+          <a:solidFill>
+            <a:schemeClr val="phClr"/>
+          </a:solidFill>
+          <a:prstDash val="solid"/>
+        </a:ln>
+        <a:ln w="38100" cap="flat" cmpd="sng" algn="ctr">
+          <a:solidFill>
+            <a:schemeClr val="phClr"/>
+          </a:solidFill>
+          <a:prstDash val="solid"/>
+        </a:ln>
+      </a:lnStyleLst>
+      <a:effectStyleLst>
+        <a:effectStyle>
+          <a:effectLst>
+            <a:outerShdw blurRad="40000" dist="20000" dir="5400000" rotWithShape="0">
+              <a:srgbClr val="000000">
+                <a:alpha val="38000"/>
+              </a:srgbClr>
+            </a:outerShdw>
+          </a:effectLst>
+        </a:effectStyle>
+        <a:effectStyle>
+          <a:effectLst>
+            <a:outerShdw blurRad="40000" dist="23000" dir="5400000" rotWithShape="0">
+              <a:srgbClr val="000000">
+                <a:alpha val="35000"/>
+              </a:srgbClr>
+            </a:outerShdw>
+          </a:effectLst>
+        </a:effectStyle>
+        <a:effectStyle>
+          <a:effectLst>
+            <a:outerShdw blurRad="40000" dist="23000" dir="5400000" rotWithShape="0">
+              <a:srgbClr val="000000">
+                <a:alpha val="35000"/>
+              </a:srgbClr>
+            </a:outerShdw>
+          </a:effectLst>
+          <a:scene3d>
+            <a:camera prst="orthographicFront">
+              <a:rot lat="0" lon="0" rev="0"/>
+            </a:camera>
+            <a:lightRig rig="threePt" dir="t">
+              <a:rot lat="0" lon="0" rev="1200000"/>
+            </a:lightRig>
+          </a:scene3d>
+          <a:sp3d>
+            <a:bevelT w="63500" h="25400"/>
+          </a:sp3d>
+        </a:effectStyle>
+      </a:effectStyleLst>
+      <a:bgFillStyleLst>
+        <a:solidFill>
+          <a:schemeClr val="phClr"/>
+        </a:solidFill>
+        <a:gradFill rotWithShape="1">
+          <a:gsLst>
+            <a:gs pos="0">
+              <a:schemeClr val="phClr">
+                <a:tint val="40000"/>
+                <a:satMod val="350000"/>
+              </a:schemeClr>
+            </a:gs>
+            <a:gs pos="40000">
+              <a:schemeClr val="phClr">
+                <a:tint val="45000"/>
+                <a:shade val="99000"/>
+                <a:satMod val="350000"/>
+              </a:schemeClr>
+            </a:gs>
+            <a:gs pos="100000">
+              <a:schemeClr val="phClr">
+                <a:shade val="20000"/>
+                <a:satMod val="255000"/>
+              </a:schemeClr>
+            </a:gs>
+          </a:gsLst>
+          <a:path path="circle">
+            <a:fillToRect l="50000" t="-80000" r="50000" b="180000"/>
+          </a:path>
+        </a:gradFill>
+        <a:gradFill rotWithShape="1">
+          <a:gsLst>
+            <a:gs pos="0">
+              <a:schemeClr val="phClr">
+                <a:tint val="80000"/>
+                <a:satMod val="300000"/>
+              </a:schemeClr>
+            </a:gs>
+            <a:gs pos="100000">
+              <a:schemeClr val="phClr">
+                <a:shade val="30000"/>
+                <a:satMod val="200000"/>
+              </a:schemeClr>
+            </a:gs>
+          </a:gsLst>
+          <a:path path="circle">
+            <a:fillToRect l="50000" t="50000" r="50000" b="50000"/>
+          </a:path>
+        </a:gradFill>
+      </a:bgFillStyleLst>
+    </a:fmtScheme>
+  </a:themeElements>
+</a:theme>
+</file>
+
+<file path=ppt/theme/theme2.xml><?xml version="1.0" encoding="utf-8"?>
 <a:theme xmlns:a="http://schemas.openxmlformats.org/drawingml/2006/main" xmlns:r="http://schemas.openxmlformats.org/officeDocument/2006/relationships">
   <a:themeElements>
     <a:clrScheme name="Default">
@@ -22336,283 +23554,4 @@
     </a:fmtScheme>
   </a:themeElements>
 </a:theme>
-</file>
-
-<file path=ppt/theme/theme2.xml><?xml version="1.0" encoding="utf-8"?>
-<a:theme xmlns:a="http://schemas.openxmlformats.org/drawingml/2006/main" xmlns:r="http://schemas.openxmlformats.org/officeDocument/2006/relationships" name="Simple Light">
-  <a:themeElements>
-    <a:clrScheme name="Simple Light">
-      <a:dk1>
-        <a:srgbClr val="000000"/>
-      </a:dk1>
-      <a:lt1>
-        <a:srgbClr val="FFFFFF"/>
-      </a:lt1>
-      <a:dk2>
-        <a:srgbClr val="595959"/>
-      </a:dk2>
-      <a:lt2>
-        <a:srgbClr val="EEEEEE"/>
-      </a:lt2>
-      <a:accent1>
-        <a:srgbClr val="FFAB40"/>
-      </a:accent1>
-      <a:accent2>
-        <a:srgbClr val="212121"/>
-      </a:accent2>
-      <a:accent3>
-        <a:srgbClr val="78909C"/>
-      </a:accent3>
-      <a:accent4>
-        <a:srgbClr val="FFAB40"/>
-      </a:accent4>
-      <a:accent5>
-        <a:srgbClr val="0097A7"/>
-      </a:accent5>
-      <a:accent6>
-        <a:srgbClr val="EEFF41"/>
-      </a:accent6>
-      <a:hlink>
-        <a:srgbClr val="0097A7"/>
-      </a:hlink>
-      <a:folHlink>
-        <a:srgbClr val="0097A7"/>
-      </a:folHlink>
-    </a:clrScheme>
-    <a:fontScheme name="Office">
-      <a:majorFont>
-        <a:latin typeface="Arial"/>
-        <a:ea typeface=""/>
-        <a:cs typeface=""/>
-        <a:font script="Jpan" typeface="ＭＳ Ｐゴシック"/>
-        <a:font script="Hang" typeface="맑은 고딕"/>
-        <a:font script="Hans" typeface="宋体"/>
-        <a:font script="Hant" typeface="新細明體"/>
-        <a:font script="Arab" typeface="Times New Roman"/>
-        <a:font script="Hebr" typeface="Times New Roman"/>
-        <a:font script="Thai" typeface="Angsana New"/>
-        <a:font script="Ethi" typeface="Nyala"/>
-        <a:font script="Beng" typeface="Vrinda"/>
-        <a:font script="Gujr" typeface="Shruti"/>
-        <a:font script="Khmr" typeface="MoolBoran"/>
-        <a:font script="Knda" typeface="Tunga"/>
-        <a:font script="Guru" typeface="Raavi"/>
-        <a:font script="Cans" typeface="Euphemia"/>
-        <a:font script="Cher" typeface="Plantagenet Cherokee"/>
-        <a:font script="Yiii" typeface="Microsoft Yi Baiti"/>
-        <a:font script="Tibt" typeface="Microsoft Himalaya"/>
-        <a:font script="Thaa" typeface="MV Boli"/>
-        <a:font script="Deva" typeface="Mangal"/>
-        <a:font script="Telu" typeface="Gautami"/>
-        <a:font script="Taml" typeface="Latha"/>
-        <a:font script="Syrc" typeface="Estrangelo Edessa"/>
-        <a:font script="Orya" typeface="Kalinga"/>
-        <a:font script="Mlym" typeface="Kartika"/>
-        <a:font script="Laoo" typeface="DokChampa"/>
-        <a:font script="Sinh" typeface="Iskoola Pota"/>
-        <a:font script="Mong" typeface="Mongolian Baiti"/>
-        <a:font script="Viet" typeface="Times New Roman"/>
-        <a:font script="Uigh" typeface="Microsoft Uighur"/>
-        <a:font script="Geor" typeface="Sylfaen"/>
-      </a:majorFont>
-      <a:minorFont>
-        <a:latin typeface="Arial"/>
-        <a:ea typeface=""/>
-        <a:cs typeface=""/>
-        <a:font script="Jpan" typeface="ＭＳ Ｐゴシック"/>
-        <a:font script="Hang" typeface="맑은 고딕"/>
-        <a:font script="Hans" typeface="宋体"/>
-        <a:font script="Hant" typeface="新細明體"/>
-        <a:font script="Arab" typeface="Arial"/>
-        <a:font script="Hebr" typeface="Arial"/>
-        <a:font script="Thai" typeface="Cordia New"/>
-        <a:font script="Ethi" typeface="Nyala"/>
-        <a:font script="Beng" typeface="Vrinda"/>
-        <a:font script="Gujr" typeface="Shruti"/>
-        <a:font script="Khmr" typeface="DaunPenh"/>
-        <a:font script="Knda" typeface="Tunga"/>
-        <a:font script="Guru" typeface="Raavi"/>
-        <a:font script="Cans" typeface="Euphemia"/>
-        <a:font script="Cher" typeface="Plantagenet Cherokee"/>
-        <a:font script="Yiii" typeface="Microsoft Yi Baiti"/>
-        <a:font script="Tibt" typeface="Microsoft Himalaya"/>
-        <a:font script="Thaa" typeface="MV Boli"/>
-        <a:font script="Deva" typeface="Mangal"/>
-        <a:font script="Telu" typeface="Gautami"/>
-        <a:font script="Taml" typeface="Latha"/>
-        <a:font script="Syrc" typeface="Estrangelo Edessa"/>
-        <a:font script="Orya" typeface="Kalinga"/>
-        <a:font script="Mlym" typeface="Kartika"/>
-        <a:font script="Laoo" typeface="DokChampa"/>
-        <a:font script="Sinh" typeface="Iskoola Pota"/>
-        <a:font script="Mong" typeface="Mongolian Baiti"/>
-        <a:font script="Viet" typeface="Arial"/>
-        <a:font script="Uigh" typeface="Microsoft Uighur"/>
-        <a:font script="Geor" typeface="Sylfaen"/>
-      </a:minorFont>
-    </a:fontScheme>
-    <a:fmtScheme name="Office">
-      <a:fillStyleLst>
-        <a:solidFill>
-          <a:schemeClr val="phClr"/>
-        </a:solidFill>
-        <a:gradFill rotWithShape="1">
-          <a:gsLst>
-            <a:gs pos="0">
-              <a:schemeClr val="phClr">
-                <a:tint val="50000"/>
-                <a:satMod val="300000"/>
-              </a:schemeClr>
-            </a:gs>
-            <a:gs pos="35000">
-              <a:schemeClr val="phClr">
-                <a:tint val="37000"/>
-                <a:satMod val="300000"/>
-              </a:schemeClr>
-            </a:gs>
-            <a:gs pos="100000">
-              <a:schemeClr val="phClr">
-                <a:tint val="15000"/>
-                <a:satMod val="350000"/>
-              </a:schemeClr>
-            </a:gs>
-          </a:gsLst>
-          <a:lin ang="16200000" scaled="1"/>
-        </a:gradFill>
-        <a:gradFill rotWithShape="1">
-          <a:gsLst>
-            <a:gs pos="0">
-              <a:schemeClr val="phClr">
-                <a:tint val="100000"/>
-                <a:shade val="100000"/>
-                <a:satMod val="130000"/>
-              </a:schemeClr>
-            </a:gs>
-            <a:gs pos="100000">
-              <a:schemeClr val="phClr">
-                <a:tint val="50000"/>
-                <a:shade val="100000"/>
-                <a:satMod val="350000"/>
-              </a:schemeClr>
-            </a:gs>
-          </a:gsLst>
-          <a:lin ang="16200000" scaled="0"/>
-        </a:gradFill>
-      </a:fillStyleLst>
-      <a:lnStyleLst>
-        <a:ln w="9525" cap="flat" cmpd="sng" algn="ctr">
-          <a:solidFill>
-            <a:schemeClr val="phClr">
-              <a:shade val="95000"/>
-              <a:satMod val="105000"/>
-            </a:schemeClr>
-          </a:solidFill>
-          <a:prstDash val="solid"/>
-        </a:ln>
-        <a:ln w="25400" cap="flat" cmpd="sng" algn="ctr">
-          <a:solidFill>
-            <a:schemeClr val="phClr"/>
-          </a:solidFill>
-          <a:prstDash val="solid"/>
-        </a:ln>
-        <a:ln w="38100" cap="flat" cmpd="sng" algn="ctr">
-          <a:solidFill>
-            <a:schemeClr val="phClr"/>
-          </a:solidFill>
-          <a:prstDash val="solid"/>
-        </a:ln>
-      </a:lnStyleLst>
-      <a:effectStyleLst>
-        <a:effectStyle>
-          <a:effectLst>
-            <a:outerShdw blurRad="40000" dist="20000" dir="5400000" rotWithShape="0">
-              <a:srgbClr val="000000">
-                <a:alpha val="38000"/>
-              </a:srgbClr>
-            </a:outerShdw>
-          </a:effectLst>
-        </a:effectStyle>
-        <a:effectStyle>
-          <a:effectLst>
-            <a:outerShdw blurRad="40000" dist="23000" dir="5400000" rotWithShape="0">
-              <a:srgbClr val="000000">
-                <a:alpha val="35000"/>
-              </a:srgbClr>
-            </a:outerShdw>
-          </a:effectLst>
-        </a:effectStyle>
-        <a:effectStyle>
-          <a:effectLst>
-            <a:outerShdw blurRad="40000" dist="23000" dir="5400000" rotWithShape="0">
-              <a:srgbClr val="000000">
-                <a:alpha val="35000"/>
-              </a:srgbClr>
-            </a:outerShdw>
-          </a:effectLst>
-          <a:scene3d>
-            <a:camera prst="orthographicFront">
-              <a:rot lat="0" lon="0" rev="0"/>
-            </a:camera>
-            <a:lightRig rig="threePt" dir="t">
-              <a:rot lat="0" lon="0" rev="1200000"/>
-            </a:lightRig>
-          </a:scene3d>
-          <a:sp3d>
-            <a:bevelT w="63500" h="25400"/>
-          </a:sp3d>
-        </a:effectStyle>
-      </a:effectStyleLst>
-      <a:bgFillStyleLst>
-        <a:solidFill>
-          <a:schemeClr val="phClr"/>
-        </a:solidFill>
-        <a:gradFill rotWithShape="1">
-          <a:gsLst>
-            <a:gs pos="0">
-              <a:schemeClr val="phClr">
-                <a:tint val="40000"/>
-                <a:satMod val="350000"/>
-              </a:schemeClr>
-            </a:gs>
-            <a:gs pos="40000">
-              <a:schemeClr val="phClr">
-                <a:tint val="45000"/>
-                <a:shade val="99000"/>
-                <a:satMod val="350000"/>
-              </a:schemeClr>
-            </a:gs>
-            <a:gs pos="100000">
-              <a:schemeClr val="phClr">
-                <a:shade val="20000"/>
-                <a:satMod val="255000"/>
-              </a:schemeClr>
-            </a:gs>
-          </a:gsLst>
-          <a:path path="circle">
-            <a:fillToRect l="50000" t="-80000" r="50000" b="180000"/>
-          </a:path>
-        </a:gradFill>
-        <a:gradFill rotWithShape="1">
-          <a:gsLst>
-            <a:gs pos="0">
-              <a:schemeClr val="phClr">
-                <a:tint val="80000"/>
-                <a:satMod val="300000"/>
-              </a:schemeClr>
-            </a:gs>
-            <a:gs pos="100000">
-              <a:schemeClr val="phClr">
-                <a:shade val="30000"/>
-                <a:satMod val="200000"/>
-              </a:schemeClr>
-            </a:gs>
-          </a:gsLst>
-          <a:path path="circle">
-            <a:fillToRect l="50000" t="50000" r="50000" b="50000"/>
-          </a:path>
-        </a:gradFill>
-      </a:bgFillStyleLst>
-    </a:fmtScheme>
-  </a:themeElements>
-</a:theme>
 </file>